--- a/slides/02-word.pptx
+++ b/slides/02-word.pptx
@@ -4,8 +4,28 @@
   <p:sldMasterIdLst>
     <p:sldMasterId id="2147483648" r:id="rId1"/>
   </p:sldMasterIdLst>
+  <p:notesMasterIdLst>
+    <p:notesMasterId r:id="rId20"/>
+  </p:notesMasterIdLst>
   <p:sldIdLst>
     <p:sldId id="256" r:id="rId2"/>
+    <p:sldId id="257" r:id="rId3"/>
+    <p:sldId id="258" r:id="rId4"/>
+    <p:sldId id="270" r:id="rId5"/>
+    <p:sldId id="259" r:id="rId6"/>
+    <p:sldId id="260" r:id="rId7"/>
+    <p:sldId id="261" r:id="rId8"/>
+    <p:sldId id="264" r:id="rId9"/>
+    <p:sldId id="262" r:id="rId10"/>
+    <p:sldId id="263" r:id="rId11"/>
+    <p:sldId id="265" r:id="rId12"/>
+    <p:sldId id="268" r:id="rId13"/>
+    <p:sldId id="269" r:id="rId14"/>
+    <p:sldId id="266" r:id="rId15"/>
+    <p:sldId id="273" r:id="rId16"/>
+    <p:sldId id="267" r:id="rId17"/>
+    <p:sldId id="271" r:id="rId18"/>
+    <p:sldId id="272" r:id="rId19"/>
   </p:sldIdLst>
   <p:sldSz cx="12192000" cy="6858000"/>
   <p:notesSz cx="6858000" cy="9144000"/>
@@ -110,6 +130,439 @@
     </p:ext>
   </p:extLst>
 </p:presentation>
+</file>
+
+<file path=ppt/notesMasters/notesMaster1.xml><?xml version="1.0" encoding="utf-8"?>
+<p:notesMaster xmlns:a="http://schemas.openxmlformats.org/drawingml/2006/main" xmlns:r="http://schemas.openxmlformats.org/officeDocument/2006/relationships" xmlns:p="http://schemas.openxmlformats.org/presentationml/2006/main">
+  <p:cSld>
+    <p:bg>
+      <p:bgRef idx="1001">
+        <a:schemeClr val="bg1"/>
+      </p:bgRef>
+    </p:bg>
+    <p:spTree>
+      <p:nvGrpSpPr>
+        <p:cNvPr id="1" name=""/>
+        <p:cNvGrpSpPr/>
+        <p:nvPr/>
+      </p:nvGrpSpPr>
+      <p:grpSpPr>
+        <a:xfrm>
+          <a:off x="0" y="0"/>
+          <a:ext cx="0" cy="0"/>
+          <a:chOff x="0" y="0"/>
+          <a:chExt cx="0" cy="0"/>
+        </a:xfrm>
+      </p:grpSpPr>
+      <p:sp>
+        <p:nvSpPr>
+          <p:cNvPr id="2" name="Верхний колонтитул 1"/>
+          <p:cNvSpPr>
+            <a:spLocks noGrp="1"/>
+          </p:cNvSpPr>
+          <p:nvPr>
+            <p:ph type="hdr" sz="quarter"/>
+          </p:nvPr>
+        </p:nvSpPr>
+        <p:spPr>
+          <a:xfrm>
+            <a:off x="0" y="0"/>
+            <a:ext cx="2971800" cy="458788"/>
+          </a:xfrm>
+          <a:prstGeom prst="rect">
+            <a:avLst/>
+          </a:prstGeom>
+        </p:spPr>
+        <p:txBody>
+          <a:bodyPr vert="horz" lIns="91440" tIns="45720" rIns="91440" bIns="45720" rtlCol="0"/>
+          <a:lstStyle>
+            <a:lvl1pPr algn="l">
+              <a:defRPr sz="1200"/>
+            </a:lvl1pPr>
+          </a:lstStyle>
+          <a:p>
+            <a:endParaRPr lang="ru-RU"/>
+          </a:p>
+        </p:txBody>
+      </p:sp>
+      <p:sp>
+        <p:nvSpPr>
+          <p:cNvPr id="3" name="Дата 2"/>
+          <p:cNvSpPr>
+            <a:spLocks noGrp="1"/>
+          </p:cNvSpPr>
+          <p:nvPr>
+            <p:ph type="dt" idx="1"/>
+          </p:nvPr>
+        </p:nvSpPr>
+        <p:spPr>
+          <a:xfrm>
+            <a:off x="3884613" y="0"/>
+            <a:ext cx="2971800" cy="458788"/>
+          </a:xfrm>
+          <a:prstGeom prst="rect">
+            <a:avLst/>
+          </a:prstGeom>
+        </p:spPr>
+        <p:txBody>
+          <a:bodyPr vert="horz" lIns="91440" tIns="45720" rIns="91440" bIns="45720" rtlCol="0"/>
+          <a:lstStyle>
+            <a:lvl1pPr algn="r">
+              <a:defRPr sz="1200"/>
+            </a:lvl1pPr>
+          </a:lstStyle>
+          <a:p>
+            <a:fld id="{6C22E62E-6E52-4E39-A9AF-33460B2C357D}" type="datetimeFigureOut">
+              <a:rPr lang="ru-RU" smtClean="0"/>
+              <a:t>03.10.2023</a:t>
+            </a:fld>
+            <a:endParaRPr lang="ru-RU"/>
+          </a:p>
+        </p:txBody>
+      </p:sp>
+      <p:sp>
+        <p:nvSpPr>
+          <p:cNvPr id="4" name="Образ слайда 3"/>
+          <p:cNvSpPr>
+            <a:spLocks noGrp="1" noRot="1" noChangeAspect="1"/>
+          </p:cNvSpPr>
+          <p:nvPr>
+            <p:ph type="sldImg" idx="2"/>
+          </p:nvPr>
+        </p:nvSpPr>
+        <p:spPr>
+          <a:xfrm>
+            <a:off x="685800" y="1143000"/>
+            <a:ext cx="5486400" cy="3086100"/>
+          </a:xfrm>
+          <a:prstGeom prst="rect">
+            <a:avLst/>
+          </a:prstGeom>
+          <a:noFill/>
+          <a:ln w="12700">
+            <a:solidFill>
+              <a:prstClr val="black"/>
+            </a:solidFill>
+          </a:ln>
+        </p:spPr>
+        <p:txBody>
+          <a:bodyPr vert="horz" lIns="91440" tIns="45720" rIns="91440" bIns="45720" rtlCol="0" anchor="ctr"/>
+          <a:lstStyle/>
+          <a:p>
+            <a:endParaRPr lang="ru-RU"/>
+          </a:p>
+        </p:txBody>
+      </p:sp>
+      <p:sp>
+        <p:nvSpPr>
+          <p:cNvPr id="5" name="Заметки 4"/>
+          <p:cNvSpPr>
+            <a:spLocks noGrp="1"/>
+          </p:cNvSpPr>
+          <p:nvPr>
+            <p:ph type="body" sz="quarter" idx="3"/>
+          </p:nvPr>
+        </p:nvSpPr>
+        <p:spPr>
+          <a:xfrm>
+            <a:off x="685800" y="4400550"/>
+            <a:ext cx="5486400" cy="3600450"/>
+          </a:xfrm>
+          <a:prstGeom prst="rect">
+            <a:avLst/>
+          </a:prstGeom>
+        </p:spPr>
+        <p:txBody>
+          <a:bodyPr vert="horz" lIns="91440" tIns="45720" rIns="91440" bIns="45720" rtlCol="0"/>
+          <a:lstStyle/>
+          <a:p>
+            <a:pPr lvl="0"/>
+            <a:r>
+              <a:rPr lang="ru-RU"/>
+              <a:t>Образец текста</a:t>
+            </a:r>
+          </a:p>
+          <a:p>
+            <a:pPr lvl="1"/>
+            <a:r>
+              <a:rPr lang="ru-RU"/>
+              <a:t>Второй уровень</a:t>
+            </a:r>
+          </a:p>
+          <a:p>
+            <a:pPr lvl="2"/>
+            <a:r>
+              <a:rPr lang="ru-RU"/>
+              <a:t>Третий уровень</a:t>
+            </a:r>
+          </a:p>
+          <a:p>
+            <a:pPr lvl="3"/>
+            <a:r>
+              <a:rPr lang="ru-RU"/>
+              <a:t>Четвертый уровень</a:t>
+            </a:r>
+          </a:p>
+          <a:p>
+            <a:pPr lvl="4"/>
+            <a:r>
+              <a:rPr lang="ru-RU"/>
+              <a:t>Пятый уровень</a:t>
+            </a:r>
+          </a:p>
+        </p:txBody>
+      </p:sp>
+      <p:sp>
+        <p:nvSpPr>
+          <p:cNvPr id="6" name="Нижний колонтитул 5"/>
+          <p:cNvSpPr>
+            <a:spLocks noGrp="1"/>
+          </p:cNvSpPr>
+          <p:nvPr>
+            <p:ph type="ftr" sz="quarter" idx="4"/>
+          </p:nvPr>
+        </p:nvSpPr>
+        <p:spPr>
+          <a:xfrm>
+            <a:off x="0" y="8685213"/>
+            <a:ext cx="2971800" cy="458787"/>
+          </a:xfrm>
+          <a:prstGeom prst="rect">
+            <a:avLst/>
+          </a:prstGeom>
+        </p:spPr>
+        <p:txBody>
+          <a:bodyPr vert="horz" lIns="91440" tIns="45720" rIns="91440" bIns="45720" rtlCol="0" anchor="b"/>
+          <a:lstStyle>
+            <a:lvl1pPr algn="l">
+              <a:defRPr sz="1200"/>
+            </a:lvl1pPr>
+          </a:lstStyle>
+          <a:p>
+            <a:endParaRPr lang="ru-RU"/>
+          </a:p>
+        </p:txBody>
+      </p:sp>
+      <p:sp>
+        <p:nvSpPr>
+          <p:cNvPr id="7" name="Номер слайда 6"/>
+          <p:cNvSpPr>
+            <a:spLocks noGrp="1"/>
+          </p:cNvSpPr>
+          <p:nvPr>
+            <p:ph type="sldNum" sz="quarter" idx="5"/>
+          </p:nvPr>
+        </p:nvSpPr>
+        <p:spPr>
+          <a:xfrm>
+            <a:off x="3884613" y="8685213"/>
+            <a:ext cx="2971800" cy="458787"/>
+          </a:xfrm>
+          <a:prstGeom prst="rect">
+            <a:avLst/>
+          </a:prstGeom>
+        </p:spPr>
+        <p:txBody>
+          <a:bodyPr vert="horz" lIns="91440" tIns="45720" rIns="91440" bIns="45720" rtlCol="0" anchor="b"/>
+          <a:lstStyle>
+            <a:lvl1pPr algn="r">
+              <a:defRPr sz="1200"/>
+            </a:lvl1pPr>
+          </a:lstStyle>
+          <a:p>
+            <a:fld id="{D6031615-8015-45B8-8047-581C68A8DB75}" type="slidenum">
+              <a:rPr lang="ru-RU" smtClean="0"/>
+              <a:t>‹#›</a:t>
+            </a:fld>
+            <a:endParaRPr lang="ru-RU"/>
+          </a:p>
+        </p:txBody>
+      </p:sp>
+    </p:spTree>
+    <p:extLst>
+      <p:ext uri="{BB962C8B-B14F-4D97-AF65-F5344CB8AC3E}">
+        <p14:creationId xmlns:p14="http://schemas.microsoft.com/office/powerpoint/2010/main" val="2253044733"/>
+      </p:ext>
+    </p:extLst>
+  </p:cSld>
+  <p:clrMap bg1="lt1" tx1="dk1" bg2="lt2" tx2="dk2" accent1="accent1" accent2="accent2" accent3="accent3" accent4="accent4" accent5="accent5" accent6="accent6" hlink="hlink" folHlink="folHlink"/>
+  <p:notesStyle>
+    <a:lvl1pPr marL="0" algn="l" defTabSz="914400" rtl="0" eaLnBrk="1" latinLnBrk="0" hangingPunct="1">
+      <a:defRPr sz="1200" kern="1200">
+        <a:solidFill>
+          <a:schemeClr val="tx1"/>
+        </a:solidFill>
+        <a:latin typeface="+mn-lt"/>
+        <a:ea typeface="+mn-ea"/>
+        <a:cs typeface="+mn-cs"/>
+      </a:defRPr>
+    </a:lvl1pPr>
+    <a:lvl2pPr marL="457200" algn="l" defTabSz="914400" rtl="0" eaLnBrk="1" latinLnBrk="0" hangingPunct="1">
+      <a:defRPr sz="1200" kern="1200">
+        <a:solidFill>
+          <a:schemeClr val="tx1"/>
+        </a:solidFill>
+        <a:latin typeface="+mn-lt"/>
+        <a:ea typeface="+mn-ea"/>
+        <a:cs typeface="+mn-cs"/>
+      </a:defRPr>
+    </a:lvl2pPr>
+    <a:lvl3pPr marL="914400" algn="l" defTabSz="914400" rtl="0" eaLnBrk="1" latinLnBrk="0" hangingPunct="1">
+      <a:defRPr sz="1200" kern="1200">
+        <a:solidFill>
+          <a:schemeClr val="tx1"/>
+        </a:solidFill>
+        <a:latin typeface="+mn-lt"/>
+        <a:ea typeface="+mn-ea"/>
+        <a:cs typeface="+mn-cs"/>
+      </a:defRPr>
+    </a:lvl3pPr>
+    <a:lvl4pPr marL="1371600" algn="l" defTabSz="914400" rtl="0" eaLnBrk="1" latinLnBrk="0" hangingPunct="1">
+      <a:defRPr sz="1200" kern="1200">
+        <a:solidFill>
+          <a:schemeClr val="tx1"/>
+        </a:solidFill>
+        <a:latin typeface="+mn-lt"/>
+        <a:ea typeface="+mn-ea"/>
+        <a:cs typeface="+mn-cs"/>
+      </a:defRPr>
+    </a:lvl4pPr>
+    <a:lvl5pPr marL="1828800" algn="l" defTabSz="914400" rtl="0" eaLnBrk="1" latinLnBrk="0" hangingPunct="1">
+      <a:defRPr sz="1200" kern="1200">
+        <a:solidFill>
+          <a:schemeClr val="tx1"/>
+        </a:solidFill>
+        <a:latin typeface="+mn-lt"/>
+        <a:ea typeface="+mn-ea"/>
+        <a:cs typeface="+mn-cs"/>
+      </a:defRPr>
+    </a:lvl5pPr>
+    <a:lvl6pPr marL="2286000" algn="l" defTabSz="914400" rtl="0" eaLnBrk="1" latinLnBrk="0" hangingPunct="1">
+      <a:defRPr sz="1200" kern="1200">
+        <a:solidFill>
+          <a:schemeClr val="tx1"/>
+        </a:solidFill>
+        <a:latin typeface="+mn-lt"/>
+        <a:ea typeface="+mn-ea"/>
+        <a:cs typeface="+mn-cs"/>
+      </a:defRPr>
+    </a:lvl6pPr>
+    <a:lvl7pPr marL="2743200" algn="l" defTabSz="914400" rtl="0" eaLnBrk="1" latinLnBrk="0" hangingPunct="1">
+      <a:defRPr sz="1200" kern="1200">
+        <a:solidFill>
+          <a:schemeClr val="tx1"/>
+        </a:solidFill>
+        <a:latin typeface="+mn-lt"/>
+        <a:ea typeface="+mn-ea"/>
+        <a:cs typeface="+mn-cs"/>
+      </a:defRPr>
+    </a:lvl7pPr>
+    <a:lvl8pPr marL="3200400" algn="l" defTabSz="914400" rtl="0" eaLnBrk="1" latinLnBrk="0" hangingPunct="1">
+      <a:defRPr sz="1200" kern="1200">
+        <a:solidFill>
+          <a:schemeClr val="tx1"/>
+        </a:solidFill>
+        <a:latin typeface="+mn-lt"/>
+        <a:ea typeface="+mn-ea"/>
+        <a:cs typeface="+mn-cs"/>
+      </a:defRPr>
+    </a:lvl8pPr>
+    <a:lvl9pPr marL="3657600" algn="l" defTabSz="914400" rtl="0" eaLnBrk="1" latinLnBrk="0" hangingPunct="1">
+      <a:defRPr sz="1200" kern="1200">
+        <a:solidFill>
+          <a:schemeClr val="tx1"/>
+        </a:solidFill>
+        <a:latin typeface="+mn-lt"/>
+        <a:ea typeface="+mn-ea"/>
+        <a:cs typeface="+mn-cs"/>
+      </a:defRPr>
+    </a:lvl9pPr>
+  </p:notesStyle>
+</p:notesMaster>
+</file>
+
+<file path=ppt/notesSlides/notesSlide1.xml><?xml version="1.0" encoding="utf-8"?>
+<p:notes xmlns:a="http://schemas.openxmlformats.org/drawingml/2006/main" xmlns:r="http://schemas.openxmlformats.org/officeDocument/2006/relationships" xmlns:p="http://schemas.openxmlformats.org/presentationml/2006/main">
+  <p:cSld>
+    <p:spTree>
+      <p:nvGrpSpPr>
+        <p:cNvPr id="1" name=""/>
+        <p:cNvGrpSpPr/>
+        <p:nvPr/>
+      </p:nvGrpSpPr>
+      <p:grpSpPr>
+        <a:xfrm>
+          <a:off x="0" y="0"/>
+          <a:ext cx="0" cy="0"/>
+          <a:chOff x="0" y="0"/>
+          <a:chExt cx="0" cy="0"/>
+        </a:xfrm>
+      </p:grpSpPr>
+      <p:sp>
+        <p:nvSpPr>
+          <p:cNvPr id="2" name="Образ слайда 1"/>
+          <p:cNvSpPr>
+            <a:spLocks noGrp="1" noRot="1" noChangeAspect="1"/>
+          </p:cNvSpPr>
+          <p:nvPr>
+            <p:ph type="sldImg"/>
+          </p:nvPr>
+        </p:nvSpPr>
+        <p:spPr/>
+      </p:sp>
+      <p:sp>
+        <p:nvSpPr>
+          <p:cNvPr id="3" name="Заметки 2"/>
+          <p:cNvSpPr>
+            <a:spLocks noGrp="1"/>
+          </p:cNvSpPr>
+          <p:nvPr>
+            <p:ph type="body" idx="1"/>
+          </p:nvPr>
+        </p:nvSpPr>
+        <p:spPr/>
+        <p:txBody>
+          <a:bodyPr/>
+          <a:lstStyle/>
+          <a:p>
+            <a:endParaRPr lang="ru-RU" dirty="0"/>
+          </a:p>
+        </p:txBody>
+      </p:sp>
+      <p:sp>
+        <p:nvSpPr>
+          <p:cNvPr id="4" name="Номер слайда 3"/>
+          <p:cNvSpPr>
+            <a:spLocks noGrp="1"/>
+          </p:cNvSpPr>
+          <p:nvPr>
+            <p:ph type="sldNum" sz="quarter" idx="5"/>
+          </p:nvPr>
+        </p:nvSpPr>
+        <p:spPr/>
+        <p:txBody>
+          <a:bodyPr/>
+          <a:lstStyle/>
+          <a:p>
+            <a:fld id="{D6031615-8015-45B8-8047-581C68A8DB75}" type="slidenum">
+              <a:rPr lang="ru-RU" smtClean="0"/>
+              <a:t>4</a:t>
+            </a:fld>
+            <a:endParaRPr lang="ru-RU"/>
+          </a:p>
+        </p:txBody>
+      </p:sp>
+    </p:spTree>
+    <p:extLst>
+      <p:ext uri="{BB962C8B-B14F-4D97-AF65-F5344CB8AC3E}">
+        <p14:creationId xmlns:p14="http://schemas.microsoft.com/office/powerpoint/2010/main" val="3473730082"/>
+      </p:ext>
+    </p:extLst>
+  </p:cSld>
+  <p:clrMapOvr>
+    <a:masterClrMapping/>
+  </p:clrMapOvr>
+</p:notes>
 </file>
 
 <file path=ppt/slideLayouts/slideLayout1.xml><?xml version="1.0" encoding="utf-8"?>
@@ -3432,6 +3885,8436 @@
 </p:sld>
 </file>
 
+<file path=ppt/slides/slide10.xml><?xml version="1.0" encoding="utf-8"?>
+<p:sld xmlns:a="http://schemas.openxmlformats.org/drawingml/2006/main" xmlns:r="http://schemas.openxmlformats.org/officeDocument/2006/relationships" xmlns:p="http://schemas.openxmlformats.org/presentationml/2006/main">
+  <p:cSld>
+    <p:spTree>
+      <p:nvGrpSpPr>
+        <p:cNvPr id="1" name=""/>
+        <p:cNvGrpSpPr/>
+        <p:nvPr/>
+      </p:nvGrpSpPr>
+      <p:grpSpPr>
+        <a:xfrm>
+          <a:off x="0" y="0"/>
+          <a:ext cx="0" cy="0"/>
+          <a:chOff x="0" y="0"/>
+          <a:chExt cx="0" cy="0"/>
+        </a:xfrm>
+      </p:grpSpPr>
+      <p:sp>
+        <p:nvSpPr>
+          <p:cNvPr id="9" name="TextBox 8">
+            <a:extLst>
+              <a:ext uri="{FF2B5EF4-FFF2-40B4-BE49-F238E27FC236}">
+                <a16:creationId xmlns:a16="http://schemas.microsoft.com/office/drawing/2014/main" id="{87E2D704-6CA7-FA6C-184A-29AD22314EE5}"/>
+              </a:ext>
+            </a:extLst>
+          </p:cNvPr>
+          <p:cNvSpPr txBox="1"/>
+          <p:nvPr/>
+        </p:nvSpPr>
+        <p:spPr>
+          <a:xfrm>
+            <a:off x="10804504" y="-95003"/>
+            <a:ext cx="1387496" cy="584775"/>
+          </a:xfrm>
+          <a:prstGeom prst="rect">
+            <a:avLst/>
+          </a:prstGeom>
+          <a:noFill/>
+        </p:spPr>
+        <p:txBody>
+          <a:bodyPr wrap="none" rtlCol="0">
+            <a:spAutoFit/>
+          </a:bodyPr>
+          <a:lstStyle/>
+          <a:p>
+            <a:pPr algn="r"/>
+            <a:r>
+              <a:rPr lang="ru-RU" sz="3200" dirty="0"/>
+              <a:t>Шрифт</a:t>
+            </a:r>
+          </a:p>
+        </p:txBody>
+      </p:sp>
+      <p:sp>
+        <p:nvSpPr>
+          <p:cNvPr id="4" name="TextBox 3">
+            <a:extLst>
+              <a:ext uri="{FF2B5EF4-FFF2-40B4-BE49-F238E27FC236}">
+                <a16:creationId xmlns:a16="http://schemas.microsoft.com/office/drawing/2014/main" id="{7E9F7F03-F41A-86C8-4731-133F565E607B}"/>
+              </a:ext>
+            </a:extLst>
+          </p:cNvPr>
+          <p:cNvSpPr txBox="1"/>
+          <p:nvPr/>
+        </p:nvSpPr>
+        <p:spPr>
+          <a:xfrm>
+            <a:off x="255320" y="434562"/>
+            <a:ext cx="6335485" cy="3139321"/>
+          </a:xfrm>
+          <a:prstGeom prst="rect">
+            <a:avLst/>
+          </a:prstGeom>
+          <a:solidFill>
+            <a:schemeClr val="bg1"/>
+          </a:solidFill>
+          <a:ln>
+            <a:solidFill>
+              <a:schemeClr val="tx1"/>
+            </a:solidFill>
+          </a:ln>
+          <a:effectLst>
+            <a:outerShdw blurRad="50800" dist="38100" dir="2700000" algn="tl" rotWithShape="0">
+              <a:prstClr val="black">
+                <a:alpha val="40000"/>
+              </a:prstClr>
+            </a:outerShdw>
+          </a:effectLst>
+        </p:spPr>
+        <p:txBody>
+          <a:bodyPr wrap="square" rtlCol="0">
+            <a:spAutoFit/>
+          </a:bodyPr>
+          <a:lstStyle/>
+          <a:p>
+            <a:r>
+              <a:rPr lang="en-US" b="1" dirty="0"/>
+              <a:t>% </a:t>
+            </a:r>
+            <a:r>
+              <a:rPr lang="ru-RU" b="1" dirty="0"/>
+              <a:t>Глобальная настройка размера</a:t>
+            </a:r>
+          </a:p>
+          <a:p>
+            <a:endParaRPr lang="en-US" dirty="0"/>
+          </a:p>
+          <a:p>
+            <a:r>
+              <a:rPr lang="en-US" dirty="0"/>
+              <a:t>\</a:t>
+            </a:r>
+            <a:r>
+              <a:rPr lang="en-US" dirty="0" err="1"/>
+              <a:t>documentclass</a:t>
+            </a:r>
+            <a:r>
+              <a:rPr lang="en-US" dirty="0"/>
+              <a:t>[12pt]{article} 	% </a:t>
+            </a:r>
+            <a:r>
+              <a:rPr lang="ru-RU" dirty="0"/>
+              <a:t>только </a:t>
+            </a:r>
+            <a:r>
+              <a:rPr lang="en-US" u="sng" dirty="0"/>
+              <a:t>10pt</a:t>
+            </a:r>
+            <a:r>
+              <a:rPr lang="en-US" dirty="0"/>
+              <a:t>, 11pt, 12pt</a:t>
+            </a:r>
+          </a:p>
+          <a:p>
+            <a:endParaRPr lang="en-US" dirty="0"/>
+          </a:p>
+          <a:p>
+            <a:r>
+              <a:rPr lang="en-US" dirty="0"/>
+              <a:t>% </a:t>
+            </a:r>
+            <a:r>
+              <a:rPr lang="ru-RU" dirty="0"/>
+              <a:t>или</a:t>
+            </a:r>
+            <a:endParaRPr lang="en-US" dirty="0"/>
+          </a:p>
+          <a:p>
+            <a:endParaRPr lang="en-US" dirty="0"/>
+          </a:p>
+          <a:p>
+            <a:r>
+              <a:rPr lang="en-US" dirty="0"/>
+              <a:t>\</a:t>
+            </a:r>
+            <a:r>
+              <a:rPr lang="en-US" dirty="0" err="1"/>
+              <a:t>documentclass</a:t>
+            </a:r>
+            <a:r>
+              <a:rPr lang="en-US" dirty="0"/>
+              <a:t>[14pt]{</a:t>
+            </a:r>
+            <a:r>
+              <a:rPr lang="en-US" dirty="0" err="1"/>
+              <a:t>extarticle</a:t>
+            </a:r>
+            <a:r>
+              <a:rPr lang="en-US" dirty="0"/>
+              <a:t>}	% </a:t>
+            </a:r>
+            <a:r>
+              <a:rPr lang="ru-RU" dirty="0"/>
+              <a:t>ГОСТ</a:t>
+            </a:r>
+          </a:p>
+          <a:p>
+            <a:endParaRPr lang="ru-RU" dirty="0"/>
+          </a:p>
+          <a:p>
+            <a:r>
+              <a:rPr lang="en-US" dirty="0"/>
+              <a:t>% </a:t>
+            </a:r>
+            <a:r>
+              <a:rPr lang="ru-RU" dirty="0"/>
+              <a:t>или </a:t>
+            </a:r>
+            <a:endParaRPr lang="en-US" dirty="0"/>
+          </a:p>
+          <a:p>
+            <a:endParaRPr lang="en-US" dirty="0"/>
+          </a:p>
+          <a:p>
+            <a:r>
+              <a:rPr lang="en-US" dirty="0"/>
+              <a:t>\</a:t>
+            </a:r>
+            <a:r>
+              <a:rPr lang="en-US" dirty="0" err="1"/>
+              <a:t>usepackage</a:t>
+            </a:r>
+            <a:r>
+              <a:rPr lang="en-US" dirty="0"/>
+              <a:t>{</a:t>
+            </a:r>
+            <a:r>
+              <a:rPr lang="en-US" dirty="0" err="1"/>
+              <a:t>extsizes</a:t>
+            </a:r>
+            <a:r>
+              <a:rPr lang="en-US" dirty="0"/>
+              <a:t>}		% ???</a:t>
+            </a:r>
+            <a:endParaRPr lang="ru-RU" dirty="0"/>
+          </a:p>
+        </p:txBody>
+      </p:sp>
+      <p:graphicFrame>
+        <p:nvGraphicFramePr>
+          <p:cNvPr id="10" name="Таблица 10">
+            <a:extLst>
+              <a:ext uri="{FF2B5EF4-FFF2-40B4-BE49-F238E27FC236}">
+                <a16:creationId xmlns:a16="http://schemas.microsoft.com/office/drawing/2014/main" id="{1136EB64-8EEF-3626-8589-CA40A2429AD2}"/>
+              </a:ext>
+            </a:extLst>
+          </p:cNvPr>
+          <p:cNvGraphicFramePr>
+            <a:graphicFrameLocks noGrp="1"/>
+          </p:cNvGraphicFramePr>
+          <p:nvPr>
+            <p:extLst>
+              <p:ext uri="{D42A27DB-BD31-4B8C-83A1-F6EECF244321}">
+                <p14:modId xmlns:p14="http://schemas.microsoft.com/office/powerpoint/2010/main" val="1604074252"/>
+              </p:ext>
+            </p:extLst>
+          </p:nvPr>
+        </p:nvGraphicFramePr>
+        <p:xfrm>
+          <a:off x="9008753" y="945297"/>
+          <a:ext cx="2652816" cy="4079240"/>
+        </p:xfrm>
+        <a:graphic>
+          <a:graphicData uri="http://schemas.openxmlformats.org/drawingml/2006/table">
+            <a:tbl>
+              <a:tblPr firstRow="1" bandRow="1">
+                <a:tableStyleId>{21E4AEA4-8DFA-4A89-87EB-49C32662AFE0}</a:tableStyleId>
+              </a:tblPr>
+              <a:tblGrid>
+                <a:gridCol w="2652816">
+                  <a:extLst>
+                    <a:ext uri="{9D8B030D-6E8A-4147-A177-3AD203B41FA5}">
+                      <a16:colId xmlns:a16="http://schemas.microsoft.com/office/drawing/2014/main" val="2803028482"/>
+                    </a:ext>
+                  </a:extLst>
+                </a:gridCol>
+              </a:tblGrid>
+              <a:tr h="370840">
+                <a:tc>
+                  <a:txBody>
+                    <a:bodyPr/>
+                    <a:lstStyle/>
+                    <a:p>
+                      <a:pPr algn="ctr"/>
+                      <a:r>
+                        <a:rPr lang="en-US" dirty="0"/>
+                        <a:t>DON’T!!! ;-)</a:t>
+                      </a:r>
+                      <a:endParaRPr lang="ru-RU" dirty="0"/>
+                    </a:p>
+                  </a:txBody>
+                  <a:tcPr/>
+                </a:tc>
+                <a:extLst>
+                  <a:ext uri="{0D108BD9-81ED-4DB2-BD59-A6C34878D82A}">
+                    <a16:rowId xmlns:a16="http://schemas.microsoft.com/office/drawing/2014/main" val="3809418185"/>
+                  </a:ext>
+                </a:extLst>
+              </a:tr>
+              <a:tr h="370840">
+                <a:tc>
+                  <a:txBody>
+                    <a:bodyPr/>
+                    <a:lstStyle/>
+                    <a:p>
+                      <a:r>
+                        <a:rPr lang="en-US" dirty="0"/>
+                        <a:t>\tiny</a:t>
+                      </a:r>
+                      <a:endParaRPr lang="ru-RU" dirty="0"/>
+                    </a:p>
+                  </a:txBody>
+                  <a:tcPr/>
+                </a:tc>
+                <a:extLst>
+                  <a:ext uri="{0D108BD9-81ED-4DB2-BD59-A6C34878D82A}">
+                    <a16:rowId xmlns:a16="http://schemas.microsoft.com/office/drawing/2014/main" val="3424992292"/>
+                  </a:ext>
+                </a:extLst>
+              </a:tr>
+              <a:tr h="370840">
+                <a:tc>
+                  <a:txBody>
+                    <a:bodyPr/>
+                    <a:lstStyle/>
+                    <a:p>
+                      <a:r>
+                        <a:rPr lang="en-US" dirty="0"/>
+                        <a:t>\</a:t>
+                      </a:r>
+                      <a:r>
+                        <a:rPr lang="en-US" dirty="0" err="1"/>
+                        <a:t>scriptsize</a:t>
+                      </a:r>
+                      <a:endParaRPr lang="ru-RU" dirty="0"/>
+                    </a:p>
+                  </a:txBody>
+                  <a:tcPr/>
+                </a:tc>
+                <a:extLst>
+                  <a:ext uri="{0D108BD9-81ED-4DB2-BD59-A6C34878D82A}">
+                    <a16:rowId xmlns:a16="http://schemas.microsoft.com/office/drawing/2014/main" val="1826142569"/>
+                  </a:ext>
+                </a:extLst>
+              </a:tr>
+              <a:tr h="370840">
+                <a:tc>
+                  <a:txBody>
+                    <a:bodyPr/>
+                    <a:lstStyle/>
+                    <a:p>
+                      <a:r>
+                        <a:rPr lang="en-US" dirty="0"/>
+                        <a:t>\</a:t>
+                      </a:r>
+                      <a:r>
+                        <a:rPr lang="en-US" dirty="0" err="1"/>
+                        <a:t>footnotesize</a:t>
+                      </a:r>
+                      <a:endParaRPr lang="ru-RU" dirty="0"/>
+                    </a:p>
+                  </a:txBody>
+                  <a:tcPr/>
+                </a:tc>
+                <a:extLst>
+                  <a:ext uri="{0D108BD9-81ED-4DB2-BD59-A6C34878D82A}">
+                    <a16:rowId xmlns:a16="http://schemas.microsoft.com/office/drawing/2014/main" val="2456215203"/>
+                  </a:ext>
+                </a:extLst>
+              </a:tr>
+              <a:tr h="370840">
+                <a:tc>
+                  <a:txBody>
+                    <a:bodyPr/>
+                    <a:lstStyle/>
+                    <a:p>
+                      <a:r>
+                        <a:rPr lang="en-US" dirty="0"/>
+                        <a:t>\small</a:t>
+                      </a:r>
+                      <a:endParaRPr lang="ru-RU" dirty="0"/>
+                    </a:p>
+                  </a:txBody>
+                  <a:tcPr/>
+                </a:tc>
+                <a:extLst>
+                  <a:ext uri="{0D108BD9-81ED-4DB2-BD59-A6C34878D82A}">
+                    <a16:rowId xmlns:a16="http://schemas.microsoft.com/office/drawing/2014/main" val="3455140327"/>
+                  </a:ext>
+                </a:extLst>
+              </a:tr>
+              <a:tr h="370840">
+                <a:tc>
+                  <a:txBody>
+                    <a:bodyPr/>
+                    <a:lstStyle/>
+                    <a:p>
+                      <a:r>
+                        <a:rPr lang="en-US" dirty="0"/>
+                        <a:t>\</a:t>
+                      </a:r>
+                      <a:r>
+                        <a:rPr lang="en-US" u="sng" dirty="0" err="1"/>
+                        <a:t>normalsize</a:t>
+                      </a:r>
+                      <a:endParaRPr lang="ru-RU" u="sng" dirty="0"/>
+                    </a:p>
+                  </a:txBody>
+                  <a:tcPr/>
+                </a:tc>
+                <a:extLst>
+                  <a:ext uri="{0D108BD9-81ED-4DB2-BD59-A6C34878D82A}">
+                    <a16:rowId xmlns:a16="http://schemas.microsoft.com/office/drawing/2014/main" val="1345627653"/>
+                  </a:ext>
+                </a:extLst>
+              </a:tr>
+              <a:tr h="370840">
+                <a:tc>
+                  <a:txBody>
+                    <a:bodyPr/>
+                    <a:lstStyle/>
+                    <a:p>
+                      <a:r>
+                        <a:rPr lang="en-US" dirty="0"/>
+                        <a:t>\large</a:t>
+                      </a:r>
+                      <a:endParaRPr lang="ru-RU" dirty="0"/>
+                    </a:p>
+                  </a:txBody>
+                  <a:tcPr/>
+                </a:tc>
+                <a:extLst>
+                  <a:ext uri="{0D108BD9-81ED-4DB2-BD59-A6C34878D82A}">
+                    <a16:rowId xmlns:a16="http://schemas.microsoft.com/office/drawing/2014/main" val="4193809148"/>
+                  </a:ext>
+                </a:extLst>
+              </a:tr>
+              <a:tr h="370840">
+                <a:tc>
+                  <a:txBody>
+                    <a:bodyPr/>
+                    <a:lstStyle/>
+                    <a:p>
+                      <a:r>
+                        <a:rPr lang="en-US" dirty="0"/>
+                        <a:t>\Large</a:t>
+                      </a:r>
+                      <a:endParaRPr lang="ru-RU" dirty="0"/>
+                    </a:p>
+                  </a:txBody>
+                  <a:tcPr/>
+                </a:tc>
+                <a:extLst>
+                  <a:ext uri="{0D108BD9-81ED-4DB2-BD59-A6C34878D82A}">
+                    <a16:rowId xmlns:a16="http://schemas.microsoft.com/office/drawing/2014/main" val="4092471073"/>
+                  </a:ext>
+                </a:extLst>
+              </a:tr>
+              <a:tr h="370840">
+                <a:tc>
+                  <a:txBody>
+                    <a:bodyPr/>
+                    <a:lstStyle/>
+                    <a:p>
+                      <a:r>
+                        <a:rPr lang="en-US" dirty="0"/>
+                        <a:t>\LARGE</a:t>
+                      </a:r>
+                      <a:endParaRPr lang="ru-RU" dirty="0"/>
+                    </a:p>
+                  </a:txBody>
+                  <a:tcPr/>
+                </a:tc>
+                <a:extLst>
+                  <a:ext uri="{0D108BD9-81ED-4DB2-BD59-A6C34878D82A}">
+                    <a16:rowId xmlns:a16="http://schemas.microsoft.com/office/drawing/2014/main" val="2223597065"/>
+                  </a:ext>
+                </a:extLst>
+              </a:tr>
+              <a:tr h="370840">
+                <a:tc>
+                  <a:txBody>
+                    <a:bodyPr/>
+                    <a:lstStyle/>
+                    <a:p>
+                      <a:r>
+                        <a:rPr lang="en-US" dirty="0"/>
+                        <a:t>\huge</a:t>
+                      </a:r>
+                      <a:endParaRPr lang="ru-RU" dirty="0"/>
+                    </a:p>
+                  </a:txBody>
+                  <a:tcPr/>
+                </a:tc>
+                <a:extLst>
+                  <a:ext uri="{0D108BD9-81ED-4DB2-BD59-A6C34878D82A}">
+                    <a16:rowId xmlns:a16="http://schemas.microsoft.com/office/drawing/2014/main" val="3252683924"/>
+                  </a:ext>
+                </a:extLst>
+              </a:tr>
+              <a:tr h="370840">
+                <a:tc>
+                  <a:txBody>
+                    <a:bodyPr/>
+                    <a:lstStyle/>
+                    <a:p>
+                      <a:r>
+                        <a:rPr lang="en-US" dirty="0"/>
+                        <a:t>\Huge</a:t>
+                      </a:r>
+                      <a:endParaRPr lang="ru-RU" dirty="0"/>
+                    </a:p>
+                  </a:txBody>
+                  <a:tcPr/>
+                </a:tc>
+                <a:extLst>
+                  <a:ext uri="{0D108BD9-81ED-4DB2-BD59-A6C34878D82A}">
+                    <a16:rowId xmlns:a16="http://schemas.microsoft.com/office/drawing/2014/main" val="1716691895"/>
+                  </a:ext>
+                </a:extLst>
+              </a:tr>
+            </a:tbl>
+          </a:graphicData>
+        </a:graphic>
+      </p:graphicFrame>
+      <p:graphicFrame>
+        <p:nvGraphicFramePr>
+          <p:cNvPr id="11" name="Таблица 11">
+            <a:extLst>
+              <a:ext uri="{FF2B5EF4-FFF2-40B4-BE49-F238E27FC236}">
+                <a16:creationId xmlns:a16="http://schemas.microsoft.com/office/drawing/2014/main" id="{74299299-9D6F-85DB-77F5-0B9CE09FA374}"/>
+              </a:ext>
+            </a:extLst>
+          </p:cNvPr>
+          <p:cNvGraphicFramePr>
+            <a:graphicFrameLocks noGrp="1"/>
+          </p:cNvGraphicFramePr>
+          <p:nvPr>
+            <p:extLst>
+              <p:ext uri="{D42A27DB-BD31-4B8C-83A1-F6EECF244321}">
+                <p14:modId xmlns:p14="http://schemas.microsoft.com/office/powerpoint/2010/main" val="1223396424"/>
+              </p:ext>
+            </p:extLst>
+          </p:nvPr>
+        </p:nvGraphicFramePr>
+        <p:xfrm>
+          <a:off x="1936891" y="4112953"/>
+          <a:ext cx="6399588" cy="2595880"/>
+        </p:xfrm>
+        <a:graphic>
+          <a:graphicData uri="http://schemas.openxmlformats.org/drawingml/2006/table">
+            <a:tbl>
+              <a:tblPr firstRow="1" bandRow="1">
+                <a:tableStyleId>{5C22544A-7EE6-4342-B048-85BDC9FD1C3A}</a:tableStyleId>
+              </a:tblPr>
+              <a:tblGrid>
+                <a:gridCol w="1836564">
+                  <a:extLst>
+                    <a:ext uri="{9D8B030D-6E8A-4147-A177-3AD203B41FA5}">
+                      <a16:colId xmlns:a16="http://schemas.microsoft.com/office/drawing/2014/main" val="1497817800"/>
+                    </a:ext>
+                  </a:extLst>
+                </a:gridCol>
+                <a:gridCol w="2229219">
+                  <a:extLst>
+                    <a:ext uri="{9D8B030D-6E8A-4147-A177-3AD203B41FA5}">
+                      <a16:colId xmlns:a16="http://schemas.microsoft.com/office/drawing/2014/main" val="1289182887"/>
+                    </a:ext>
+                  </a:extLst>
+                </a:gridCol>
+                <a:gridCol w="1476048">
+                  <a:extLst>
+                    <a:ext uri="{9D8B030D-6E8A-4147-A177-3AD203B41FA5}">
+                      <a16:colId xmlns:a16="http://schemas.microsoft.com/office/drawing/2014/main" val="1550957523"/>
+                    </a:ext>
+                  </a:extLst>
+                </a:gridCol>
+                <a:gridCol w="857757">
+                  <a:extLst>
+                    <a:ext uri="{9D8B030D-6E8A-4147-A177-3AD203B41FA5}">
+                      <a16:colId xmlns:a16="http://schemas.microsoft.com/office/drawing/2014/main" val="2594314012"/>
+                    </a:ext>
+                  </a:extLst>
+                </a:gridCol>
+              </a:tblGrid>
+              <a:tr h="370840">
+                <a:tc>
+                  <a:txBody>
+                    <a:bodyPr/>
+                    <a:lstStyle/>
+                    <a:p>
+                      <a:pPr algn="ctr"/>
+                      <a:r>
+                        <a:rPr lang="ru-RU" dirty="0"/>
+                        <a:t>Шрифт</a:t>
+                      </a:r>
+                    </a:p>
+                  </a:txBody>
+                  <a:tcPr/>
+                </a:tc>
+                <a:tc>
+                  <a:txBody>
+                    <a:bodyPr/>
+                    <a:lstStyle/>
+                    <a:p>
+                      <a:pPr algn="ctr"/>
+                      <a:r>
+                        <a:rPr lang="ru-RU" dirty="0"/>
+                        <a:t>Команда</a:t>
+                      </a:r>
+                    </a:p>
+                  </a:txBody>
+                  <a:tcPr/>
+                </a:tc>
+                <a:tc>
+                  <a:txBody>
+                    <a:bodyPr/>
+                    <a:lstStyle/>
+                    <a:p>
+                      <a:pPr algn="ctr"/>
+                      <a:r>
+                        <a:rPr lang="ru-RU" dirty="0"/>
+                        <a:t>Включатель</a:t>
+                      </a:r>
+                    </a:p>
+                  </a:txBody>
+                  <a:tcPr/>
+                </a:tc>
+                <a:tc>
+                  <a:txBody>
+                    <a:bodyPr/>
+                    <a:lstStyle/>
+                    <a:p>
+                      <a:pPr algn="ctr"/>
+                      <a:r>
+                        <a:rPr lang="ru-RU" dirty="0"/>
+                        <a:t>Устар.</a:t>
+                      </a:r>
+                    </a:p>
+                  </a:txBody>
+                  <a:tcPr/>
+                </a:tc>
+                <a:extLst>
+                  <a:ext uri="{0D108BD9-81ED-4DB2-BD59-A6C34878D82A}">
+                    <a16:rowId xmlns:a16="http://schemas.microsoft.com/office/drawing/2014/main" val="3091768042"/>
+                  </a:ext>
+                </a:extLst>
+              </a:tr>
+              <a:tr h="370840">
+                <a:tc>
+                  <a:txBody>
+                    <a:bodyPr/>
+                    <a:lstStyle/>
+                    <a:p>
+                      <a:r>
+                        <a:rPr lang="ru-RU" dirty="0"/>
+                        <a:t>Жирный</a:t>
+                      </a:r>
+                    </a:p>
+                  </a:txBody>
+                  <a:tcPr/>
+                </a:tc>
+                <a:tc>
+                  <a:txBody>
+                    <a:bodyPr/>
+                    <a:lstStyle/>
+                    <a:p>
+                      <a:r>
+                        <a:rPr lang="en-US" dirty="0"/>
+                        <a:t>\</a:t>
+                      </a:r>
+                      <a:r>
+                        <a:rPr lang="en-US" dirty="0" err="1"/>
+                        <a:t>textbf</a:t>
+                      </a:r>
+                      <a:r>
+                        <a:rPr lang="en-US" dirty="0"/>
+                        <a:t>{…}</a:t>
+                      </a:r>
+                      <a:endParaRPr lang="ru-RU" dirty="0"/>
+                    </a:p>
+                  </a:txBody>
+                  <a:tcPr/>
+                </a:tc>
+                <a:tc>
+                  <a:txBody>
+                    <a:bodyPr/>
+                    <a:lstStyle/>
+                    <a:p>
+                      <a:r>
+                        <a:rPr lang="en-US" dirty="0"/>
+                        <a:t>\</a:t>
+                      </a:r>
+                      <a:r>
+                        <a:rPr lang="en-US" dirty="0" err="1"/>
+                        <a:t>bfseries</a:t>
+                      </a:r>
+                      <a:endParaRPr lang="ru-RU" dirty="0"/>
+                    </a:p>
+                  </a:txBody>
+                  <a:tcPr/>
+                </a:tc>
+                <a:tc>
+                  <a:txBody>
+                    <a:bodyPr/>
+                    <a:lstStyle/>
+                    <a:p>
+                      <a:r>
+                        <a:rPr lang="en-US" dirty="0"/>
+                        <a:t>\bf</a:t>
+                      </a:r>
+                      <a:endParaRPr lang="ru-RU" dirty="0"/>
+                    </a:p>
+                  </a:txBody>
+                  <a:tcPr/>
+                </a:tc>
+                <a:extLst>
+                  <a:ext uri="{0D108BD9-81ED-4DB2-BD59-A6C34878D82A}">
+                    <a16:rowId xmlns:a16="http://schemas.microsoft.com/office/drawing/2014/main" val="368751560"/>
+                  </a:ext>
+                </a:extLst>
+              </a:tr>
+              <a:tr h="370840">
+                <a:tc>
+                  <a:txBody>
+                    <a:bodyPr/>
+                    <a:lstStyle/>
+                    <a:p>
+                      <a:r>
+                        <a:rPr lang="ru-RU" dirty="0"/>
+                        <a:t>Курсив</a:t>
+                      </a:r>
+                    </a:p>
+                  </a:txBody>
+                  <a:tcPr/>
+                </a:tc>
+                <a:tc>
+                  <a:txBody>
+                    <a:bodyPr/>
+                    <a:lstStyle/>
+                    <a:p>
+                      <a:r>
+                        <a:rPr lang="en-US" dirty="0"/>
+                        <a:t>\</a:t>
+                      </a:r>
+                      <a:r>
+                        <a:rPr lang="en-US" dirty="0" err="1"/>
+                        <a:t>textit</a:t>
+                      </a:r>
+                      <a:r>
+                        <a:rPr lang="en-US" dirty="0"/>
+                        <a:t>{…}, \</a:t>
+                      </a:r>
+                      <a:r>
+                        <a:rPr lang="en-US" dirty="0" err="1"/>
+                        <a:t>emph</a:t>
+                      </a:r>
+                      <a:r>
+                        <a:rPr lang="en-US" dirty="0"/>
+                        <a:t>{…}</a:t>
+                      </a:r>
+                      <a:endParaRPr lang="ru-RU" dirty="0"/>
+                    </a:p>
+                  </a:txBody>
+                  <a:tcPr/>
+                </a:tc>
+                <a:tc>
+                  <a:txBody>
+                    <a:bodyPr/>
+                    <a:lstStyle/>
+                    <a:p>
+                      <a:r>
+                        <a:rPr lang="en-US" dirty="0"/>
+                        <a:t>\</a:t>
+                      </a:r>
+                      <a:r>
+                        <a:rPr lang="en-US" dirty="0" err="1"/>
+                        <a:t>itshape</a:t>
+                      </a:r>
+                      <a:endParaRPr lang="ru-RU" dirty="0"/>
+                    </a:p>
+                  </a:txBody>
+                  <a:tcPr/>
+                </a:tc>
+                <a:tc>
+                  <a:txBody>
+                    <a:bodyPr/>
+                    <a:lstStyle/>
+                    <a:p>
+                      <a:r>
+                        <a:rPr lang="en-US" dirty="0"/>
+                        <a:t>\it \</a:t>
+                      </a:r>
+                      <a:r>
+                        <a:rPr lang="en-US" dirty="0" err="1"/>
+                        <a:t>em</a:t>
+                      </a:r>
+                      <a:endParaRPr lang="ru-RU" dirty="0"/>
+                    </a:p>
+                  </a:txBody>
+                  <a:tcPr/>
+                </a:tc>
+                <a:extLst>
+                  <a:ext uri="{0D108BD9-81ED-4DB2-BD59-A6C34878D82A}">
+                    <a16:rowId xmlns:a16="http://schemas.microsoft.com/office/drawing/2014/main" val="1073626944"/>
+                  </a:ext>
+                </a:extLst>
+              </a:tr>
+              <a:tr h="370840">
+                <a:tc>
+                  <a:txBody>
+                    <a:bodyPr/>
+                    <a:lstStyle/>
+                    <a:p>
+                      <a:r>
+                        <a:rPr lang="ru-RU" dirty="0"/>
+                        <a:t>Наклон</a:t>
+                      </a:r>
+                    </a:p>
+                  </a:txBody>
+                  <a:tcPr/>
+                </a:tc>
+                <a:tc>
+                  <a:txBody>
+                    <a:bodyPr/>
+                    <a:lstStyle/>
+                    <a:p>
+                      <a:r>
+                        <a:rPr lang="en-US" dirty="0"/>
+                        <a:t>\</a:t>
+                      </a:r>
+                      <a:r>
+                        <a:rPr lang="en-US" dirty="0" err="1"/>
+                        <a:t>textsl</a:t>
+                      </a:r>
+                      <a:r>
+                        <a:rPr lang="en-US" dirty="0"/>
+                        <a:t>{…}</a:t>
+                      </a:r>
+                      <a:endParaRPr lang="ru-RU" dirty="0"/>
+                    </a:p>
+                  </a:txBody>
+                  <a:tcPr/>
+                </a:tc>
+                <a:tc>
+                  <a:txBody>
+                    <a:bodyPr/>
+                    <a:lstStyle/>
+                    <a:p>
+                      <a:r>
+                        <a:rPr lang="en-US" dirty="0"/>
+                        <a:t>\</a:t>
+                      </a:r>
+                      <a:r>
+                        <a:rPr lang="en-US" dirty="0" err="1"/>
+                        <a:t>slshape</a:t>
+                      </a:r>
+                      <a:endParaRPr lang="ru-RU" dirty="0"/>
+                    </a:p>
+                  </a:txBody>
+                  <a:tcPr/>
+                </a:tc>
+                <a:tc>
+                  <a:txBody>
+                    <a:bodyPr/>
+                    <a:lstStyle/>
+                    <a:p>
+                      <a:r>
+                        <a:rPr lang="en-US" dirty="0"/>
+                        <a:t>\</a:t>
+                      </a:r>
+                      <a:r>
+                        <a:rPr lang="en-US" dirty="0" err="1"/>
+                        <a:t>sl</a:t>
+                      </a:r>
+                      <a:endParaRPr lang="ru-RU" dirty="0"/>
+                    </a:p>
+                  </a:txBody>
+                  <a:tcPr/>
+                </a:tc>
+                <a:extLst>
+                  <a:ext uri="{0D108BD9-81ED-4DB2-BD59-A6C34878D82A}">
+                    <a16:rowId xmlns:a16="http://schemas.microsoft.com/office/drawing/2014/main" val="3291119201"/>
+                  </a:ext>
+                </a:extLst>
+              </a:tr>
+              <a:tr h="370840">
+                <a:tc>
+                  <a:txBody>
+                    <a:bodyPr/>
+                    <a:lstStyle/>
+                    <a:p>
+                      <a:r>
+                        <a:rPr lang="ru-RU" dirty="0"/>
+                        <a:t>Все заглавные</a:t>
+                      </a:r>
+                    </a:p>
+                  </a:txBody>
+                  <a:tcPr/>
+                </a:tc>
+                <a:tc>
+                  <a:txBody>
+                    <a:bodyPr/>
+                    <a:lstStyle/>
+                    <a:p>
+                      <a:r>
+                        <a:rPr lang="ru-RU" dirty="0"/>
+                        <a:t>\</a:t>
+                      </a:r>
+                      <a:r>
+                        <a:rPr lang="en-US" dirty="0" err="1"/>
+                        <a:t>textsc</a:t>
+                      </a:r>
+                      <a:r>
+                        <a:rPr lang="en-US" dirty="0"/>
+                        <a:t>{…}</a:t>
+                      </a:r>
+                      <a:endParaRPr lang="ru-RU" dirty="0"/>
+                    </a:p>
+                  </a:txBody>
+                  <a:tcPr/>
+                </a:tc>
+                <a:tc>
+                  <a:txBody>
+                    <a:bodyPr/>
+                    <a:lstStyle/>
+                    <a:p>
+                      <a:r>
+                        <a:rPr lang="en-US" dirty="0"/>
+                        <a:t>\</a:t>
+                      </a:r>
+                      <a:r>
+                        <a:rPr lang="en-US" dirty="0" err="1"/>
+                        <a:t>scshape</a:t>
+                      </a:r>
+                      <a:endParaRPr lang="ru-RU" dirty="0"/>
+                    </a:p>
+                  </a:txBody>
+                  <a:tcPr/>
+                </a:tc>
+                <a:tc>
+                  <a:txBody>
+                    <a:bodyPr/>
+                    <a:lstStyle/>
+                    <a:p>
+                      <a:endParaRPr lang="ru-RU" dirty="0"/>
+                    </a:p>
+                  </a:txBody>
+                  <a:tcPr/>
+                </a:tc>
+                <a:extLst>
+                  <a:ext uri="{0D108BD9-81ED-4DB2-BD59-A6C34878D82A}">
+                    <a16:rowId xmlns:a16="http://schemas.microsoft.com/office/drawing/2014/main" val="2528862235"/>
+                  </a:ext>
+                </a:extLst>
+              </a:tr>
+              <a:tr h="370840">
+                <a:tc>
+                  <a:txBody>
+                    <a:bodyPr/>
+                    <a:lstStyle/>
+                    <a:p>
+                      <a:r>
+                        <a:rPr lang="ru-RU" dirty="0"/>
+                        <a:t>Подчеркивание</a:t>
+                      </a:r>
+                    </a:p>
+                  </a:txBody>
+                  <a:tcPr/>
+                </a:tc>
+                <a:tc>
+                  <a:txBody>
+                    <a:bodyPr/>
+                    <a:lstStyle/>
+                    <a:p>
+                      <a:r>
+                        <a:rPr lang="en-US" dirty="0"/>
+                        <a:t>\underline{…}</a:t>
+                      </a:r>
+                      <a:endParaRPr lang="ru-RU" dirty="0"/>
+                    </a:p>
+                  </a:txBody>
+                  <a:tcPr/>
+                </a:tc>
+                <a:tc>
+                  <a:txBody>
+                    <a:bodyPr/>
+                    <a:lstStyle/>
+                    <a:p>
+                      <a:endParaRPr lang="ru-RU" dirty="0"/>
+                    </a:p>
+                  </a:txBody>
+                  <a:tcPr/>
+                </a:tc>
+                <a:tc>
+                  <a:txBody>
+                    <a:bodyPr/>
+                    <a:lstStyle/>
+                    <a:p>
+                      <a:endParaRPr lang="ru-RU" dirty="0"/>
+                    </a:p>
+                  </a:txBody>
+                  <a:tcPr/>
+                </a:tc>
+                <a:extLst>
+                  <a:ext uri="{0D108BD9-81ED-4DB2-BD59-A6C34878D82A}">
+                    <a16:rowId xmlns:a16="http://schemas.microsoft.com/office/drawing/2014/main" val="2649807023"/>
+                  </a:ext>
+                </a:extLst>
+              </a:tr>
+              <a:tr h="370840">
+                <a:tc>
+                  <a:txBody>
+                    <a:bodyPr/>
+                    <a:lstStyle/>
+                    <a:p>
+                      <a:r>
+                        <a:rPr lang="ru-RU" dirty="0"/>
+                        <a:t>Обычный</a:t>
+                      </a:r>
+                    </a:p>
+                  </a:txBody>
+                  <a:tcPr/>
+                </a:tc>
+                <a:tc>
+                  <a:txBody>
+                    <a:bodyPr/>
+                    <a:lstStyle/>
+                    <a:p>
+                      <a:r>
+                        <a:rPr lang="en-US" dirty="0"/>
+                        <a:t>\</a:t>
+                      </a:r>
+                      <a:r>
+                        <a:rPr lang="en-US" dirty="0" err="1"/>
+                        <a:t>textnormal</a:t>
+                      </a:r>
+                      <a:r>
+                        <a:rPr lang="en-US" dirty="0"/>
+                        <a:t>{…}</a:t>
+                      </a:r>
+                      <a:endParaRPr lang="ru-RU" dirty="0"/>
+                    </a:p>
+                  </a:txBody>
+                  <a:tcPr/>
+                </a:tc>
+                <a:tc>
+                  <a:txBody>
+                    <a:bodyPr/>
+                    <a:lstStyle/>
+                    <a:p>
+                      <a:r>
+                        <a:rPr lang="en-US" dirty="0"/>
+                        <a:t>\</a:t>
+                      </a:r>
+                      <a:r>
+                        <a:rPr lang="en-US" dirty="0" err="1"/>
+                        <a:t>normalfont</a:t>
+                      </a:r>
+                      <a:endParaRPr lang="ru-RU" dirty="0"/>
+                    </a:p>
+                  </a:txBody>
+                  <a:tcPr/>
+                </a:tc>
+                <a:tc>
+                  <a:txBody>
+                    <a:bodyPr/>
+                    <a:lstStyle/>
+                    <a:p>
+                      <a:endParaRPr lang="ru-RU" dirty="0"/>
+                    </a:p>
+                  </a:txBody>
+                  <a:tcPr/>
+                </a:tc>
+                <a:extLst>
+                  <a:ext uri="{0D108BD9-81ED-4DB2-BD59-A6C34878D82A}">
+                    <a16:rowId xmlns:a16="http://schemas.microsoft.com/office/drawing/2014/main" val="1452583481"/>
+                  </a:ext>
+                </a:extLst>
+              </a:tr>
+            </a:tbl>
+          </a:graphicData>
+        </a:graphic>
+      </p:graphicFrame>
+      <p:pic>
+        <p:nvPicPr>
+          <p:cNvPr id="2049" name="Picture 1">
+            <a:extLst>
+              <a:ext uri="{FF2B5EF4-FFF2-40B4-BE49-F238E27FC236}">
+                <a16:creationId xmlns:a16="http://schemas.microsoft.com/office/drawing/2014/main" id="{3EDE5B83-AF73-7707-44E8-4606ADBEA16C}"/>
+              </a:ext>
+            </a:extLst>
+          </p:cNvPr>
+          <p:cNvPicPr>
+            <a:picLocks noChangeAspect="1" noChangeArrowheads="1"/>
+          </p:cNvPicPr>
+          <p:nvPr/>
+        </p:nvPicPr>
+        <p:blipFill>
+          <a:blip r:embed="rId2">
+            <a:extLst>
+              <a:ext uri="{28A0092B-C50C-407E-A947-70E740481C1C}">
+                <a14:useLocalDpi xmlns:a14="http://schemas.microsoft.com/office/drawing/2010/main" val="0"/>
+              </a:ext>
+            </a:extLst>
+          </a:blip>
+          <a:srcRect/>
+          <a:stretch>
+            <a:fillRect/>
+          </a:stretch>
+        </p:blipFill>
+        <p:spPr bwMode="auto">
+          <a:xfrm>
+            <a:off x="0" y="0"/>
+            <a:ext cx="2409825" cy="333375"/>
+          </a:xfrm>
+          <a:prstGeom prst="rect">
+            <a:avLst/>
+          </a:prstGeom>
+          <a:noFill/>
+          <a:extLst>
+            <a:ext uri="{909E8E84-426E-40DD-AFC4-6F175D3DCCD1}">
+              <a14:hiddenFill xmlns:a14="http://schemas.microsoft.com/office/drawing/2010/main">
+                <a:solidFill>
+                  <a:srgbClr val="FFFFFF"/>
+                </a:solidFill>
+              </a14:hiddenFill>
+            </a:ext>
+          </a:extLst>
+        </p:spPr>
+      </p:pic>
+      <p:pic>
+        <p:nvPicPr>
+          <p:cNvPr id="2050" name="Picture 2">
+            <a:extLst>
+              <a:ext uri="{FF2B5EF4-FFF2-40B4-BE49-F238E27FC236}">
+                <a16:creationId xmlns:a16="http://schemas.microsoft.com/office/drawing/2014/main" id="{632ABE75-59CF-1368-C62C-8EEED998289B}"/>
+              </a:ext>
+            </a:extLst>
+          </p:cNvPr>
+          <p:cNvPicPr>
+            <a:picLocks noChangeAspect="1" noChangeArrowheads="1"/>
+          </p:cNvPicPr>
+          <p:nvPr/>
+        </p:nvPicPr>
+        <p:blipFill>
+          <a:blip r:embed="rId3">
+            <a:extLst>
+              <a:ext uri="{28A0092B-C50C-407E-A947-70E740481C1C}">
+                <a14:useLocalDpi xmlns:a14="http://schemas.microsoft.com/office/drawing/2010/main" val="0"/>
+              </a:ext>
+            </a:extLst>
+          </a:blip>
+          <a:srcRect/>
+          <a:stretch>
+            <a:fillRect/>
+          </a:stretch>
+        </p:blipFill>
+        <p:spPr bwMode="auto">
+          <a:xfrm>
+            <a:off x="0" y="0"/>
+            <a:ext cx="2409825" cy="361950"/>
+          </a:xfrm>
+          <a:prstGeom prst="rect">
+            <a:avLst/>
+          </a:prstGeom>
+          <a:noFill/>
+          <a:extLst>
+            <a:ext uri="{909E8E84-426E-40DD-AFC4-6F175D3DCCD1}">
+              <a14:hiddenFill xmlns:a14="http://schemas.microsoft.com/office/drawing/2010/main">
+                <a:solidFill>
+                  <a:srgbClr val="FFFFFF"/>
+                </a:solidFill>
+              </a14:hiddenFill>
+            </a:ext>
+          </a:extLst>
+        </p:spPr>
+      </p:pic>
+      <p:pic>
+        <p:nvPicPr>
+          <p:cNvPr id="2051" name="Picture 3">
+            <a:extLst>
+              <a:ext uri="{FF2B5EF4-FFF2-40B4-BE49-F238E27FC236}">
+                <a16:creationId xmlns:a16="http://schemas.microsoft.com/office/drawing/2014/main" id="{E53489D6-515A-8869-3480-F9D9680E9FB1}"/>
+              </a:ext>
+            </a:extLst>
+          </p:cNvPr>
+          <p:cNvPicPr>
+            <a:picLocks noChangeAspect="1" noChangeArrowheads="1"/>
+          </p:cNvPicPr>
+          <p:nvPr/>
+        </p:nvPicPr>
+        <p:blipFill>
+          <a:blip r:embed="rId4">
+            <a:extLst>
+              <a:ext uri="{28A0092B-C50C-407E-A947-70E740481C1C}">
+                <a14:useLocalDpi xmlns:a14="http://schemas.microsoft.com/office/drawing/2010/main" val="0"/>
+              </a:ext>
+            </a:extLst>
+          </a:blip>
+          <a:srcRect/>
+          <a:stretch>
+            <a:fillRect/>
+          </a:stretch>
+        </p:blipFill>
+        <p:spPr bwMode="auto">
+          <a:xfrm>
+            <a:off x="0" y="0"/>
+            <a:ext cx="2409825" cy="428625"/>
+          </a:xfrm>
+          <a:prstGeom prst="rect">
+            <a:avLst/>
+          </a:prstGeom>
+          <a:noFill/>
+          <a:extLst>
+            <a:ext uri="{909E8E84-426E-40DD-AFC4-6F175D3DCCD1}">
+              <a14:hiddenFill xmlns:a14="http://schemas.microsoft.com/office/drawing/2010/main">
+                <a:solidFill>
+                  <a:srgbClr val="FFFFFF"/>
+                </a:solidFill>
+              </a14:hiddenFill>
+            </a:ext>
+          </a:extLst>
+        </p:spPr>
+      </p:pic>
+      <p:pic>
+        <p:nvPicPr>
+          <p:cNvPr id="2052" name="Picture 4">
+            <a:extLst>
+              <a:ext uri="{FF2B5EF4-FFF2-40B4-BE49-F238E27FC236}">
+                <a16:creationId xmlns:a16="http://schemas.microsoft.com/office/drawing/2014/main" id="{42A1B14E-A9A2-EE72-1B46-26B23E2D606E}"/>
+              </a:ext>
+            </a:extLst>
+          </p:cNvPr>
+          <p:cNvPicPr>
+            <a:picLocks noChangeAspect="1" noChangeArrowheads="1"/>
+          </p:cNvPicPr>
+          <p:nvPr/>
+        </p:nvPicPr>
+        <p:blipFill>
+          <a:blip r:embed="rId5">
+            <a:extLst>
+              <a:ext uri="{28A0092B-C50C-407E-A947-70E740481C1C}">
+                <a14:useLocalDpi xmlns:a14="http://schemas.microsoft.com/office/drawing/2010/main" val="0"/>
+              </a:ext>
+            </a:extLst>
+          </a:blip>
+          <a:srcRect/>
+          <a:stretch>
+            <a:fillRect/>
+          </a:stretch>
+        </p:blipFill>
+        <p:spPr bwMode="auto">
+          <a:xfrm>
+            <a:off x="0" y="0"/>
+            <a:ext cx="2409825" cy="428625"/>
+          </a:xfrm>
+          <a:prstGeom prst="rect">
+            <a:avLst/>
+          </a:prstGeom>
+          <a:noFill/>
+          <a:extLst>
+            <a:ext uri="{909E8E84-426E-40DD-AFC4-6F175D3DCCD1}">
+              <a14:hiddenFill xmlns:a14="http://schemas.microsoft.com/office/drawing/2010/main">
+                <a:solidFill>
+                  <a:srgbClr val="FFFFFF"/>
+                </a:solidFill>
+              </a14:hiddenFill>
+            </a:ext>
+          </a:extLst>
+        </p:spPr>
+      </p:pic>
+      <p:pic>
+        <p:nvPicPr>
+          <p:cNvPr id="2053" name="Picture 5">
+            <a:extLst>
+              <a:ext uri="{FF2B5EF4-FFF2-40B4-BE49-F238E27FC236}">
+                <a16:creationId xmlns:a16="http://schemas.microsoft.com/office/drawing/2014/main" id="{B1A4D461-2DDB-D8EE-CC37-3B12FBF7DF13}"/>
+              </a:ext>
+            </a:extLst>
+          </p:cNvPr>
+          <p:cNvPicPr>
+            <a:picLocks noChangeAspect="1" noChangeArrowheads="1"/>
+          </p:cNvPicPr>
+          <p:nvPr/>
+        </p:nvPicPr>
+        <p:blipFill>
+          <a:blip r:embed="rId6">
+            <a:extLst>
+              <a:ext uri="{28A0092B-C50C-407E-A947-70E740481C1C}">
+                <a14:useLocalDpi xmlns:a14="http://schemas.microsoft.com/office/drawing/2010/main" val="0"/>
+              </a:ext>
+            </a:extLst>
+          </a:blip>
+          <a:srcRect/>
+          <a:stretch>
+            <a:fillRect/>
+          </a:stretch>
+        </p:blipFill>
+        <p:spPr bwMode="auto">
+          <a:xfrm>
+            <a:off x="0" y="0"/>
+            <a:ext cx="2409825" cy="476250"/>
+          </a:xfrm>
+          <a:prstGeom prst="rect">
+            <a:avLst/>
+          </a:prstGeom>
+          <a:noFill/>
+          <a:extLst>
+            <a:ext uri="{909E8E84-426E-40DD-AFC4-6F175D3DCCD1}">
+              <a14:hiddenFill xmlns:a14="http://schemas.microsoft.com/office/drawing/2010/main">
+                <a:solidFill>
+                  <a:srgbClr val="FFFFFF"/>
+                </a:solidFill>
+              </a14:hiddenFill>
+            </a:ext>
+          </a:extLst>
+        </p:spPr>
+      </p:pic>
+      <p:pic>
+        <p:nvPicPr>
+          <p:cNvPr id="2054" name="Picture 6">
+            <a:extLst>
+              <a:ext uri="{FF2B5EF4-FFF2-40B4-BE49-F238E27FC236}">
+                <a16:creationId xmlns:a16="http://schemas.microsoft.com/office/drawing/2014/main" id="{258D57A7-1D56-3F78-0623-623F283DD92C}"/>
+              </a:ext>
+            </a:extLst>
+          </p:cNvPr>
+          <p:cNvPicPr>
+            <a:picLocks noChangeAspect="1" noChangeArrowheads="1"/>
+          </p:cNvPicPr>
+          <p:nvPr/>
+        </p:nvPicPr>
+        <p:blipFill>
+          <a:blip r:embed="rId7">
+            <a:extLst>
+              <a:ext uri="{28A0092B-C50C-407E-A947-70E740481C1C}">
+                <a14:useLocalDpi xmlns:a14="http://schemas.microsoft.com/office/drawing/2010/main" val="0"/>
+              </a:ext>
+            </a:extLst>
+          </a:blip>
+          <a:srcRect/>
+          <a:stretch>
+            <a:fillRect/>
+          </a:stretch>
+        </p:blipFill>
+        <p:spPr bwMode="auto">
+          <a:xfrm>
+            <a:off x="0" y="0"/>
+            <a:ext cx="2409825" cy="514350"/>
+          </a:xfrm>
+          <a:prstGeom prst="rect">
+            <a:avLst/>
+          </a:prstGeom>
+          <a:noFill/>
+          <a:extLst>
+            <a:ext uri="{909E8E84-426E-40DD-AFC4-6F175D3DCCD1}">
+              <a14:hiddenFill xmlns:a14="http://schemas.microsoft.com/office/drawing/2010/main">
+                <a:solidFill>
+                  <a:srgbClr val="FFFFFF"/>
+                </a:solidFill>
+              </a14:hiddenFill>
+            </a:ext>
+          </a:extLst>
+        </p:spPr>
+      </p:pic>
+      <p:pic>
+        <p:nvPicPr>
+          <p:cNvPr id="2055" name="Picture 7">
+            <a:extLst>
+              <a:ext uri="{FF2B5EF4-FFF2-40B4-BE49-F238E27FC236}">
+                <a16:creationId xmlns:a16="http://schemas.microsoft.com/office/drawing/2014/main" id="{5B754679-E282-BCAE-1FA5-5636BAD87556}"/>
+              </a:ext>
+            </a:extLst>
+          </p:cNvPr>
+          <p:cNvPicPr>
+            <a:picLocks noChangeAspect="1" noChangeArrowheads="1"/>
+          </p:cNvPicPr>
+          <p:nvPr/>
+        </p:nvPicPr>
+        <p:blipFill>
+          <a:blip r:embed="rId8">
+            <a:extLst>
+              <a:ext uri="{28A0092B-C50C-407E-A947-70E740481C1C}">
+                <a14:useLocalDpi xmlns:a14="http://schemas.microsoft.com/office/drawing/2010/main" val="0"/>
+              </a:ext>
+            </a:extLst>
+          </a:blip>
+          <a:srcRect/>
+          <a:stretch>
+            <a:fillRect/>
+          </a:stretch>
+        </p:blipFill>
+        <p:spPr bwMode="auto">
+          <a:xfrm>
+            <a:off x="0" y="0"/>
+            <a:ext cx="2409825" cy="523875"/>
+          </a:xfrm>
+          <a:prstGeom prst="rect">
+            <a:avLst/>
+          </a:prstGeom>
+          <a:noFill/>
+          <a:extLst>
+            <a:ext uri="{909E8E84-426E-40DD-AFC4-6F175D3DCCD1}">
+              <a14:hiddenFill xmlns:a14="http://schemas.microsoft.com/office/drawing/2010/main">
+                <a:solidFill>
+                  <a:srgbClr val="FFFFFF"/>
+                </a:solidFill>
+              </a14:hiddenFill>
+            </a:ext>
+          </a:extLst>
+        </p:spPr>
+      </p:pic>
+      <p:pic>
+        <p:nvPicPr>
+          <p:cNvPr id="2056" name="Picture 8">
+            <a:extLst>
+              <a:ext uri="{FF2B5EF4-FFF2-40B4-BE49-F238E27FC236}">
+                <a16:creationId xmlns:a16="http://schemas.microsoft.com/office/drawing/2014/main" id="{B9811CA6-BFFE-9B48-20C0-D538D28DF004}"/>
+              </a:ext>
+            </a:extLst>
+          </p:cNvPr>
+          <p:cNvPicPr>
+            <a:picLocks noChangeAspect="1" noChangeArrowheads="1"/>
+          </p:cNvPicPr>
+          <p:nvPr/>
+        </p:nvPicPr>
+        <p:blipFill>
+          <a:blip r:embed="rId9">
+            <a:extLst>
+              <a:ext uri="{28A0092B-C50C-407E-A947-70E740481C1C}">
+                <a14:useLocalDpi xmlns:a14="http://schemas.microsoft.com/office/drawing/2010/main" val="0"/>
+              </a:ext>
+            </a:extLst>
+          </a:blip>
+          <a:srcRect/>
+          <a:stretch>
+            <a:fillRect/>
+          </a:stretch>
+        </p:blipFill>
+        <p:spPr bwMode="auto">
+          <a:xfrm>
+            <a:off x="0" y="0"/>
+            <a:ext cx="2409825" cy="590550"/>
+          </a:xfrm>
+          <a:prstGeom prst="rect">
+            <a:avLst/>
+          </a:prstGeom>
+          <a:noFill/>
+          <a:extLst>
+            <a:ext uri="{909E8E84-426E-40DD-AFC4-6F175D3DCCD1}">
+              <a14:hiddenFill xmlns:a14="http://schemas.microsoft.com/office/drawing/2010/main">
+                <a:solidFill>
+                  <a:srgbClr val="FFFFFF"/>
+                </a:solidFill>
+              </a14:hiddenFill>
+            </a:ext>
+          </a:extLst>
+        </p:spPr>
+      </p:pic>
+      <p:pic>
+        <p:nvPicPr>
+          <p:cNvPr id="2057" name="Picture 9">
+            <a:extLst>
+              <a:ext uri="{FF2B5EF4-FFF2-40B4-BE49-F238E27FC236}">
+                <a16:creationId xmlns:a16="http://schemas.microsoft.com/office/drawing/2014/main" id="{8D5D12E7-21E3-D978-AFF9-8F2F3857350F}"/>
+              </a:ext>
+            </a:extLst>
+          </p:cNvPr>
+          <p:cNvPicPr>
+            <a:picLocks noChangeAspect="1" noChangeArrowheads="1"/>
+          </p:cNvPicPr>
+          <p:nvPr/>
+        </p:nvPicPr>
+        <p:blipFill>
+          <a:blip r:embed="rId10">
+            <a:extLst>
+              <a:ext uri="{28A0092B-C50C-407E-A947-70E740481C1C}">
+                <a14:useLocalDpi xmlns:a14="http://schemas.microsoft.com/office/drawing/2010/main" val="0"/>
+              </a:ext>
+            </a:extLst>
+          </a:blip>
+          <a:srcRect/>
+          <a:stretch>
+            <a:fillRect/>
+          </a:stretch>
+        </p:blipFill>
+        <p:spPr bwMode="auto">
+          <a:xfrm>
+            <a:off x="0" y="0"/>
+            <a:ext cx="2409825" cy="590550"/>
+          </a:xfrm>
+          <a:prstGeom prst="rect">
+            <a:avLst/>
+          </a:prstGeom>
+          <a:noFill/>
+          <a:extLst>
+            <a:ext uri="{909E8E84-426E-40DD-AFC4-6F175D3DCCD1}">
+              <a14:hiddenFill xmlns:a14="http://schemas.microsoft.com/office/drawing/2010/main">
+                <a:solidFill>
+                  <a:srgbClr val="FFFFFF"/>
+                </a:solidFill>
+              </a14:hiddenFill>
+            </a:ext>
+          </a:extLst>
+        </p:spPr>
+      </p:pic>
+      <p:pic>
+        <p:nvPicPr>
+          <p:cNvPr id="2058" name="Picture 10">
+            <a:extLst>
+              <a:ext uri="{FF2B5EF4-FFF2-40B4-BE49-F238E27FC236}">
+                <a16:creationId xmlns:a16="http://schemas.microsoft.com/office/drawing/2014/main" id="{AFC1E808-64C0-973A-7CAB-797C7FFB9CE4}"/>
+              </a:ext>
+            </a:extLst>
+          </p:cNvPr>
+          <p:cNvPicPr>
+            <a:picLocks noChangeAspect="1" noChangeArrowheads="1"/>
+          </p:cNvPicPr>
+          <p:nvPr/>
+        </p:nvPicPr>
+        <p:blipFill>
+          <a:blip r:embed="rId11">
+            <a:extLst>
+              <a:ext uri="{28A0092B-C50C-407E-A947-70E740481C1C}">
+                <a14:useLocalDpi xmlns:a14="http://schemas.microsoft.com/office/drawing/2010/main" val="0"/>
+              </a:ext>
+            </a:extLst>
+          </a:blip>
+          <a:srcRect/>
+          <a:stretch>
+            <a:fillRect/>
+          </a:stretch>
+        </p:blipFill>
+        <p:spPr bwMode="auto">
+          <a:xfrm>
+            <a:off x="0" y="0"/>
+            <a:ext cx="2409825" cy="619125"/>
+          </a:xfrm>
+          <a:prstGeom prst="rect">
+            <a:avLst/>
+          </a:prstGeom>
+          <a:noFill/>
+          <a:extLst>
+            <a:ext uri="{909E8E84-426E-40DD-AFC4-6F175D3DCCD1}">
+              <a14:hiddenFill xmlns:a14="http://schemas.microsoft.com/office/drawing/2010/main">
+                <a:solidFill>
+                  <a:srgbClr val="FFFFFF"/>
+                </a:solidFill>
+              </a14:hiddenFill>
+            </a:ext>
+          </a:extLst>
+        </p:spPr>
+      </p:pic>
+    </p:spTree>
+    <p:extLst>
+      <p:ext uri="{BB962C8B-B14F-4D97-AF65-F5344CB8AC3E}">
+        <p14:creationId xmlns:p14="http://schemas.microsoft.com/office/powerpoint/2010/main" val="2084842175"/>
+      </p:ext>
+    </p:extLst>
+  </p:cSld>
+  <p:clrMapOvr>
+    <a:masterClrMapping/>
+  </p:clrMapOvr>
+</p:sld>
+</file>
+
+<file path=ppt/slides/slide11.xml><?xml version="1.0" encoding="utf-8"?>
+<p:sld xmlns:a="http://schemas.openxmlformats.org/drawingml/2006/main" xmlns:r="http://schemas.openxmlformats.org/officeDocument/2006/relationships" xmlns:p="http://schemas.openxmlformats.org/presentationml/2006/main">
+  <p:cSld>
+    <p:spTree>
+      <p:nvGrpSpPr>
+        <p:cNvPr id="1" name=""/>
+        <p:cNvGrpSpPr/>
+        <p:nvPr/>
+      </p:nvGrpSpPr>
+      <p:grpSpPr>
+        <a:xfrm>
+          <a:off x="0" y="0"/>
+          <a:ext cx="0" cy="0"/>
+          <a:chOff x="0" y="0"/>
+          <a:chExt cx="0" cy="0"/>
+        </a:xfrm>
+      </p:grpSpPr>
+      <p:sp>
+        <p:nvSpPr>
+          <p:cNvPr id="9" name="TextBox 8">
+            <a:extLst>
+              <a:ext uri="{FF2B5EF4-FFF2-40B4-BE49-F238E27FC236}">
+                <a16:creationId xmlns:a16="http://schemas.microsoft.com/office/drawing/2014/main" id="{87E2D704-6CA7-FA6C-184A-29AD22314EE5}"/>
+              </a:ext>
+            </a:extLst>
+          </p:cNvPr>
+          <p:cNvSpPr txBox="1"/>
+          <p:nvPr/>
+        </p:nvSpPr>
+        <p:spPr>
+          <a:xfrm>
+            <a:off x="10513335" y="-95003"/>
+            <a:ext cx="1678665" cy="584775"/>
+          </a:xfrm>
+          <a:prstGeom prst="rect">
+            <a:avLst/>
+          </a:prstGeom>
+          <a:noFill/>
+        </p:spPr>
+        <p:txBody>
+          <a:bodyPr wrap="none" rtlCol="0">
+            <a:spAutoFit/>
+          </a:bodyPr>
+          <a:lstStyle/>
+          <a:p>
+            <a:pPr algn="r"/>
+            <a:r>
+              <a:rPr lang="ru-RU" sz="3200" dirty="0"/>
+              <a:t>Кавычки</a:t>
+            </a:r>
+          </a:p>
+        </p:txBody>
+      </p:sp>
+      <p:sp>
+        <p:nvSpPr>
+          <p:cNvPr id="8" name="TextBox 7">
+            <a:extLst>
+              <a:ext uri="{FF2B5EF4-FFF2-40B4-BE49-F238E27FC236}">
+                <a16:creationId xmlns:a16="http://schemas.microsoft.com/office/drawing/2014/main" id="{F8E3E698-F035-5B75-94E5-F57593254617}"/>
+              </a:ext>
+            </a:extLst>
+          </p:cNvPr>
+          <p:cNvSpPr txBox="1"/>
+          <p:nvPr/>
+        </p:nvSpPr>
+        <p:spPr>
+          <a:xfrm>
+            <a:off x="1425038" y="1240970"/>
+            <a:ext cx="9975273" cy="2677656"/>
+          </a:xfrm>
+          <a:prstGeom prst="rect">
+            <a:avLst/>
+          </a:prstGeom>
+          <a:noFill/>
+        </p:spPr>
+        <p:txBody>
+          <a:bodyPr wrap="square" rtlCol="0">
+            <a:spAutoFit/>
+          </a:bodyPr>
+          <a:lstStyle/>
+          <a:p>
+            <a:pPr marL="285750" indent="-285750">
+              <a:buFont typeface="Arial" panose="020B0604020202020204" pitchFamily="34" charset="0"/>
+              <a:buChar char="•"/>
+            </a:pPr>
+            <a:r>
+              <a:rPr lang="ru-RU" sz="2400" dirty="0"/>
+              <a:t>"Простые"</a:t>
+            </a:r>
+            <a:r>
+              <a:rPr lang="en-US" sz="2400" dirty="0"/>
+              <a:t> – </a:t>
+            </a:r>
+            <a:r>
+              <a:rPr lang="ru-RU" sz="2400" dirty="0">
+                <a:solidFill>
+                  <a:srgbClr val="FF0000"/>
+                </a:solidFill>
+              </a:rPr>
+              <a:t>не использовать</a:t>
+            </a:r>
+            <a:r>
+              <a:rPr lang="en-US" sz="2400" dirty="0">
+                <a:solidFill>
+                  <a:srgbClr val="FF0000"/>
+                </a:solidFill>
+              </a:rPr>
+              <a:t>!</a:t>
+            </a:r>
+          </a:p>
+          <a:p>
+            <a:pPr marL="285750" indent="-285750">
+              <a:buFont typeface="Arial" panose="020B0604020202020204" pitchFamily="34" charset="0"/>
+              <a:buChar char="•"/>
+            </a:pPr>
+            <a:r>
+              <a:rPr lang="en-US" sz="2400" dirty="0"/>
+              <a:t>&lt;&lt;</a:t>
+            </a:r>
+            <a:r>
+              <a:rPr lang="ru-RU" sz="2400" dirty="0"/>
+              <a:t>Французские</a:t>
+            </a:r>
+            <a:r>
+              <a:rPr lang="en-US" sz="2400" dirty="0"/>
+              <a:t>&gt;&gt; </a:t>
+            </a:r>
+            <a:r>
+              <a:rPr lang="ru-RU" sz="2400" dirty="0"/>
+              <a:t>ёлочки </a:t>
+            </a:r>
+            <a:r>
+              <a:rPr lang="en-US" sz="2400" dirty="0"/>
+              <a:t>– </a:t>
+            </a:r>
+            <a:r>
+              <a:rPr lang="ru-RU" sz="2400" dirty="0">
+                <a:solidFill>
+                  <a:schemeClr val="accent6"/>
+                </a:solidFill>
+              </a:rPr>
+              <a:t>рекомендуются</a:t>
+            </a:r>
+            <a:r>
+              <a:rPr lang="ru-RU" sz="2400" dirty="0"/>
+              <a:t> </a:t>
+            </a:r>
+            <a:endParaRPr lang="en-US" sz="2400" dirty="0"/>
+          </a:p>
+          <a:p>
+            <a:pPr marL="285750" indent="-285750">
+              <a:buFont typeface="Arial" panose="020B0604020202020204" pitchFamily="34" charset="0"/>
+              <a:buChar char="•"/>
+            </a:pPr>
+            <a:r>
+              <a:rPr lang="en-US" sz="2400" dirty="0"/>
+              <a:t>``</a:t>
+            </a:r>
+            <a:r>
+              <a:rPr lang="ru-RU" sz="2400" dirty="0"/>
+              <a:t>Немецкие''</a:t>
+            </a:r>
+            <a:r>
+              <a:rPr lang="en-US" sz="2400" dirty="0"/>
+              <a:t> </a:t>
+            </a:r>
+            <a:r>
+              <a:rPr lang="ru-RU" sz="2400" dirty="0"/>
+              <a:t>лапки </a:t>
+            </a:r>
+            <a:r>
+              <a:rPr lang="en-US" sz="2400" dirty="0"/>
+              <a:t>– </a:t>
+            </a:r>
+            <a:r>
+              <a:rPr lang="ru-RU" sz="2400" dirty="0">
+                <a:solidFill>
+                  <a:schemeClr val="accent5">
+                    <a:lumMod val="75000"/>
+                  </a:schemeClr>
+                </a:solidFill>
+              </a:rPr>
+              <a:t>допускаются</a:t>
+            </a:r>
+            <a:endParaRPr lang="en-US" sz="2400" dirty="0">
+              <a:solidFill>
+                <a:schemeClr val="accent5">
+                  <a:lumMod val="75000"/>
+                </a:schemeClr>
+              </a:solidFill>
+            </a:endParaRPr>
+          </a:p>
+          <a:p>
+            <a:pPr marL="742950" lvl="1" indent="-285750">
+              <a:buFont typeface="Arial" panose="020B0604020202020204" pitchFamily="34" charset="0"/>
+              <a:buChar char="•"/>
+            </a:pPr>
+            <a:r>
+              <a:rPr lang="ru-RU" sz="2400" dirty="0"/>
+              <a:t>Особенно для вложенных</a:t>
+            </a:r>
+          </a:p>
+          <a:p>
+            <a:pPr marL="742950" lvl="1" indent="-285750">
+              <a:buFont typeface="Arial" panose="020B0604020202020204" pitchFamily="34" charset="0"/>
+              <a:buChar char="•"/>
+            </a:pPr>
+            <a:r>
+              <a:rPr lang="ru-RU" sz="2400" b="0" i="1" dirty="0">
+                <a:solidFill>
+                  <a:schemeClr val="accent6"/>
+                </a:solidFill>
+                <a:effectLst/>
+                <a:latin typeface="Arial" panose="020B0604020202020204" pitchFamily="34" charset="0"/>
+              </a:rPr>
+              <a:t>«„Цыганы“ мои не продаются вовсе», — сетовал Пушкин.</a:t>
+            </a:r>
+          </a:p>
+          <a:p>
+            <a:pPr marL="742950" lvl="1" indent="-285750">
+              <a:buFont typeface="Arial" panose="020B0604020202020204" pitchFamily="34" charset="0"/>
+              <a:buChar char="•"/>
+            </a:pPr>
+            <a:r>
+              <a:rPr lang="ru-RU" sz="2400" b="0" i="1" dirty="0">
+                <a:solidFill>
+                  <a:srgbClr val="FF0000"/>
+                </a:solidFill>
+                <a:effectLst/>
+                <a:latin typeface="Arial" panose="020B0604020202020204" pitchFamily="34" charset="0"/>
+              </a:rPr>
+              <a:t>««Цыганы» мои не продаются вовсе», — сетовал Пушкин.</a:t>
+            </a:r>
+          </a:p>
+          <a:p>
+            <a:pPr marL="742950" lvl="1" indent="-285750">
+              <a:buFont typeface="Arial" panose="020B0604020202020204" pitchFamily="34" charset="0"/>
+              <a:buChar char="•"/>
+            </a:pPr>
+            <a:r>
+              <a:rPr lang="ru-RU" sz="2400" b="0" i="1" dirty="0">
+                <a:solidFill>
+                  <a:schemeClr val="accent5">
+                    <a:lumMod val="75000"/>
+                  </a:schemeClr>
+                </a:solidFill>
+                <a:effectLst/>
+                <a:latin typeface="Arial" panose="020B0604020202020204" pitchFamily="34" charset="0"/>
+              </a:rPr>
+              <a:t>«Цыганы» мои не продаются вовсе», — сетовал Пушкин.</a:t>
+            </a:r>
+            <a:endParaRPr lang="ru-RU" sz="2400" dirty="0">
+              <a:solidFill>
+                <a:schemeClr val="accent5">
+                  <a:lumMod val="75000"/>
+                </a:schemeClr>
+              </a:solidFill>
+            </a:endParaRPr>
+          </a:p>
+        </p:txBody>
+      </p:sp>
+      <p:sp>
+        <p:nvSpPr>
+          <p:cNvPr id="12" name="TextBox 11">
+            <a:extLst>
+              <a:ext uri="{FF2B5EF4-FFF2-40B4-BE49-F238E27FC236}">
+                <a16:creationId xmlns:a16="http://schemas.microsoft.com/office/drawing/2014/main" id="{069BB8BD-6B18-A21C-0CDF-CC81D151828E}"/>
+              </a:ext>
+            </a:extLst>
+          </p:cNvPr>
+          <p:cNvSpPr txBox="1"/>
+          <p:nvPr/>
+        </p:nvSpPr>
+        <p:spPr>
+          <a:xfrm>
+            <a:off x="185057" y="4601688"/>
+            <a:ext cx="11821886" cy="1815882"/>
+          </a:xfrm>
+          <a:prstGeom prst="rect">
+            <a:avLst/>
+          </a:prstGeom>
+          <a:noFill/>
+        </p:spPr>
+        <p:txBody>
+          <a:bodyPr wrap="square" rtlCol="0">
+            <a:spAutoFit/>
+          </a:bodyPr>
+          <a:lstStyle/>
+          <a:p>
+            <a:pPr algn="just"/>
+            <a:r>
+              <a:rPr lang="ru-RU" sz="1600" i="1" dirty="0"/>
+              <a:t>Различия между языками проявляются не только во внешнем виде кавычек, но и в том, как они сочетаются со знаками препинания. В частности, в русском языке, если кавычки передают прямую речь, то восклицательный и вопросительный знак ставятся перед закрывающей кавычкой, тогда точка и запятая всегда ставится после закрывающей кавычки. В американском варианте английского языка точка и запятая всегда ставится перед закрывающей кавычкой, тогда как в британском английском правила употребления точки и запятой до или после кавычки аналогичны правилам для восклицательного и вопросительного знаков. Двоеточие и точка с запятой всегда ставится после закрывающей кавычки как в русском, так и в английском языке.</a:t>
+            </a:r>
+          </a:p>
+        </p:txBody>
+      </p:sp>
+    </p:spTree>
+    <p:extLst>
+      <p:ext uri="{BB962C8B-B14F-4D97-AF65-F5344CB8AC3E}">
+        <p14:creationId xmlns:p14="http://schemas.microsoft.com/office/powerpoint/2010/main" val="3431343319"/>
+      </p:ext>
+    </p:extLst>
+  </p:cSld>
+  <p:clrMapOvr>
+    <a:masterClrMapping/>
+  </p:clrMapOvr>
+</p:sld>
+</file>
+
+<file path=ppt/slides/slide12.xml><?xml version="1.0" encoding="utf-8"?>
+<p:sld xmlns:a="http://schemas.openxmlformats.org/drawingml/2006/main" xmlns:r="http://schemas.openxmlformats.org/officeDocument/2006/relationships" xmlns:p="http://schemas.openxmlformats.org/presentationml/2006/main">
+  <p:cSld>
+    <p:spTree>
+      <p:nvGrpSpPr>
+        <p:cNvPr id="1" name=""/>
+        <p:cNvGrpSpPr/>
+        <p:nvPr/>
+      </p:nvGrpSpPr>
+      <p:grpSpPr>
+        <a:xfrm>
+          <a:off x="0" y="0"/>
+          <a:ext cx="0" cy="0"/>
+          <a:chOff x="0" y="0"/>
+          <a:chExt cx="0" cy="0"/>
+        </a:xfrm>
+      </p:grpSpPr>
+      <p:sp>
+        <p:nvSpPr>
+          <p:cNvPr id="9" name="TextBox 8">
+            <a:extLst>
+              <a:ext uri="{FF2B5EF4-FFF2-40B4-BE49-F238E27FC236}">
+                <a16:creationId xmlns:a16="http://schemas.microsoft.com/office/drawing/2014/main" id="{87E2D704-6CA7-FA6C-184A-29AD22314EE5}"/>
+              </a:ext>
+            </a:extLst>
+          </p:cNvPr>
+          <p:cNvSpPr txBox="1"/>
+          <p:nvPr/>
+        </p:nvSpPr>
+        <p:spPr>
+          <a:xfrm>
+            <a:off x="11195189" y="-95003"/>
+            <a:ext cx="996811" cy="584775"/>
+          </a:xfrm>
+          <a:prstGeom prst="rect">
+            <a:avLst/>
+          </a:prstGeom>
+          <a:noFill/>
+        </p:spPr>
+        <p:txBody>
+          <a:bodyPr wrap="none" rtlCol="0">
+            <a:spAutoFit/>
+          </a:bodyPr>
+          <a:lstStyle/>
+          <a:p>
+            <a:pPr algn="r"/>
+            <a:r>
+              <a:rPr lang="ru-RU" sz="3200" dirty="0"/>
+              <a:t>Тире</a:t>
+            </a:r>
+          </a:p>
+        </p:txBody>
+      </p:sp>
+      <p:sp>
+        <p:nvSpPr>
+          <p:cNvPr id="2" name="TextBox 1">
+            <a:extLst>
+              <a:ext uri="{FF2B5EF4-FFF2-40B4-BE49-F238E27FC236}">
+                <a16:creationId xmlns:a16="http://schemas.microsoft.com/office/drawing/2014/main" id="{9074802D-41FC-C307-6A92-3DE83F87CAAE}"/>
+              </a:ext>
+            </a:extLst>
+          </p:cNvPr>
+          <p:cNvSpPr txBox="1"/>
+          <p:nvPr/>
+        </p:nvSpPr>
+        <p:spPr>
+          <a:xfrm>
+            <a:off x="3313216" y="1502229"/>
+            <a:ext cx="5872348" cy="3416320"/>
+          </a:xfrm>
+          <a:prstGeom prst="rect">
+            <a:avLst/>
+          </a:prstGeom>
+          <a:solidFill>
+            <a:schemeClr val="bg1"/>
+          </a:solidFill>
+          <a:ln>
+            <a:solidFill>
+              <a:schemeClr val="tx1"/>
+            </a:solidFill>
+          </a:ln>
+          <a:effectLst>
+            <a:outerShdw blurRad="50800" dist="38100" dir="2700000" algn="tl" rotWithShape="0">
+              <a:prstClr val="black">
+                <a:alpha val="40000"/>
+              </a:prstClr>
+            </a:outerShdw>
+          </a:effectLst>
+        </p:spPr>
+        <p:txBody>
+          <a:bodyPr wrap="square" rtlCol="0">
+            <a:spAutoFit/>
+          </a:bodyPr>
+          <a:lstStyle/>
+          <a:p>
+            <a:r>
+              <a:rPr lang="ru-RU" sz="2400" dirty="0"/>
+              <a:t>Не путайте:</a:t>
+            </a:r>
+          </a:p>
+          <a:p>
+            <a:pPr marL="285750" indent="-285750">
+              <a:buFont typeface="Arial" panose="020B0604020202020204" pitchFamily="34" charset="0"/>
+              <a:buChar char="•"/>
+            </a:pPr>
+            <a:r>
+              <a:rPr lang="ru-RU" sz="2400" dirty="0"/>
+              <a:t>Дефис (-) </a:t>
+            </a:r>
+            <a:r>
+              <a:rPr lang="ru-RU" sz="2400" i="1" dirty="0"/>
+              <a:t>инженер-механик</a:t>
+            </a:r>
+          </a:p>
+          <a:p>
+            <a:pPr marL="285750" indent="-285750">
+              <a:buFont typeface="Arial" panose="020B0604020202020204" pitchFamily="34" charset="0"/>
+              <a:buChar char="•"/>
+            </a:pPr>
+            <a:r>
+              <a:rPr lang="ru-RU" sz="2400" dirty="0"/>
+              <a:t>Тире </a:t>
+            </a:r>
+            <a:r>
+              <a:rPr lang="en-US" sz="2400" dirty="0"/>
+              <a:t>(--), N-dash, &amp;</a:t>
+            </a:r>
+            <a:r>
+              <a:rPr lang="en-US" sz="2400" dirty="0" err="1"/>
+              <a:t>ndash</a:t>
+            </a:r>
+            <a:r>
+              <a:rPr lang="en-US" sz="2400" dirty="0"/>
+              <a:t>; </a:t>
+            </a:r>
+            <a:r>
+              <a:rPr lang="ru-RU" sz="2400" i="1" dirty="0"/>
+              <a:t>Это – успех!</a:t>
+            </a:r>
+          </a:p>
+          <a:p>
+            <a:pPr marL="285750" indent="-285750">
+              <a:buFont typeface="Arial" panose="020B0604020202020204" pitchFamily="34" charset="0"/>
+              <a:buChar char="•"/>
+            </a:pPr>
+            <a:r>
+              <a:rPr lang="ru-RU" sz="2400" dirty="0"/>
+              <a:t>Длинное тире </a:t>
+            </a:r>
+            <a:r>
+              <a:rPr lang="en-US" sz="2400" dirty="0"/>
+              <a:t>(---) M-dash, &amp;</a:t>
+            </a:r>
+            <a:r>
+              <a:rPr lang="en-US" sz="2400" dirty="0" err="1"/>
+              <a:t>mdash</a:t>
+            </a:r>
+            <a:r>
+              <a:rPr lang="en-US" sz="2400" dirty="0"/>
+              <a:t>;</a:t>
+            </a:r>
+          </a:p>
+          <a:p>
+            <a:pPr marL="285750" indent="-285750">
+              <a:buFont typeface="Arial" panose="020B0604020202020204" pitchFamily="34" charset="0"/>
+              <a:buChar char="•"/>
+            </a:pPr>
+            <a:r>
+              <a:rPr lang="ru-RU" sz="2400" dirty="0"/>
+              <a:t>Минус в математике </a:t>
+            </a:r>
+            <a:r>
+              <a:rPr lang="en-US" sz="2400" dirty="0"/>
+              <a:t>($-$) 2-1=1 </a:t>
+            </a:r>
+          </a:p>
+          <a:p>
+            <a:pPr marL="285750" indent="-285750">
+              <a:buFont typeface="Arial" panose="020B0604020202020204" pitchFamily="34" charset="0"/>
+              <a:buChar char="•"/>
+            </a:pPr>
+            <a:endParaRPr lang="en-US" sz="2400" i="1" dirty="0"/>
+          </a:p>
+          <a:p>
+            <a:pPr algn="ctr"/>
+            <a:r>
+              <a:rPr lang="ru-RU" sz="2400" i="1" dirty="0"/>
+              <a:t>При </a:t>
+            </a:r>
+            <a:r>
+              <a:rPr lang="en-US" sz="2400" i="1" dirty="0" err="1"/>
+              <a:t>Copy&amp;Paste</a:t>
+            </a:r>
+            <a:r>
+              <a:rPr lang="ru-RU" sz="2400" i="1" dirty="0"/>
+              <a:t> часто вводится правильно автоматически,</a:t>
+            </a:r>
+            <a:br>
+              <a:rPr lang="ru-RU" sz="2400" i="1" dirty="0"/>
+            </a:br>
+            <a:r>
+              <a:rPr lang="ru-RU" sz="2400" i="1" dirty="0"/>
+              <a:t>но при ручном вводе нужно различать</a:t>
+            </a:r>
+          </a:p>
+        </p:txBody>
+      </p:sp>
+    </p:spTree>
+    <p:extLst>
+      <p:ext uri="{BB962C8B-B14F-4D97-AF65-F5344CB8AC3E}">
+        <p14:creationId xmlns:p14="http://schemas.microsoft.com/office/powerpoint/2010/main" val="762697533"/>
+      </p:ext>
+    </p:extLst>
+  </p:cSld>
+  <p:clrMapOvr>
+    <a:masterClrMapping/>
+  </p:clrMapOvr>
+</p:sld>
+</file>
+
+<file path=ppt/slides/slide13.xml><?xml version="1.0" encoding="utf-8"?>
+<p:sld xmlns:a="http://schemas.openxmlformats.org/drawingml/2006/main" xmlns:r="http://schemas.openxmlformats.org/officeDocument/2006/relationships" xmlns:p="http://schemas.openxmlformats.org/presentationml/2006/main">
+  <p:cSld>
+    <p:spTree>
+      <p:nvGrpSpPr>
+        <p:cNvPr id="1" name=""/>
+        <p:cNvGrpSpPr/>
+        <p:nvPr/>
+      </p:nvGrpSpPr>
+      <p:grpSpPr>
+        <a:xfrm>
+          <a:off x="0" y="0"/>
+          <a:ext cx="0" cy="0"/>
+          <a:chOff x="0" y="0"/>
+          <a:chExt cx="0" cy="0"/>
+        </a:xfrm>
+      </p:grpSpPr>
+      <p:sp>
+        <p:nvSpPr>
+          <p:cNvPr id="9" name="TextBox 8">
+            <a:extLst>
+              <a:ext uri="{FF2B5EF4-FFF2-40B4-BE49-F238E27FC236}">
+                <a16:creationId xmlns:a16="http://schemas.microsoft.com/office/drawing/2014/main" id="{87E2D704-6CA7-FA6C-184A-29AD22314EE5}"/>
+              </a:ext>
+            </a:extLst>
+          </p:cNvPr>
+          <p:cNvSpPr txBox="1"/>
+          <p:nvPr/>
+        </p:nvSpPr>
+        <p:spPr>
+          <a:xfrm>
+            <a:off x="9881175" y="-95003"/>
+            <a:ext cx="2310825" cy="584775"/>
+          </a:xfrm>
+          <a:prstGeom prst="rect">
+            <a:avLst/>
+          </a:prstGeom>
+          <a:noFill/>
+        </p:spPr>
+        <p:txBody>
+          <a:bodyPr wrap="none" rtlCol="0">
+            <a:spAutoFit/>
+          </a:bodyPr>
+          <a:lstStyle/>
+          <a:p>
+            <a:pPr algn="r"/>
+            <a:r>
+              <a:rPr lang="ru-RU" sz="3200" dirty="0"/>
+              <a:t>Многоточие</a:t>
+            </a:r>
+          </a:p>
+        </p:txBody>
+      </p:sp>
+      <p:sp>
+        <p:nvSpPr>
+          <p:cNvPr id="2" name="TextBox 1">
+            <a:extLst>
+              <a:ext uri="{FF2B5EF4-FFF2-40B4-BE49-F238E27FC236}">
+                <a16:creationId xmlns:a16="http://schemas.microsoft.com/office/drawing/2014/main" id="{ED128A58-3505-EAA0-13E9-91707F7A148A}"/>
+              </a:ext>
+            </a:extLst>
+          </p:cNvPr>
+          <p:cNvSpPr txBox="1"/>
+          <p:nvPr/>
+        </p:nvSpPr>
+        <p:spPr>
+          <a:xfrm>
+            <a:off x="2533403" y="2630385"/>
+            <a:ext cx="7125194" cy="1200329"/>
+          </a:xfrm>
+          <a:prstGeom prst="rect">
+            <a:avLst/>
+          </a:prstGeom>
+          <a:solidFill>
+            <a:schemeClr val="bg1"/>
+          </a:solidFill>
+          <a:ln>
+            <a:solidFill>
+              <a:schemeClr val="tx1"/>
+            </a:solidFill>
+          </a:ln>
+          <a:effectLst>
+            <a:outerShdw blurRad="50800" dist="38100" dir="2700000" algn="tl" rotWithShape="0">
+              <a:prstClr val="black">
+                <a:alpha val="40000"/>
+              </a:prstClr>
+            </a:outerShdw>
+          </a:effectLst>
+        </p:spPr>
+        <p:txBody>
+          <a:bodyPr wrap="square" rtlCol="0">
+            <a:spAutoFit/>
+          </a:bodyPr>
+          <a:lstStyle/>
+          <a:p>
+            <a:pPr algn="ctr"/>
+            <a:r>
+              <a:rPr lang="ru-RU" sz="2400" dirty="0">
+                <a:solidFill>
+                  <a:srgbClr val="FF0000"/>
+                </a:solidFill>
+              </a:rPr>
+              <a:t>Неправильно</a:t>
+            </a:r>
+            <a:r>
+              <a:rPr lang="ru-RU" sz="2400" dirty="0"/>
+              <a:t>: </a:t>
+            </a:r>
+            <a:r>
+              <a:rPr lang="en-US" sz="2400" dirty="0"/>
+              <a:t>...</a:t>
+            </a:r>
+          </a:p>
+          <a:p>
+            <a:pPr algn="ctr"/>
+            <a:r>
+              <a:rPr lang="ru-RU" sz="2400" dirty="0">
+                <a:solidFill>
+                  <a:schemeClr val="accent6"/>
+                </a:solidFill>
+              </a:rPr>
+              <a:t>Правильно</a:t>
+            </a:r>
+            <a:r>
+              <a:rPr lang="ru-RU" sz="2400" dirty="0"/>
+              <a:t>:</a:t>
+            </a:r>
+            <a:r>
+              <a:rPr lang="en-US" sz="2400" dirty="0"/>
+              <a:t> \dots \</a:t>
+            </a:r>
+            <a:r>
+              <a:rPr lang="en-US" sz="2400" dirty="0" err="1"/>
+              <a:t>ldots</a:t>
+            </a:r>
+            <a:endParaRPr lang="en-US" sz="2400" dirty="0"/>
+          </a:p>
+          <a:p>
+            <a:pPr algn="ctr"/>
+            <a:r>
+              <a:rPr lang="ru-RU" sz="2400" dirty="0"/>
+              <a:t>А ещё есть </a:t>
+            </a:r>
+            <a:r>
+              <a:rPr lang="en-US" sz="2400" dirty="0"/>
+              <a:t>\</a:t>
+            </a:r>
+            <a:r>
+              <a:rPr lang="en-US" sz="2400" dirty="0" err="1"/>
+              <a:t>cdots</a:t>
+            </a:r>
+            <a:r>
+              <a:rPr lang="en-US" sz="2400" dirty="0"/>
+              <a:t> </a:t>
+            </a:r>
+            <a:r>
+              <a:rPr lang="ru-RU" sz="2400" dirty="0"/>
+              <a:t>и </a:t>
+            </a:r>
+            <a:r>
+              <a:rPr lang="en-US" sz="2400" dirty="0"/>
+              <a:t>\</a:t>
+            </a:r>
+            <a:r>
+              <a:rPr lang="en-US" sz="2400" dirty="0" err="1"/>
+              <a:t>vdots</a:t>
+            </a:r>
+            <a:r>
+              <a:rPr lang="ru-RU" sz="2400" dirty="0"/>
+              <a:t>, но это для формул</a:t>
+            </a:r>
+            <a:endParaRPr lang="en-US" sz="2400" dirty="0"/>
+          </a:p>
+        </p:txBody>
+      </p:sp>
+    </p:spTree>
+    <p:extLst>
+      <p:ext uri="{BB962C8B-B14F-4D97-AF65-F5344CB8AC3E}">
+        <p14:creationId xmlns:p14="http://schemas.microsoft.com/office/powerpoint/2010/main" val="528063260"/>
+      </p:ext>
+    </p:extLst>
+  </p:cSld>
+  <p:clrMapOvr>
+    <a:masterClrMapping/>
+  </p:clrMapOvr>
+</p:sld>
+</file>
+
+<file path=ppt/slides/slide14.xml><?xml version="1.0" encoding="utf-8"?>
+<p:sld xmlns:a="http://schemas.openxmlformats.org/drawingml/2006/main" xmlns:r="http://schemas.openxmlformats.org/officeDocument/2006/relationships" xmlns:p="http://schemas.openxmlformats.org/presentationml/2006/main">
+  <p:cSld>
+    <p:spTree>
+      <p:nvGrpSpPr>
+        <p:cNvPr id="1" name=""/>
+        <p:cNvGrpSpPr/>
+        <p:nvPr/>
+      </p:nvGrpSpPr>
+      <p:grpSpPr>
+        <a:xfrm>
+          <a:off x="0" y="0"/>
+          <a:ext cx="0" cy="0"/>
+          <a:chOff x="0" y="0"/>
+          <a:chExt cx="0" cy="0"/>
+        </a:xfrm>
+      </p:grpSpPr>
+      <p:sp>
+        <p:nvSpPr>
+          <p:cNvPr id="9" name="TextBox 8">
+            <a:extLst>
+              <a:ext uri="{FF2B5EF4-FFF2-40B4-BE49-F238E27FC236}">
+                <a16:creationId xmlns:a16="http://schemas.microsoft.com/office/drawing/2014/main" id="{87E2D704-6CA7-FA6C-184A-29AD22314EE5}"/>
+              </a:ext>
+            </a:extLst>
+          </p:cNvPr>
+          <p:cNvSpPr txBox="1"/>
+          <p:nvPr/>
+        </p:nvSpPr>
+        <p:spPr>
+          <a:xfrm>
+            <a:off x="8976055" y="-95003"/>
+            <a:ext cx="3215945" cy="584775"/>
+          </a:xfrm>
+          <a:prstGeom prst="rect">
+            <a:avLst/>
+          </a:prstGeom>
+          <a:noFill/>
+        </p:spPr>
+        <p:txBody>
+          <a:bodyPr wrap="none" rtlCol="0">
+            <a:spAutoFit/>
+          </a:bodyPr>
+          <a:lstStyle/>
+          <a:p>
+            <a:pPr algn="r"/>
+            <a:r>
+              <a:rPr lang="ru-RU" sz="3200" dirty="0"/>
+              <a:t>Параграф / абзац</a:t>
+            </a:r>
+          </a:p>
+        </p:txBody>
+      </p:sp>
+      <p:sp>
+        <p:nvSpPr>
+          <p:cNvPr id="2" name="TextBox 1">
+            <a:extLst>
+              <a:ext uri="{FF2B5EF4-FFF2-40B4-BE49-F238E27FC236}">
+                <a16:creationId xmlns:a16="http://schemas.microsoft.com/office/drawing/2014/main" id="{5A73B4D3-978B-CB53-B42E-982473B45884}"/>
+              </a:ext>
+            </a:extLst>
+          </p:cNvPr>
+          <p:cNvSpPr txBox="1"/>
+          <p:nvPr/>
+        </p:nvSpPr>
+        <p:spPr>
+          <a:xfrm>
+            <a:off x="385948" y="374072"/>
+            <a:ext cx="7463642" cy="4401205"/>
+          </a:xfrm>
+          <a:prstGeom prst="rect">
+            <a:avLst/>
+          </a:prstGeom>
+          <a:noFill/>
+        </p:spPr>
+        <p:txBody>
+          <a:bodyPr wrap="square" rtlCol="0">
+            <a:spAutoFit/>
+          </a:bodyPr>
+          <a:lstStyle/>
+          <a:p>
+            <a:pPr marL="285750" indent="-285750">
+              <a:buFont typeface="Arial" panose="020B0604020202020204" pitchFamily="34" charset="0"/>
+              <a:buChar char="•"/>
+            </a:pPr>
+            <a:r>
+              <a:rPr lang="ru-RU" sz="2000" dirty="0"/>
+              <a:t>Новый параграф:</a:t>
+            </a:r>
+          </a:p>
+          <a:p>
+            <a:pPr marL="742950" lvl="1" indent="-285750">
+              <a:buFont typeface="Arial" panose="020B0604020202020204" pitchFamily="34" charset="0"/>
+              <a:buChar char="•"/>
+            </a:pPr>
+            <a:r>
+              <a:rPr lang="en-US" sz="2000" dirty="0"/>
+              <a:t>\par</a:t>
+            </a:r>
+          </a:p>
+          <a:p>
+            <a:pPr marL="742950" lvl="1" indent="-285750">
+              <a:buFont typeface="Arial" panose="020B0604020202020204" pitchFamily="34" charset="0"/>
+              <a:buChar char="•"/>
+            </a:pPr>
+            <a:r>
+              <a:rPr lang="ru-RU" sz="2000" dirty="0"/>
+              <a:t>Лучше – пустая строка</a:t>
+            </a:r>
+          </a:p>
+          <a:p>
+            <a:pPr marL="285750" indent="-285750">
+              <a:buFont typeface="Arial" panose="020B0604020202020204" pitchFamily="34" charset="0"/>
+              <a:buChar char="•"/>
+            </a:pPr>
+            <a:r>
+              <a:rPr lang="ru-RU" sz="2000" dirty="0"/>
+              <a:t>Строки автоматически склеиваются и выравниваются</a:t>
+            </a:r>
+          </a:p>
+          <a:p>
+            <a:pPr marL="285750" indent="-285750">
+              <a:buFont typeface="Arial" panose="020B0604020202020204" pitchFamily="34" charset="0"/>
+              <a:buChar char="•"/>
+            </a:pPr>
+            <a:r>
+              <a:rPr lang="ru-RU" sz="2000" dirty="0"/>
+              <a:t>Принудительный перевод строки </a:t>
+            </a:r>
+            <a:r>
+              <a:rPr lang="en-US" sz="2000" dirty="0"/>
+              <a:t>\\ </a:t>
+            </a:r>
+            <a:r>
+              <a:rPr lang="ru-RU" sz="2000" dirty="0"/>
+              <a:t>или </a:t>
+            </a:r>
+            <a:r>
+              <a:rPr lang="en-US" sz="2000" dirty="0"/>
+              <a:t>\newline</a:t>
+            </a:r>
+          </a:p>
+          <a:p>
+            <a:pPr marL="285750" indent="-285750">
+              <a:buFont typeface="Arial" panose="020B0604020202020204" pitchFamily="34" charset="0"/>
+              <a:buChar char="•"/>
+            </a:pPr>
+            <a:r>
+              <a:rPr lang="ru-RU" sz="2000" dirty="0"/>
+              <a:t>Без красной строки </a:t>
+            </a:r>
+            <a:r>
+              <a:rPr lang="en-US" sz="2000" dirty="0"/>
+              <a:t>\</a:t>
+            </a:r>
+            <a:r>
+              <a:rPr lang="en-US" sz="2000" dirty="0" err="1"/>
+              <a:t>noindent</a:t>
+            </a:r>
+            <a:r>
+              <a:rPr lang="en-US" sz="2000" dirty="0"/>
+              <a:t> </a:t>
+            </a:r>
+            <a:r>
+              <a:rPr lang="ru-RU" sz="2000" dirty="0"/>
+              <a:t>перед параграфом</a:t>
+            </a:r>
+            <a:endParaRPr lang="en-US" sz="2000" dirty="0"/>
+          </a:p>
+          <a:p>
+            <a:pPr marL="742950" lvl="1" indent="-285750">
+              <a:buFont typeface="Arial" panose="020B0604020202020204" pitchFamily="34" charset="0"/>
+              <a:buChar char="•"/>
+            </a:pPr>
+            <a:r>
+              <a:rPr lang="ru-RU" sz="2000" dirty="0"/>
+              <a:t>\</a:t>
+            </a:r>
+            <a:r>
+              <a:rPr lang="en-US" sz="2000" dirty="0" err="1"/>
+              <a:t>setlength</a:t>
+            </a:r>
+            <a:r>
+              <a:rPr lang="en-US" sz="2000" dirty="0"/>
+              <a:t>{\</a:t>
+            </a:r>
+            <a:r>
+              <a:rPr lang="en-US" sz="2000" dirty="0" err="1"/>
+              <a:t>parindent</a:t>
+            </a:r>
+            <a:r>
+              <a:rPr lang="en-US" sz="2000" dirty="0"/>
+              <a:t>}{2.5em}</a:t>
+            </a:r>
+          </a:p>
+          <a:p>
+            <a:pPr marL="742950" lvl="1" indent="-285750">
+              <a:buFont typeface="Arial" panose="020B0604020202020204" pitchFamily="34" charset="0"/>
+              <a:buChar char="•"/>
+            </a:pPr>
+            <a:r>
+              <a:rPr lang="en-US" sz="2000" dirty="0"/>
+              <a:t>\</a:t>
+            </a:r>
+            <a:r>
+              <a:rPr lang="en-US" sz="2000" dirty="0" err="1"/>
+              <a:t>usepackage</a:t>
+            </a:r>
+            <a:r>
+              <a:rPr lang="en-US" sz="2000" dirty="0"/>
+              <a:t>{</a:t>
+            </a:r>
+            <a:r>
+              <a:rPr lang="en-US" sz="2000" dirty="0" err="1"/>
+              <a:t>indentfirst</a:t>
+            </a:r>
+            <a:r>
+              <a:rPr lang="en-US" sz="2000" dirty="0"/>
+              <a:t>} </a:t>
+            </a:r>
+            <a:r>
+              <a:rPr lang="en-US" sz="2000" i="1" dirty="0"/>
+              <a:t>% </a:t>
+            </a:r>
+            <a:r>
+              <a:rPr lang="ru-RU" sz="2000" i="1" dirty="0"/>
+              <a:t>первый параграф раздела</a:t>
+            </a:r>
+          </a:p>
+          <a:p>
+            <a:pPr marL="285750" indent="-285750">
+              <a:buFont typeface="Arial" panose="020B0604020202020204" pitchFamily="34" charset="0"/>
+              <a:buChar char="•"/>
+            </a:pPr>
+            <a:r>
+              <a:rPr lang="ru-RU" sz="2000" dirty="0"/>
+              <a:t>\</a:t>
+            </a:r>
+            <a:r>
+              <a:rPr lang="en-US" sz="2000" dirty="0" err="1"/>
+              <a:t>linespread</a:t>
+            </a:r>
+            <a:r>
+              <a:rPr lang="en-US" sz="2000" dirty="0"/>
+              <a:t>{1.5}</a:t>
+            </a:r>
+            <a:r>
+              <a:rPr lang="ru-RU" sz="2000" dirty="0"/>
+              <a:t> – межстрочный интервал</a:t>
+            </a:r>
+          </a:p>
+          <a:p>
+            <a:pPr marL="285750" indent="-285750">
+              <a:buFont typeface="Arial" panose="020B0604020202020204" pitchFamily="34" charset="0"/>
+              <a:buChar char="•"/>
+            </a:pPr>
+            <a:r>
+              <a:rPr lang="ru-RU" sz="2000" dirty="0"/>
+              <a:t>Выравнивание:</a:t>
+            </a:r>
+          </a:p>
+          <a:p>
+            <a:pPr marL="742950" lvl="1" indent="-285750">
+              <a:buFont typeface="Arial" panose="020B0604020202020204" pitchFamily="34" charset="0"/>
+              <a:buChar char="•"/>
+            </a:pPr>
+            <a:r>
+              <a:rPr lang="en-US" sz="2000" dirty="0"/>
+              <a:t>\begin{center}, \centering</a:t>
+            </a:r>
+          </a:p>
+          <a:p>
+            <a:pPr marL="742950" lvl="1" indent="-285750">
+              <a:buFont typeface="Arial" panose="020B0604020202020204" pitchFamily="34" charset="0"/>
+              <a:buChar char="•"/>
+            </a:pPr>
+            <a:r>
+              <a:rPr lang="en-US" sz="2000" dirty="0"/>
+              <a:t>\begin{</a:t>
+            </a:r>
+            <a:r>
+              <a:rPr lang="en-US" sz="2000" dirty="0" err="1"/>
+              <a:t>flushleft</a:t>
+            </a:r>
+            <a:r>
+              <a:rPr lang="en-US" sz="2000" dirty="0"/>
+              <a:t>}, \</a:t>
+            </a:r>
+            <a:r>
+              <a:rPr lang="en-US" sz="2000" dirty="0" err="1"/>
+              <a:t>raggedright</a:t>
+            </a:r>
+            <a:endParaRPr lang="en-US" sz="2000" dirty="0"/>
+          </a:p>
+          <a:p>
+            <a:pPr marL="742950" lvl="1" indent="-285750">
+              <a:buFont typeface="Arial" panose="020B0604020202020204" pitchFamily="34" charset="0"/>
+              <a:buChar char="•"/>
+            </a:pPr>
+            <a:r>
+              <a:rPr lang="en-US" sz="2000" dirty="0"/>
+              <a:t>\begin{</a:t>
+            </a:r>
+            <a:r>
+              <a:rPr lang="en-US" sz="2000" dirty="0" err="1"/>
+              <a:t>flushright</a:t>
+            </a:r>
+            <a:r>
+              <a:rPr lang="en-US" sz="2000" dirty="0"/>
+              <a:t>}, \</a:t>
+            </a:r>
+            <a:r>
+              <a:rPr lang="en-US" sz="2000" dirty="0" err="1"/>
+              <a:t>raggedleft</a:t>
+            </a:r>
+            <a:endParaRPr lang="en-US" sz="2000" dirty="0"/>
+          </a:p>
+          <a:p>
+            <a:pPr marL="285750" indent="-285750">
+              <a:buFont typeface="Arial" panose="020B0604020202020204" pitchFamily="34" charset="0"/>
+              <a:buChar char="•"/>
+            </a:pPr>
+            <a:r>
+              <a:rPr lang="ru-RU" sz="2000" dirty="0"/>
+              <a:t>Знак параграфа </a:t>
+            </a:r>
+            <a:r>
+              <a:rPr lang="en-US" sz="2000" dirty="0"/>
+              <a:t>\S</a:t>
+            </a:r>
+            <a:endParaRPr lang="ru-RU" sz="2000" dirty="0"/>
+          </a:p>
+        </p:txBody>
+      </p:sp>
+      <p:sp>
+        <p:nvSpPr>
+          <p:cNvPr id="6" name="TextBox 5">
+            <a:extLst>
+              <a:ext uri="{FF2B5EF4-FFF2-40B4-BE49-F238E27FC236}">
+                <a16:creationId xmlns:a16="http://schemas.microsoft.com/office/drawing/2014/main" id="{8E1C39A3-8B4B-34F4-650D-9CF30D31C178}"/>
+              </a:ext>
+            </a:extLst>
+          </p:cNvPr>
+          <p:cNvSpPr txBox="1"/>
+          <p:nvPr/>
+        </p:nvSpPr>
+        <p:spPr>
+          <a:xfrm>
+            <a:off x="5064826" y="3429000"/>
+            <a:ext cx="6691745" cy="2800767"/>
+          </a:xfrm>
+          <a:prstGeom prst="rect">
+            <a:avLst/>
+          </a:prstGeom>
+          <a:solidFill>
+            <a:schemeClr val="bg1"/>
+          </a:solidFill>
+          <a:ln>
+            <a:solidFill>
+              <a:schemeClr val="tx1"/>
+            </a:solidFill>
+          </a:ln>
+          <a:effectLst>
+            <a:outerShdw blurRad="50800" dist="38100" dir="2700000" algn="tl" rotWithShape="0">
+              <a:prstClr val="black">
+                <a:alpha val="40000"/>
+              </a:prstClr>
+            </a:outerShdw>
+          </a:effectLst>
+        </p:spPr>
+        <p:txBody>
+          <a:bodyPr wrap="square" rtlCol="0">
+            <a:spAutoFit/>
+          </a:bodyPr>
+          <a:lstStyle/>
+          <a:p>
+            <a:r>
+              <a:rPr lang="en-US" sz="1600" dirty="0"/>
+              <a:t>\begin{center}</a:t>
+            </a:r>
+          </a:p>
+          <a:p>
+            <a:r>
+              <a:rPr lang="en-US" sz="1600" dirty="0"/>
+              <a:t>Example 1: The following paragraph (given in quotes) is an </a:t>
+            </a:r>
+          </a:p>
+          <a:p>
+            <a:r>
+              <a:rPr lang="en-US" sz="1600" dirty="0"/>
+              <a:t>example of </a:t>
+            </a:r>
+            <a:r>
+              <a:rPr lang="en-US" sz="1600" dirty="0" err="1"/>
+              <a:t>centred</a:t>
+            </a:r>
+            <a:r>
+              <a:rPr lang="en-US" sz="1600" dirty="0"/>
+              <a:t> alignment using the center environment. </a:t>
+            </a:r>
+          </a:p>
+          <a:p>
+            <a:endParaRPr lang="en-US" sz="1600" dirty="0"/>
+          </a:p>
+          <a:p>
+            <a:r>
+              <a:rPr lang="en-US" sz="1600" dirty="0"/>
+              <a:t>``La\</a:t>
+            </a:r>
+            <a:r>
+              <a:rPr lang="en-US" sz="1600" dirty="0" err="1"/>
+              <a:t>TeX</a:t>
+            </a:r>
+            <a:r>
+              <a:rPr lang="en-US" sz="1600" dirty="0"/>
+              <a:t>{} is a document preparation system and document markup </a:t>
+            </a:r>
+          </a:p>
+          <a:p>
+            <a:r>
+              <a:rPr lang="en-US" sz="1600" dirty="0"/>
+              <a:t>language. \LaTeX{} uses the \</a:t>
+            </a:r>
+            <a:r>
+              <a:rPr lang="en-US" sz="1600" dirty="0" err="1"/>
+              <a:t>TeX</a:t>
+            </a:r>
+            <a:r>
+              <a:rPr lang="en-US" sz="1600" dirty="0"/>
+              <a:t>{} typesetting program for formatting </a:t>
+            </a:r>
+          </a:p>
+          <a:p>
+            <a:r>
+              <a:rPr lang="en-US" sz="1600" dirty="0"/>
+              <a:t>its output, and is itself written in the \</a:t>
+            </a:r>
+            <a:r>
+              <a:rPr lang="en-US" sz="1600" dirty="0" err="1"/>
+              <a:t>TeX</a:t>
+            </a:r>
+            <a:r>
+              <a:rPr lang="en-US" sz="1600" dirty="0"/>
+              <a:t>{} macro language. </a:t>
+            </a:r>
+          </a:p>
+          <a:p>
+            <a:r>
+              <a:rPr lang="en-US" sz="1600" dirty="0"/>
+              <a:t>\LaTeX{} is not the name of a particular (executable) typesetting program, but </a:t>
+            </a:r>
+          </a:p>
+          <a:p>
+            <a:r>
+              <a:rPr lang="en-US" sz="1600" dirty="0"/>
+              <a:t>refers to the suite of commands (\</a:t>
+            </a:r>
+            <a:r>
+              <a:rPr lang="en-US" sz="1600" dirty="0" err="1"/>
+              <a:t>TeX</a:t>
+            </a:r>
+            <a:r>
+              <a:rPr lang="en-US" sz="1600" dirty="0"/>
+              <a:t>{} macros) which form the markup </a:t>
+            </a:r>
+          </a:p>
+          <a:p>
+            <a:r>
+              <a:rPr lang="en-US" sz="1600" dirty="0"/>
+              <a:t>conventions used to typeset \LaTeX{} documents."</a:t>
+            </a:r>
+          </a:p>
+          <a:p>
+            <a:r>
+              <a:rPr lang="en-US" sz="1600" dirty="0"/>
+              <a:t>\end{center}</a:t>
+            </a:r>
+            <a:endParaRPr lang="ru-RU" sz="1600" dirty="0"/>
+          </a:p>
+        </p:txBody>
+      </p:sp>
+    </p:spTree>
+    <p:extLst>
+      <p:ext uri="{BB962C8B-B14F-4D97-AF65-F5344CB8AC3E}">
+        <p14:creationId xmlns:p14="http://schemas.microsoft.com/office/powerpoint/2010/main" val="3470638744"/>
+      </p:ext>
+    </p:extLst>
+  </p:cSld>
+  <p:clrMapOvr>
+    <a:masterClrMapping/>
+  </p:clrMapOvr>
+</p:sld>
+</file>
+
+<file path=ppt/slides/slide15.xml><?xml version="1.0" encoding="utf-8"?>
+<p:sld xmlns:a="http://schemas.openxmlformats.org/drawingml/2006/main" xmlns:r="http://schemas.openxmlformats.org/officeDocument/2006/relationships" xmlns:p="http://schemas.openxmlformats.org/presentationml/2006/main">
+  <p:cSld>
+    <p:spTree>
+      <p:nvGrpSpPr>
+        <p:cNvPr id="1" name=""/>
+        <p:cNvGrpSpPr/>
+        <p:nvPr/>
+      </p:nvGrpSpPr>
+      <p:grpSpPr>
+        <a:xfrm>
+          <a:off x="0" y="0"/>
+          <a:ext cx="0" cy="0"/>
+          <a:chOff x="0" y="0"/>
+          <a:chExt cx="0" cy="0"/>
+        </a:xfrm>
+      </p:grpSpPr>
+      <p:sp>
+        <p:nvSpPr>
+          <p:cNvPr id="9" name="TextBox 8">
+            <a:extLst>
+              <a:ext uri="{FF2B5EF4-FFF2-40B4-BE49-F238E27FC236}">
+                <a16:creationId xmlns:a16="http://schemas.microsoft.com/office/drawing/2014/main" id="{87E2D704-6CA7-FA6C-184A-29AD22314EE5}"/>
+              </a:ext>
+            </a:extLst>
+          </p:cNvPr>
+          <p:cNvSpPr txBox="1"/>
+          <p:nvPr/>
+        </p:nvSpPr>
+        <p:spPr>
+          <a:xfrm>
+            <a:off x="10768212" y="-95003"/>
+            <a:ext cx="1423788" cy="584775"/>
+          </a:xfrm>
+          <a:prstGeom prst="rect">
+            <a:avLst/>
+          </a:prstGeom>
+          <a:noFill/>
+        </p:spPr>
+        <p:txBody>
+          <a:bodyPr wrap="none" rtlCol="0">
+            <a:spAutoFit/>
+          </a:bodyPr>
+          <a:lstStyle/>
+          <a:p>
+            <a:pPr algn="r"/>
+            <a:r>
+              <a:rPr lang="ru-RU" sz="3200" dirty="0"/>
+              <a:t>Списки</a:t>
+            </a:r>
+          </a:p>
+        </p:txBody>
+      </p:sp>
+      <p:sp>
+        <p:nvSpPr>
+          <p:cNvPr id="2" name="TextBox 1">
+            <a:extLst>
+              <a:ext uri="{FF2B5EF4-FFF2-40B4-BE49-F238E27FC236}">
+                <a16:creationId xmlns:a16="http://schemas.microsoft.com/office/drawing/2014/main" id="{5A73B4D3-978B-CB53-B42E-982473B45884}"/>
+              </a:ext>
+            </a:extLst>
+          </p:cNvPr>
+          <p:cNvSpPr txBox="1"/>
+          <p:nvPr/>
+        </p:nvSpPr>
+        <p:spPr>
+          <a:xfrm>
+            <a:off x="635330" y="819397"/>
+            <a:ext cx="7463642" cy="1938992"/>
+          </a:xfrm>
+          <a:prstGeom prst="rect">
+            <a:avLst/>
+          </a:prstGeom>
+          <a:noFill/>
+        </p:spPr>
+        <p:txBody>
+          <a:bodyPr wrap="square" rtlCol="0">
+            <a:spAutoFit/>
+          </a:bodyPr>
+          <a:lstStyle/>
+          <a:p>
+            <a:pPr marL="285750" indent="-285750">
+              <a:buFont typeface="Arial" panose="020B0604020202020204" pitchFamily="34" charset="0"/>
+              <a:buChar char="•"/>
+            </a:pPr>
+            <a:r>
+              <a:rPr lang="ru-RU" sz="2000" dirty="0"/>
+              <a:t>Нумерованные: </a:t>
+            </a:r>
+            <a:r>
+              <a:rPr lang="en-US" sz="2000" dirty="0"/>
+              <a:t>\begin{</a:t>
+            </a:r>
+            <a:r>
+              <a:rPr lang="en-US" sz="2000" b="1" dirty="0"/>
+              <a:t>enumerate</a:t>
+            </a:r>
+            <a:r>
+              <a:rPr lang="en-US" sz="2000" dirty="0"/>
+              <a:t>}</a:t>
+            </a:r>
+          </a:p>
+          <a:p>
+            <a:pPr marL="285750" indent="-285750">
+              <a:buFont typeface="Arial" panose="020B0604020202020204" pitchFamily="34" charset="0"/>
+              <a:buChar char="•"/>
+            </a:pPr>
+            <a:r>
+              <a:rPr lang="ru-RU" sz="2000" dirty="0"/>
+              <a:t>Ненумерованные \</a:t>
+            </a:r>
+            <a:r>
+              <a:rPr lang="en-US" sz="2000" dirty="0"/>
+              <a:t>begin{</a:t>
+            </a:r>
+            <a:r>
+              <a:rPr lang="en-US" sz="2000" b="1" dirty="0"/>
+              <a:t>itemize</a:t>
+            </a:r>
+            <a:r>
+              <a:rPr lang="en-US" sz="2000" dirty="0"/>
+              <a:t>}</a:t>
+            </a:r>
+          </a:p>
+          <a:p>
+            <a:pPr marL="285750" indent="-285750">
+              <a:buFont typeface="Arial" panose="020B0604020202020204" pitchFamily="34" charset="0"/>
+              <a:buChar char="•"/>
+            </a:pPr>
+            <a:r>
+              <a:rPr lang="ru-RU" sz="2000" dirty="0"/>
+              <a:t>Элемент списка </a:t>
+            </a:r>
+            <a:r>
+              <a:rPr lang="en-US" sz="2000" dirty="0"/>
+              <a:t>\</a:t>
+            </a:r>
+            <a:r>
+              <a:rPr lang="en-US" sz="2000" b="1" dirty="0"/>
+              <a:t>item</a:t>
+            </a:r>
+            <a:r>
+              <a:rPr lang="en-US" sz="2000" dirty="0"/>
+              <a:t>[x]</a:t>
+            </a:r>
+          </a:p>
+          <a:p>
+            <a:pPr marL="742950" lvl="1" indent="-285750">
+              <a:buFont typeface="Arial" panose="020B0604020202020204" pitchFamily="34" charset="0"/>
+              <a:buChar char="•"/>
+            </a:pPr>
+            <a:r>
+              <a:rPr lang="ru-RU" sz="2000" dirty="0"/>
+              <a:t>Можно перенастроить вид маркировки</a:t>
+            </a:r>
+          </a:p>
+          <a:p>
+            <a:pPr marL="285750" indent="-285750">
+              <a:buFont typeface="Arial" panose="020B0604020202020204" pitchFamily="34" charset="0"/>
+              <a:buChar char="•"/>
+            </a:pPr>
+            <a:r>
+              <a:rPr lang="ru-RU" sz="2000" dirty="0"/>
+              <a:t>Весь список (и все списки) тоже можно настроить</a:t>
+            </a:r>
+          </a:p>
+          <a:p>
+            <a:pPr marL="285750" indent="-285750">
+              <a:buFont typeface="Arial" panose="020B0604020202020204" pitchFamily="34" charset="0"/>
+              <a:buChar char="•"/>
+            </a:pPr>
+            <a:r>
+              <a:rPr lang="ru-RU" sz="2000" dirty="0"/>
+              <a:t>Могут быть вложенными в произвольном порядке</a:t>
+            </a:r>
+          </a:p>
+        </p:txBody>
+      </p:sp>
+      <p:sp>
+        <p:nvSpPr>
+          <p:cNvPr id="3" name="TextBox 2">
+            <a:extLst>
+              <a:ext uri="{FF2B5EF4-FFF2-40B4-BE49-F238E27FC236}">
+                <a16:creationId xmlns:a16="http://schemas.microsoft.com/office/drawing/2014/main" id="{237EE539-50D2-2ADA-B001-EAE2AEC27A51}"/>
+              </a:ext>
+            </a:extLst>
+          </p:cNvPr>
+          <p:cNvSpPr txBox="1"/>
+          <p:nvPr/>
+        </p:nvSpPr>
+        <p:spPr>
+          <a:xfrm>
+            <a:off x="3550723" y="3271652"/>
+            <a:ext cx="7766462" cy="3046988"/>
+          </a:xfrm>
+          <a:prstGeom prst="rect">
+            <a:avLst/>
+          </a:prstGeom>
+          <a:solidFill>
+            <a:schemeClr val="bg1"/>
+          </a:solidFill>
+          <a:ln>
+            <a:solidFill>
+              <a:schemeClr val="tx1"/>
+            </a:solidFill>
+          </a:ln>
+          <a:effectLst>
+            <a:outerShdw blurRad="50800" dist="38100" dir="2700000" algn="tl" rotWithShape="0">
+              <a:prstClr val="black">
+                <a:alpha val="40000"/>
+              </a:prstClr>
+            </a:outerShdw>
+          </a:effectLst>
+        </p:spPr>
+        <p:txBody>
+          <a:bodyPr wrap="square" rtlCol="0">
+            <a:spAutoFit/>
+          </a:bodyPr>
+          <a:lstStyle/>
+          <a:p>
+            <a:r>
+              <a:rPr lang="ru-RU" sz="1600" dirty="0"/>
+              <a:t>\</a:t>
+            </a:r>
+            <a:r>
+              <a:rPr lang="ru-RU" sz="1600" dirty="0" err="1"/>
+              <a:t>begin</a:t>
+            </a:r>
+            <a:r>
+              <a:rPr lang="ru-RU" sz="1600" dirty="0"/>
+              <a:t>{</a:t>
+            </a:r>
+            <a:r>
+              <a:rPr lang="ru-RU" sz="1600" dirty="0" err="1"/>
+              <a:t>enumerate</a:t>
+            </a:r>
+            <a:r>
+              <a:rPr lang="ru-RU" sz="1600" dirty="0"/>
+              <a:t>}</a:t>
+            </a:r>
+          </a:p>
+          <a:p>
+            <a:r>
+              <a:rPr lang="ru-RU" sz="1600" dirty="0"/>
+              <a:t>    \</a:t>
+            </a:r>
+            <a:r>
+              <a:rPr lang="ru-RU" sz="1600" dirty="0" err="1"/>
+              <a:t>item</a:t>
+            </a:r>
+            <a:r>
+              <a:rPr lang="ru-RU" sz="1600" dirty="0"/>
+              <a:t> </a:t>
+            </a:r>
+          </a:p>
+          <a:p>
+            <a:r>
+              <a:rPr lang="ru-RU" sz="1600" dirty="0"/>
+              <a:t>    Зарегистрируйтесь на </a:t>
+            </a:r>
+          </a:p>
+          <a:p>
+            <a:r>
+              <a:rPr lang="ru-RU" sz="1600" dirty="0"/>
+              <a:t>    \</a:t>
+            </a:r>
+            <a:r>
+              <a:rPr lang="ru-RU" sz="1600" dirty="0" err="1"/>
+              <a:t>href</a:t>
+            </a:r>
+            <a:r>
+              <a:rPr lang="ru-RU" sz="1600" dirty="0"/>
+              <a:t>{http://www.overleaf.com/signup?ref=coursera-latex}{https://www.overleaf.com/}</a:t>
+            </a:r>
+          </a:p>
+          <a:p>
+            <a:r>
+              <a:rPr lang="ru-RU" sz="1600" dirty="0"/>
+              <a:t>    </a:t>
+            </a:r>
+          </a:p>
+          <a:p>
+            <a:r>
+              <a:rPr lang="ru-RU" sz="1600" dirty="0"/>
+              <a:t>    \</a:t>
+            </a:r>
+            <a:r>
+              <a:rPr lang="ru-RU" sz="1600" dirty="0" err="1"/>
+              <a:t>item</a:t>
+            </a:r>
+            <a:r>
+              <a:rPr lang="ru-RU" sz="1600" dirty="0"/>
+              <a:t> </a:t>
+            </a:r>
+          </a:p>
+          <a:p>
+            <a:r>
+              <a:rPr lang="ru-RU" sz="1600" dirty="0"/>
+              <a:t>    Создайте пустой документ</a:t>
+            </a:r>
+          </a:p>
+          <a:p>
+            <a:r>
+              <a:rPr lang="ru-RU" sz="1600" dirty="0"/>
+              <a:t>    </a:t>
+            </a:r>
+          </a:p>
+          <a:p>
+            <a:r>
+              <a:rPr lang="ru-RU" sz="1600" dirty="0"/>
+              <a:t>    \</a:t>
+            </a:r>
+            <a:r>
+              <a:rPr lang="ru-RU" sz="1600" dirty="0" err="1"/>
+              <a:t>item</a:t>
+            </a:r>
+            <a:r>
+              <a:rPr lang="ru-RU" sz="1600" dirty="0"/>
+              <a:t> </a:t>
+            </a:r>
+          </a:p>
+          <a:p>
+            <a:r>
+              <a:rPr lang="ru-RU" sz="1600" dirty="0"/>
+              <a:t>    Сделайте необходимую преамбулу для русских документов</a:t>
+            </a:r>
+          </a:p>
+          <a:p>
+            <a:r>
+              <a:rPr lang="en-US" sz="1600" dirty="0"/>
+              <a:t>…</a:t>
+            </a:r>
+          </a:p>
+          <a:p>
+            <a:r>
+              <a:rPr lang="en-US" sz="1600" dirty="0"/>
+              <a:t>\end{enumerate}</a:t>
+            </a:r>
+            <a:endParaRPr lang="ru-RU" sz="1600" dirty="0"/>
+          </a:p>
+        </p:txBody>
+      </p:sp>
+    </p:spTree>
+    <p:extLst>
+      <p:ext uri="{BB962C8B-B14F-4D97-AF65-F5344CB8AC3E}">
+        <p14:creationId xmlns:p14="http://schemas.microsoft.com/office/powerpoint/2010/main" val="1505788127"/>
+      </p:ext>
+    </p:extLst>
+  </p:cSld>
+  <p:clrMapOvr>
+    <a:masterClrMapping/>
+  </p:clrMapOvr>
+</p:sld>
+</file>
+
+<file path=ppt/slides/slide16.xml><?xml version="1.0" encoding="utf-8"?>
+<p:sld xmlns:a="http://schemas.openxmlformats.org/drawingml/2006/main" xmlns:r="http://schemas.openxmlformats.org/officeDocument/2006/relationships" xmlns:p="http://schemas.openxmlformats.org/presentationml/2006/main">
+  <p:cSld>
+    <p:spTree>
+      <p:nvGrpSpPr>
+        <p:cNvPr id="1" name=""/>
+        <p:cNvGrpSpPr/>
+        <p:nvPr/>
+      </p:nvGrpSpPr>
+      <p:grpSpPr>
+        <a:xfrm>
+          <a:off x="0" y="0"/>
+          <a:ext cx="0" cy="0"/>
+          <a:chOff x="0" y="0"/>
+          <a:chExt cx="0" cy="0"/>
+        </a:xfrm>
+      </p:grpSpPr>
+      <p:sp>
+        <p:nvSpPr>
+          <p:cNvPr id="9" name="TextBox 8">
+            <a:extLst>
+              <a:ext uri="{FF2B5EF4-FFF2-40B4-BE49-F238E27FC236}">
+                <a16:creationId xmlns:a16="http://schemas.microsoft.com/office/drawing/2014/main" id="{87E2D704-6CA7-FA6C-184A-29AD22314EE5}"/>
+              </a:ext>
+            </a:extLst>
+          </p:cNvPr>
+          <p:cNvSpPr txBox="1"/>
+          <p:nvPr/>
+        </p:nvSpPr>
+        <p:spPr>
+          <a:xfrm>
+            <a:off x="8557479" y="-95003"/>
+            <a:ext cx="3634521" cy="584775"/>
+          </a:xfrm>
+          <a:prstGeom prst="rect">
+            <a:avLst/>
+          </a:prstGeom>
+          <a:noFill/>
+        </p:spPr>
+        <p:txBody>
+          <a:bodyPr wrap="none" rtlCol="0">
+            <a:spAutoFit/>
+          </a:bodyPr>
+          <a:lstStyle/>
+          <a:p>
+            <a:pPr algn="r"/>
+            <a:r>
+              <a:rPr lang="ru-RU" sz="3200" dirty="0"/>
+              <a:t>Разделы документа</a:t>
+            </a:r>
+          </a:p>
+        </p:txBody>
+      </p:sp>
+      <p:graphicFrame>
+        <p:nvGraphicFramePr>
+          <p:cNvPr id="3" name="Таблица 3">
+            <a:extLst>
+              <a:ext uri="{FF2B5EF4-FFF2-40B4-BE49-F238E27FC236}">
+                <a16:creationId xmlns:a16="http://schemas.microsoft.com/office/drawing/2014/main" id="{2FB3FAFA-1682-BED9-B499-FE45148968AE}"/>
+              </a:ext>
+            </a:extLst>
+          </p:cNvPr>
+          <p:cNvGraphicFramePr>
+            <a:graphicFrameLocks noGrp="1"/>
+          </p:cNvGraphicFramePr>
+          <p:nvPr>
+            <p:extLst>
+              <p:ext uri="{D42A27DB-BD31-4B8C-83A1-F6EECF244321}">
+                <p14:modId xmlns:p14="http://schemas.microsoft.com/office/powerpoint/2010/main" val="3439130464"/>
+              </p:ext>
+            </p:extLst>
+          </p:nvPr>
+        </p:nvGraphicFramePr>
+        <p:xfrm>
+          <a:off x="2815771" y="808731"/>
+          <a:ext cx="6855058" cy="2966720"/>
+        </p:xfrm>
+        <a:graphic>
+          <a:graphicData uri="http://schemas.openxmlformats.org/drawingml/2006/table">
+            <a:tbl>
+              <a:tblPr firstRow="1" bandRow="1">
+                <a:tableStyleId>{7DF18680-E054-41AD-8BC1-D1AEF772440D}</a:tableStyleId>
+              </a:tblPr>
+              <a:tblGrid>
+                <a:gridCol w="1795082">
+                  <a:extLst>
+                    <a:ext uri="{9D8B030D-6E8A-4147-A177-3AD203B41FA5}">
+                      <a16:colId xmlns:a16="http://schemas.microsoft.com/office/drawing/2014/main" val="3030640135"/>
+                    </a:ext>
+                  </a:extLst>
+                </a:gridCol>
+                <a:gridCol w="2350643">
+                  <a:extLst>
+                    <a:ext uri="{9D8B030D-6E8A-4147-A177-3AD203B41FA5}">
+                      <a16:colId xmlns:a16="http://schemas.microsoft.com/office/drawing/2014/main" val="2653970972"/>
+                    </a:ext>
+                  </a:extLst>
+                </a:gridCol>
+                <a:gridCol w="2709333">
+                  <a:extLst>
+                    <a:ext uri="{9D8B030D-6E8A-4147-A177-3AD203B41FA5}">
+                      <a16:colId xmlns:a16="http://schemas.microsoft.com/office/drawing/2014/main" val="304798683"/>
+                    </a:ext>
+                  </a:extLst>
+                </a:gridCol>
+              </a:tblGrid>
+              <a:tr h="370840">
+                <a:tc>
+                  <a:txBody>
+                    <a:bodyPr/>
+                    <a:lstStyle/>
+                    <a:p>
+                      <a:pPr algn="ctr"/>
+                      <a:r>
+                        <a:rPr lang="ru-RU" dirty="0"/>
+                        <a:t>Раздел</a:t>
+                      </a:r>
+                    </a:p>
+                  </a:txBody>
+                  <a:tcPr/>
+                </a:tc>
+                <a:tc>
+                  <a:txBody>
+                    <a:bodyPr/>
+                    <a:lstStyle/>
+                    <a:p>
+                      <a:endParaRPr lang="ru-RU" dirty="0"/>
+                    </a:p>
+                  </a:txBody>
+                  <a:tcPr/>
+                </a:tc>
+                <a:tc>
+                  <a:txBody>
+                    <a:bodyPr/>
+                    <a:lstStyle/>
+                    <a:p>
+                      <a:endParaRPr lang="ru-RU" dirty="0"/>
+                    </a:p>
+                  </a:txBody>
+                  <a:tcPr/>
+                </a:tc>
+                <a:extLst>
+                  <a:ext uri="{0D108BD9-81ED-4DB2-BD59-A6C34878D82A}">
+                    <a16:rowId xmlns:a16="http://schemas.microsoft.com/office/drawing/2014/main" val="3164296440"/>
+                  </a:ext>
+                </a:extLst>
+              </a:tr>
+              <a:tr h="370840">
+                <a:tc>
+                  <a:txBody>
+                    <a:bodyPr/>
+                    <a:lstStyle/>
+                    <a:p>
+                      <a:r>
+                        <a:rPr lang="en-US" dirty="0"/>
+                        <a:t>\part{}</a:t>
+                      </a:r>
+                      <a:endParaRPr lang="ru-RU" dirty="0"/>
+                    </a:p>
+                  </a:txBody>
+                  <a:tcPr/>
+                </a:tc>
+                <a:tc rowSpan="2">
+                  <a:txBody>
+                    <a:bodyPr/>
+                    <a:lstStyle/>
+                    <a:p>
+                      <a:pPr algn="ctr"/>
+                      <a:r>
+                        <a:rPr lang="ru-RU" dirty="0"/>
+                        <a:t>Новая страница</a:t>
+                      </a:r>
+                    </a:p>
+                  </a:txBody>
+                  <a:tcPr/>
+                </a:tc>
+                <a:tc rowSpan="2">
+                  <a:txBody>
+                    <a:bodyPr/>
+                    <a:lstStyle/>
+                    <a:p>
+                      <a:pPr algn="ctr"/>
+                      <a:r>
+                        <a:rPr lang="ru-RU" dirty="0"/>
+                        <a:t>Нет в </a:t>
+                      </a:r>
+                      <a:r>
+                        <a:rPr lang="en-US" dirty="0"/>
+                        <a:t>\</a:t>
+                      </a:r>
+                      <a:r>
+                        <a:rPr lang="en-US" sz="1800" b="0" dirty="0" err="1"/>
+                        <a:t>documentclass</a:t>
+                      </a:r>
+                      <a:r>
+                        <a:rPr lang="en-US" sz="1800" b="0" dirty="0"/>
+                        <a:t>{</a:t>
+                      </a:r>
+                      <a:r>
+                        <a:rPr lang="en-US" b="1" dirty="0"/>
+                        <a:t>article</a:t>
+                      </a:r>
+                      <a:r>
+                        <a:rPr lang="en-US" dirty="0"/>
+                        <a:t>}</a:t>
+                      </a:r>
+                      <a:endParaRPr lang="ru-RU" dirty="0"/>
+                    </a:p>
+                  </a:txBody>
+                  <a:tcPr/>
+                </a:tc>
+                <a:extLst>
+                  <a:ext uri="{0D108BD9-81ED-4DB2-BD59-A6C34878D82A}">
+                    <a16:rowId xmlns:a16="http://schemas.microsoft.com/office/drawing/2014/main" val="2903253769"/>
+                  </a:ext>
+                </a:extLst>
+              </a:tr>
+              <a:tr h="370840">
+                <a:tc>
+                  <a:txBody>
+                    <a:bodyPr/>
+                    <a:lstStyle/>
+                    <a:p>
+                      <a:r>
+                        <a:rPr lang="en-US" dirty="0"/>
+                        <a:t>\chapter{}</a:t>
+                      </a:r>
+                      <a:endParaRPr lang="ru-RU" dirty="0"/>
+                    </a:p>
+                  </a:txBody>
+                  <a:tcPr/>
+                </a:tc>
+                <a:tc vMerge="1">
+                  <a:txBody>
+                    <a:bodyPr/>
+                    <a:lstStyle/>
+                    <a:p>
+                      <a:endParaRPr lang="ru-RU" dirty="0"/>
+                    </a:p>
+                  </a:txBody>
+                  <a:tcPr/>
+                </a:tc>
+                <a:tc vMerge="1">
+                  <a:txBody>
+                    <a:bodyPr/>
+                    <a:lstStyle/>
+                    <a:p>
+                      <a:endParaRPr lang="ru-RU" dirty="0"/>
+                    </a:p>
+                  </a:txBody>
+                  <a:tcPr/>
+                </a:tc>
+                <a:extLst>
+                  <a:ext uri="{0D108BD9-81ED-4DB2-BD59-A6C34878D82A}">
+                    <a16:rowId xmlns:a16="http://schemas.microsoft.com/office/drawing/2014/main" val="2097057647"/>
+                  </a:ext>
+                </a:extLst>
+              </a:tr>
+              <a:tr h="370840">
+                <a:tc>
+                  <a:txBody>
+                    <a:bodyPr/>
+                    <a:lstStyle/>
+                    <a:p>
+                      <a:r>
+                        <a:rPr lang="en-US" dirty="0"/>
+                        <a:t>\section{}</a:t>
+                      </a:r>
+                      <a:endParaRPr lang="ru-RU" dirty="0"/>
+                    </a:p>
+                  </a:txBody>
+                  <a:tcPr/>
+                </a:tc>
+                <a:tc rowSpan="3">
+                  <a:txBody>
+                    <a:bodyPr/>
+                    <a:lstStyle/>
+                    <a:p>
+                      <a:pPr algn="ctr"/>
+                      <a:r>
+                        <a:rPr lang="ru-RU" dirty="0"/>
+                        <a:t>Новая строка + отступ</a:t>
+                      </a:r>
+                    </a:p>
+                  </a:txBody>
+                  <a:tcPr/>
+                </a:tc>
+                <a:tc rowSpan="5">
+                  <a:txBody>
+                    <a:bodyPr/>
+                    <a:lstStyle/>
+                    <a:p>
+                      <a:pPr marL="0" marR="0" lvl="0" indent="0" algn="ctr" defTabSz="914400" rtl="0" eaLnBrk="1" fontAlgn="auto" latinLnBrk="0" hangingPunct="1">
+                        <a:lnSpc>
+                          <a:spcPct val="100000"/>
+                        </a:lnSpc>
+                        <a:spcBef>
+                          <a:spcPts val="0"/>
+                        </a:spcBef>
+                        <a:spcAft>
+                          <a:spcPts val="0"/>
+                        </a:spcAft>
+                        <a:buClrTx/>
+                        <a:buSzTx/>
+                        <a:buFontTx/>
+                        <a:buNone/>
+                        <a:tabLst/>
+                        <a:defRPr/>
+                      </a:pPr>
+                      <a:r>
+                        <a:rPr lang="ru-RU" dirty="0"/>
+                        <a:t>Есть в </a:t>
+                      </a:r>
+                      <a:r>
+                        <a:rPr lang="en-US" dirty="0"/>
+                        <a:t>\</a:t>
+                      </a:r>
+                      <a:r>
+                        <a:rPr lang="en-US" sz="1800" b="0" dirty="0" err="1"/>
+                        <a:t>documentclass</a:t>
+                      </a:r>
+                      <a:r>
+                        <a:rPr lang="en-US" sz="1800" b="0" dirty="0"/>
+                        <a:t>{</a:t>
+                      </a:r>
+                      <a:r>
+                        <a:rPr lang="en-US" b="1" dirty="0"/>
+                        <a:t>article</a:t>
+                      </a:r>
+                      <a:r>
+                        <a:rPr lang="en-US" dirty="0"/>
+                        <a:t>}</a:t>
+                      </a:r>
+                      <a:endParaRPr lang="ru-RU" dirty="0"/>
+                    </a:p>
+                    <a:p>
+                      <a:r>
+                        <a:rPr lang="ru-RU" dirty="0"/>
+                        <a:t> </a:t>
+                      </a:r>
+                    </a:p>
+                  </a:txBody>
+                  <a:tcPr/>
+                </a:tc>
+                <a:extLst>
+                  <a:ext uri="{0D108BD9-81ED-4DB2-BD59-A6C34878D82A}">
+                    <a16:rowId xmlns:a16="http://schemas.microsoft.com/office/drawing/2014/main" val="1330769469"/>
+                  </a:ext>
+                </a:extLst>
+              </a:tr>
+              <a:tr h="370840">
+                <a:tc>
+                  <a:txBody>
+                    <a:bodyPr/>
+                    <a:lstStyle/>
+                    <a:p>
+                      <a:r>
+                        <a:rPr lang="en-US" dirty="0"/>
+                        <a:t>\subsection{}</a:t>
+                      </a:r>
+                      <a:endParaRPr lang="ru-RU" dirty="0"/>
+                    </a:p>
+                  </a:txBody>
+                  <a:tcPr/>
+                </a:tc>
+                <a:tc vMerge="1">
+                  <a:txBody>
+                    <a:bodyPr/>
+                    <a:lstStyle/>
+                    <a:p>
+                      <a:endParaRPr lang="ru-RU" dirty="0"/>
+                    </a:p>
+                  </a:txBody>
+                  <a:tcPr/>
+                </a:tc>
+                <a:tc vMerge="1">
+                  <a:txBody>
+                    <a:bodyPr/>
+                    <a:lstStyle/>
+                    <a:p>
+                      <a:endParaRPr lang="ru-RU" dirty="0"/>
+                    </a:p>
+                  </a:txBody>
+                  <a:tcPr/>
+                </a:tc>
+                <a:extLst>
+                  <a:ext uri="{0D108BD9-81ED-4DB2-BD59-A6C34878D82A}">
+                    <a16:rowId xmlns:a16="http://schemas.microsoft.com/office/drawing/2014/main" val="2304483454"/>
+                  </a:ext>
+                </a:extLst>
+              </a:tr>
+              <a:tr h="370840">
+                <a:tc>
+                  <a:txBody>
+                    <a:bodyPr/>
+                    <a:lstStyle/>
+                    <a:p>
+                      <a:r>
+                        <a:rPr lang="en-US" dirty="0"/>
+                        <a:t>\subsubsection{}</a:t>
+                      </a:r>
+                      <a:endParaRPr lang="ru-RU" dirty="0"/>
+                    </a:p>
+                  </a:txBody>
+                  <a:tcPr/>
+                </a:tc>
+                <a:tc vMerge="1">
+                  <a:txBody>
+                    <a:bodyPr/>
+                    <a:lstStyle/>
+                    <a:p>
+                      <a:endParaRPr lang="ru-RU" dirty="0"/>
+                    </a:p>
+                  </a:txBody>
+                  <a:tcPr/>
+                </a:tc>
+                <a:tc vMerge="1">
+                  <a:txBody>
+                    <a:bodyPr/>
+                    <a:lstStyle/>
+                    <a:p>
+                      <a:endParaRPr lang="ru-RU" dirty="0"/>
+                    </a:p>
+                  </a:txBody>
+                  <a:tcPr/>
+                </a:tc>
+                <a:extLst>
+                  <a:ext uri="{0D108BD9-81ED-4DB2-BD59-A6C34878D82A}">
+                    <a16:rowId xmlns:a16="http://schemas.microsoft.com/office/drawing/2014/main" val="2203684273"/>
+                  </a:ext>
+                </a:extLst>
+              </a:tr>
+              <a:tr h="370840">
+                <a:tc>
+                  <a:txBody>
+                    <a:bodyPr/>
+                    <a:lstStyle/>
+                    <a:p>
+                      <a:r>
+                        <a:rPr lang="en-US" dirty="0"/>
+                        <a:t>\paragraph{}</a:t>
+                      </a:r>
+                      <a:endParaRPr lang="ru-RU" dirty="0"/>
+                    </a:p>
+                  </a:txBody>
+                  <a:tcPr/>
+                </a:tc>
+                <a:tc rowSpan="2">
+                  <a:txBody>
+                    <a:bodyPr/>
+                    <a:lstStyle/>
+                    <a:p>
+                      <a:pPr algn="ctr"/>
+                      <a:r>
+                        <a:rPr lang="ru-RU" dirty="0"/>
+                        <a:t>В той же строке</a:t>
+                      </a:r>
+                    </a:p>
+                  </a:txBody>
+                  <a:tcPr/>
+                </a:tc>
+                <a:tc vMerge="1">
+                  <a:txBody>
+                    <a:bodyPr/>
+                    <a:lstStyle/>
+                    <a:p>
+                      <a:endParaRPr lang="ru-RU" dirty="0"/>
+                    </a:p>
+                  </a:txBody>
+                  <a:tcPr/>
+                </a:tc>
+                <a:extLst>
+                  <a:ext uri="{0D108BD9-81ED-4DB2-BD59-A6C34878D82A}">
+                    <a16:rowId xmlns:a16="http://schemas.microsoft.com/office/drawing/2014/main" val="2938763840"/>
+                  </a:ext>
+                </a:extLst>
+              </a:tr>
+              <a:tr h="370840">
+                <a:tc>
+                  <a:txBody>
+                    <a:bodyPr/>
+                    <a:lstStyle/>
+                    <a:p>
+                      <a:r>
+                        <a:rPr lang="en-US" dirty="0"/>
+                        <a:t>\subparagraph{}</a:t>
+                      </a:r>
+                      <a:endParaRPr lang="ru-RU" dirty="0"/>
+                    </a:p>
+                  </a:txBody>
+                  <a:tcPr/>
+                </a:tc>
+                <a:tc vMerge="1">
+                  <a:txBody>
+                    <a:bodyPr/>
+                    <a:lstStyle/>
+                    <a:p>
+                      <a:endParaRPr lang="ru-RU" dirty="0"/>
+                    </a:p>
+                  </a:txBody>
+                  <a:tcPr/>
+                </a:tc>
+                <a:tc vMerge="1">
+                  <a:txBody>
+                    <a:bodyPr/>
+                    <a:lstStyle/>
+                    <a:p>
+                      <a:endParaRPr lang="ru-RU" dirty="0"/>
+                    </a:p>
+                  </a:txBody>
+                  <a:tcPr/>
+                </a:tc>
+                <a:extLst>
+                  <a:ext uri="{0D108BD9-81ED-4DB2-BD59-A6C34878D82A}">
+                    <a16:rowId xmlns:a16="http://schemas.microsoft.com/office/drawing/2014/main" val="1890234308"/>
+                  </a:ext>
+                </a:extLst>
+              </a:tr>
+            </a:tbl>
+          </a:graphicData>
+        </a:graphic>
+      </p:graphicFrame>
+      <p:sp>
+        <p:nvSpPr>
+          <p:cNvPr id="4" name="TextBox 3">
+            <a:extLst>
+              <a:ext uri="{FF2B5EF4-FFF2-40B4-BE49-F238E27FC236}">
+                <a16:creationId xmlns:a16="http://schemas.microsoft.com/office/drawing/2014/main" id="{B23B5E74-90E3-44C0-6FE9-E4CD26CC5C07}"/>
+              </a:ext>
+            </a:extLst>
+          </p:cNvPr>
+          <p:cNvSpPr txBox="1"/>
+          <p:nvPr/>
+        </p:nvSpPr>
+        <p:spPr>
+          <a:xfrm>
+            <a:off x="261256" y="4762005"/>
+            <a:ext cx="8360229" cy="646331"/>
+          </a:xfrm>
+          <a:prstGeom prst="rect">
+            <a:avLst/>
+          </a:prstGeom>
+          <a:noFill/>
+        </p:spPr>
+        <p:txBody>
+          <a:bodyPr wrap="square" rtlCol="0">
+            <a:spAutoFit/>
+          </a:bodyPr>
+          <a:lstStyle/>
+          <a:p>
+            <a:r>
+              <a:rPr lang="en-US" dirty="0"/>
+              <a:t>\section{</a:t>
+            </a:r>
+            <a:r>
+              <a:rPr lang="ru-RU" dirty="0"/>
+              <a:t>Заголовок</a:t>
+            </a:r>
+            <a:r>
+              <a:rPr lang="en-US" dirty="0"/>
+              <a:t>}</a:t>
+            </a:r>
+            <a:r>
+              <a:rPr lang="ru-RU" dirty="0"/>
+              <a:t> – нумеруется и попадает в Оглавление</a:t>
+            </a:r>
+          </a:p>
+          <a:p>
+            <a:r>
+              <a:rPr lang="en-US" dirty="0"/>
+              <a:t>\section*{</a:t>
+            </a:r>
+            <a:r>
+              <a:rPr lang="ru-RU" dirty="0"/>
+              <a:t>Заголовок</a:t>
+            </a:r>
+            <a:r>
+              <a:rPr lang="en-US" dirty="0"/>
+              <a:t>}</a:t>
+            </a:r>
+            <a:r>
+              <a:rPr lang="ru-RU" dirty="0"/>
+              <a:t> – ни то, ни другое</a:t>
+            </a:r>
+          </a:p>
+        </p:txBody>
+      </p:sp>
+    </p:spTree>
+    <p:extLst>
+      <p:ext uri="{BB962C8B-B14F-4D97-AF65-F5344CB8AC3E}">
+        <p14:creationId xmlns:p14="http://schemas.microsoft.com/office/powerpoint/2010/main" val="189832741"/>
+      </p:ext>
+    </p:extLst>
+  </p:cSld>
+  <p:clrMapOvr>
+    <a:masterClrMapping/>
+  </p:clrMapOvr>
+</p:sld>
+</file>
+
+<file path=ppt/slides/slide17.xml><?xml version="1.0" encoding="utf-8"?>
+<p:sld xmlns:a="http://schemas.openxmlformats.org/drawingml/2006/main" xmlns:r="http://schemas.openxmlformats.org/officeDocument/2006/relationships" xmlns:p="http://schemas.openxmlformats.org/presentationml/2006/main">
+  <p:cSld>
+    <p:spTree>
+      <p:nvGrpSpPr>
+        <p:cNvPr id="1" name=""/>
+        <p:cNvGrpSpPr/>
+        <p:nvPr/>
+      </p:nvGrpSpPr>
+      <p:grpSpPr>
+        <a:xfrm>
+          <a:off x="0" y="0"/>
+          <a:ext cx="0" cy="0"/>
+          <a:chOff x="0" y="0"/>
+          <a:chExt cx="0" cy="0"/>
+        </a:xfrm>
+      </p:grpSpPr>
+      <p:sp>
+        <p:nvSpPr>
+          <p:cNvPr id="9" name="TextBox 8">
+            <a:extLst>
+              <a:ext uri="{FF2B5EF4-FFF2-40B4-BE49-F238E27FC236}">
+                <a16:creationId xmlns:a16="http://schemas.microsoft.com/office/drawing/2014/main" id="{87E2D704-6CA7-FA6C-184A-29AD22314EE5}"/>
+              </a:ext>
+            </a:extLst>
+          </p:cNvPr>
+          <p:cNvSpPr txBox="1"/>
+          <p:nvPr/>
+        </p:nvSpPr>
+        <p:spPr>
+          <a:xfrm>
+            <a:off x="7080729" y="-95003"/>
+            <a:ext cx="5111271" cy="584775"/>
+          </a:xfrm>
+          <a:prstGeom prst="rect">
+            <a:avLst/>
+          </a:prstGeom>
+          <a:noFill/>
+        </p:spPr>
+        <p:txBody>
+          <a:bodyPr wrap="none" rtlCol="0">
+            <a:spAutoFit/>
+          </a:bodyPr>
+          <a:lstStyle/>
+          <a:p>
+            <a:pPr algn="r"/>
+            <a:r>
+              <a:rPr lang="ru-RU" sz="3200" dirty="0"/>
+              <a:t>Автоматическое оглавление</a:t>
+            </a:r>
+          </a:p>
+        </p:txBody>
+      </p:sp>
+      <p:sp>
+        <p:nvSpPr>
+          <p:cNvPr id="2" name="TextBox 1">
+            <a:extLst>
+              <a:ext uri="{FF2B5EF4-FFF2-40B4-BE49-F238E27FC236}">
+                <a16:creationId xmlns:a16="http://schemas.microsoft.com/office/drawing/2014/main" id="{8A982F0A-2B4D-90ED-A90F-3C1CE806E817}"/>
+              </a:ext>
+            </a:extLst>
+          </p:cNvPr>
+          <p:cNvSpPr txBox="1"/>
+          <p:nvPr/>
+        </p:nvSpPr>
+        <p:spPr>
+          <a:xfrm>
+            <a:off x="1276599" y="1989117"/>
+            <a:ext cx="10289968" cy="3046988"/>
+          </a:xfrm>
+          <a:prstGeom prst="rect">
+            <a:avLst/>
+          </a:prstGeom>
+          <a:noFill/>
+        </p:spPr>
+        <p:txBody>
+          <a:bodyPr wrap="square" rtlCol="0">
+            <a:spAutoFit/>
+          </a:bodyPr>
+          <a:lstStyle/>
+          <a:p>
+            <a:pPr marL="285750" indent="-285750">
+              <a:buFont typeface="Arial" panose="020B0604020202020204" pitchFamily="34" charset="0"/>
+              <a:buChar char="•"/>
+            </a:pPr>
+            <a:r>
+              <a:rPr lang="ru-RU" sz="2400" dirty="0"/>
+              <a:t>\</a:t>
+            </a:r>
+            <a:r>
+              <a:rPr lang="en-US" sz="2400" b="1" dirty="0" err="1"/>
+              <a:t>tableofcontents</a:t>
+            </a:r>
+            <a:r>
+              <a:rPr lang="ru-RU" sz="2400" dirty="0"/>
+              <a:t> автоматически собирает все разделы в оглавление</a:t>
+            </a:r>
+          </a:p>
+          <a:p>
+            <a:pPr marL="285750" indent="-285750">
+              <a:buFont typeface="Arial" panose="020B0604020202020204" pitchFamily="34" charset="0"/>
+              <a:buChar char="•"/>
+            </a:pPr>
+            <a:r>
+              <a:rPr lang="ru-RU" sz="2400" dirty="0"/>
+              <a:t>Глубина разделов может настраиваться</a:t>
+            </a:r>
+          </a:p>
+          <a:p>
+            <a:pPr marL="285750" indent="-285750">
+              <a:buFont typeface="Arial" panose="020B0604020202020204" pitchFamily="34" charset="0"/>
+              <a:buChar char="•"/>
+            </a:pPr>
+            <a:r>
+              <a:rPr lang="ru-RU" sz="2400" dirty="0"/>
+              <a:t>Может включиться многопроходная компиляция документа</a:t>
+            </a:r>
+          </a:p>
+          <a:p>
+            <a:pPr marL="285750" indent="-285750">
+              <a:buFont typeface="Arial" panose="020B0604020202020204" pitchFamily="34" charset="0"/>
+              <a:buChar char="•"/>
+            </a:pPr>
+            <a:r>
+              <a:rPr lang="ru-RU" sz="2400" dirty="0"/>
+              <a:t>Также есть команды</a:t>
+            </a:r>
+            <a:endParaRPr lang="en-US" sz="2400" dirty="0"/>
+          </a:p>
+          <a:p>
+            <a:pPr marL="742950" lvl="1" indent="-285750">
+              <a:buFont typeface="Arial" panose="020B0604020202020204" pitchFamily="34" charset="0"/>
+              <a:buChar char="•"/>
+            </a:pPr>
+            <a:r>
+              <a:rPr lang="en-US" sz="2400" dirty="0"/>
+              <a:t>\</a:t>
+            </a:r>
+            <a:r>
+              <a:rPr lang="en-US" sz="2400" b="1" dirty="0" err="1"/>
+              <a:t>listoftables</a:t>
+            </a:r>
+            <a:endParaRPr lang="en-US" sz="2400" b="1" dirty="0"/>
+          </a:p>
+          <a:p>
+            <a:pPr marL="742950" lvl="1" indent="-285750">
+              <a:buFont typeface="Arial" panose="020B0604020202020204" pitchFamily="34" charset="0"/>
+              <a:buChar char="•"/>
+            </a:pPr>
+            <a:r>
+              <a:rPr lang="en-US" sz="2400" dirty="0"/>
+              <a:t>\</a:t>
+            </a:r>
+            <a:r>
+              <a:rPr lang="en-US" sz="2400" b="1" dirty="0" err="1"/>
+              <a:t>listoffigures</a:t>
+            </a:r>
+            <a:endParaRPr lang="ru-RU" sz="2400" b="1" dirty="0"/>
+          </a:p>
+          <a:p>
+            <a:endParaRPr lang="en-US" sz="2400" dirty="0"/>
+          </a:p>
+          <a:p>
+            <a:endParaRPr lang="ru-RU" sz="2400" dirty="0"/>
+          </a:p>
+        </p:txBody>
+      </p:sp>
+    </p:spTree>
+    <p:extLst>
+      <p:ext uri="{BB962C8B-B14F-4D97-AF65-F5344CB8AC3E}">
+        <p14:creationId xmlns:p14="http://schemas.microsoft.com/office/powerpoint/2010/main" val="615309789"/>
+      </p:ext>
+    </p:extLst>
+  </p:cSld>
+  <p:clrMapOvr>
+    <a:masterClrMapping/>
+  </p:clrMapOvr>
+</p:sld>
+</file>
+
+<file path=ppt/slides/slide18.xml><?xml version="1.0" encoding="utf-8"?>
+<p:sld xmlns:a="http://schemas.openxmlformats.org/drawingml/2006/main" xmlns:r="http://schemas.openxmlformats.org/officeDocument/2006/relationships" xmlns:p="http://schemas.openxmlformats.org/presentationml/2006/main">
+  <p:cSld>
+    <p:spTree>
+      <p:nvGrpSpPr>
+        <p:cNvPr id="1" name=""/>
+        <p:cNvGrpSpPr/>
+        <p:nvPr/>
+      </p:nvGrpSpPr>
+      <p:grpSpPr>
+        <a:xfrm>
+          <a:off x="0" y="0"/>
+          <a:ext cx="0" cy="0"/>
+          <a:chOff x="0" y="0"/>
+          <a:chExt cx="0" cy="0"/>
+        </a:xfrm>
+      </p:grpSpPr>
+      <p:sp>
+        <p:nvSpPr>
+          <p:cNvPr id="9" name="TextBox 8">
+            <a:extLst>
+              <a:ext uri="{FF2B5EF4-FFF2-40B4-BE49-F238E27FC236}">
+                <a16:creationId xmlns:a16="http://schemas.microsoft.com/office/drawing/2014/main" id="{87E2D704-6CA7-FA6C-184A-29AD22314EE5}"/>
+              </a:ext>
+            </a:extLst>
+          </p:cNvPr>
+          <p:cNvSpPr txBox="1"/>
+          <p:nvPr/>
+        </p:nvSpPr>
+        <p:spPr>
+          <a:xfrm>
+            <a:off x="9765117" y="-95003"/>
+            <a:ext cx="2426883" cy="584775"/>
+          </a:xfrm>
+          <a:prstGeom prst="rect">
+            <a:avLst/>
+          </a:prstGeom>
+          <a:noFill/>
+        </p:spPr>
+        <p:txBody>
+          <a:bodyPr wrap="none" rtlCol="0">
+            <a:spAutoFit/>
+          </a:bodyPr>
+          <a:lstStyle/>
+          <a:p>
+            <a:pPr algn="r"/>
+            <a:r>
+              <a:rPr lang="ru-RU" sz="3200" dirty="0"/>
+              <a:t>Гиперссылки</a:t>
+            </a:r>
+          </a:p>
+        </p:txBody>
+      </p:sp>
+      <p:sp>
+        <p:nvSpPr>
+          <p:cNvPr id="2" name="TextBox 1">
+            <a:extLst>
+              <a:ext uri="{FF2B5EF4-FFF2-40B4-BE49-F238E27FC236}">
+                <a16:creationId xmlns:a16="http://schemas.microsoft.com/office/drawing/2014/main" id="{C71528CD-ECDC-5101-2025-B0E9D6591A6B}"/>
+              </a:ext>
+            </a:extLst>
+          </p:cNvPr>
+          <p:cNvSpPr txBox="1"/>
+          <p:nvPr/>
+        </p:nvSpPr>
+        <p:spPr>
+          <a:xfrm>
+            <a:off x="344386" y="251907"/>
+            <a:ext cx="5353792" cy="2585323"/>
+          </a:xfrm>
+          <a:prstGeom prst="rect">
+            <a:avLst/>
+          </a:prstGeom>
+          <a:solidFill>
+            <a:schemeClr val="bg1"/>
+          </a:solidFill>
+          <a:ln>
+            <a:solidFill>
+              <a:schemeClr val="tx1"/>
+            </a:solidFill>
+          </a:ln>
+          <a:effectLst>
+            <a:outerShdw blurRad="50800" dist="38100" dir="2700000" algn="tl" rotWithShape="0">
+              <a:prstClr val="black">
+                <a:alpha val="40000"/>
+              </a:prstClr>
+            </a:outerShdw>
+          </a:effectLst>
+        </p:spPr>
+        <p:txBody>
+          <a:bodyPr wrap="square" rtlCol="0">
+            <a:spAutoFit/>
+          </a:bodyPr>
+          <a:lstStyle/>
+          <a:p>
+            <a:r>
+              <a:rPr lang="ru-RU" i="1" dirty="0"/>
+              <a:t>% Куда ссылаемся:</a:t>
+            </a:r>
+          </a:p>
+          <a:p>
+            <a:r>
+              <a:rPr lang="en-US" dirty="0"/>
+              <a:t>\section{%</a:t>
+            </a:r>
+          </a:p>
+          <a:p>
+            <a:r>
+              <a:rPr lang="en-US" dirty="0"/>
+              <a:t>  </a:t>
+            </a:r>
+            <a:r>
+              <a:rPr lang="ru-RU" dirty="0"/>
+              <a:t>Алгоритмы решения задачи непрерывной резки</a:t>
+            </a:r>
+          </a:p>
+          <a:p>
+            <a:r>
+              <a:rPr lang="ru-RU" dirty="0"/>
+              <a:t>}</a:t>
+            </a:r>
+          </a:p>
+          <a:p>
+            <a:r>
+              <a:rPr lang="ru-RU" dirty="0"/>
+              <a:t>\</a:t>
+            </a:r>
+            <a:r>
+              <a:rPr lang="en-US" b="1" dirty="0"/>
+              <a:t>label</a:t>
+            </a:r>
+            <a:r>
+              <a:rPr lang="en-US" dirty="0"/>
+              <a:t>{</a:t>
+            </a:r>
+            <a:r>
+              <a:rPr lang="en-US" dirty="0" err="1"/>
+              <a:t>sec:ccp.algo</a:t>
+            </a:r>
+            <a:r>
+              <a:rPr lang="en-US" dirty="0"/>
+              <a:t>}</a:t>
+            </a:r>
+            <a:endParaRPr lang="ru-RU" dirty="0"/>
+          </a:p>
+          <a:p>
+            <a:endParaRPr lang="ru-RU" dirty="0"/>
+          </a:p>
+          <a:p>
+            <a:r>
+              <a:rPr lang="ru-RU" i="1" dirty="0"/>
+              <a:t>% Так же можно ссылаться на рисунки, таблицы…</a:t>
+            </a:r>
+          </a:p>
+          <a:p>
+            <a:r>
+              <a:rPr lang="ru-RU" i="1" dirty="0"/>
+              <a:t>% Ссылки на формулы оформляются иначе</a:t>
+            </a:r>
+            <a:endParaRPr lang="en-US" i="1" dirty="0"/>
+          </a:p>
+          <a:p>
+            <a:endParaRPr lang="ru-RU" dirty="0"/>
+          </a:p>
+        </p:txBody>
+      </p:sp>
+      <p:sp>
+        <p:nvSpPr>
+          <p:cNvPr id="3" name="TextBox 2">
+            <a:extLst>
+              <a:ext uri="{FF2B5EF4-FFF2-40B4-BE49-F238E27FC236}">
+                <a16:creationId xmlns:a16="http://schemas.microsoft.com/office/drawing/2014/main" id="{C72EADB8-8A70-9435-6B57-66EE805F717A}"/>
+              </a:ext>
+            </a:extLst>
+          </p:cNvPr>
+          <p:cNvSpPr txBox="1"/>
+          <p:nvPr/>
+        </p:nvSpPr>
+        <p:spPr>
+          <a:xfrm>
+            <a:off x="6187046" y="611203"/>
+            <a:ext cx="5353792" cy="1477328"/>
+          </a:xfrm>
+          <a:prstGeom prst="rect">
+            <a:avLst/>
+          </a:prstGeom>
+          <a:solidFill>
+            <a:schemeClr val="bg1"/>
+          </a:solidFill>
+          <a:ln>
+            <a:solidFill>
+              <a:schemeClr val="tx1"/>
+            </a:solidFill>
+          </a:ln>
+          <a:effectLst>
+            <a:outerShdw blurRad="50800" dist="38100" dir="2700000" algn="tl" rotWithShape="0">
+              <a:prstClr val="black">
+                <a:alpha val="40000"/>
+              </a:prstClr>
+            </a:outerShdw>
+          </a:effectLst>
+        </p:spPr>
+        <p:txBody>
+          <a:bodyPr wrap="square" rtlCol="0">
+            <a:spAutoFit/>
+          </a:bodyPr>
+          <a:lstStyle/>
+          <a:p>
+            <a:r>
+              <a:rPr lang="ru-RU" i="1" dirty="0"/>
+              <a:t>% Ссылка</a:t>
+            </a:r>
+          </a:p>
+          <a:p>
+            <a:r>
+              <a:rPr lang="ru-RU" i="1" dirty="0"/>
+              <a:t>…</a:t>
+            </a:r>
+            <a:endParaRPr lang="ru-RU" dirty="0"/>
+          </a:p>
+          <a:p>
+            <a:r>
+              <a:rPr lang="ru-RU" dirty="0"/>
+              <a:t>Подробнее – см.</a:t>
+            </a:r>
+            <a:r>
+              <a:rPr lang="en-US" dirty="0"/>
+              <a:t> </a:t>
+            </a:r>
+            <a:r>
+              <a:rPr lang="ru-RU" dirty="0"/>
+              <a:t>Рис</a:t>
+            </a:r>
+            <a:r>
+              <a:rPr lang="en-US" dirty="0"/>
+              <a:t>.~\</a:t>
+            </a:r>
+            <a:r>
+              <a:rPr lang="en-US" b="1" dirty="0"/>
+              <a:t>ref</a:t>
+            </a:r>
+            <a:r>
+              <a:rPr lang="en-US" dirty="0"/>
+              <a:t>{</a:t>
+            </a:r>
+            <a:r>
+              <a:rPr lang="en-US" dirty="0" err="1"/>
+              <a:t>pic:best</a:t>
+            </a:r>
+            <a:r>
+              <a:rPr lang="en-US" dirty="0"/>
+              <a:t>}</a:t>
+            </a:r>
+          </a:p>
+          <a:p>
+            <a:r>
+              <a:rPr lang="ru-RU" dirty="0"/>
+              <a:t>в разделе</a:t>
+            </a:r>
+            <a:r>
+              <a:rPr lang="en-US" dirty="0"/>
+              <a:t>~\</a:t>
+            </a:r>
+            <a:r>
+              <a:rPr lang="en-US" b="1" dirty="0"/>
+              <a:t>ref</a:t>
+            </a:r>
+            <a:r>
+              <a:rPr lang="en-US" dirty="0"/>
+              <a:t>{</a:t>
+            </a:r>
+            <a:r>
+              <a:rPr lang="en-US" dirty="0" err="1"/>
+              <a:t>sec:intro</a:t>
+            </a:r>
+            <a:r>
+              <a:rPr lang="en-US" dirty="0"/>
+              <a:t>}.</a:t>
+            </a:r>
+          </a:p>
+          <a:p>
+            <a:r>
+              <a:rPr lang="en-US" dirty="0"/>
+              <a:t>…</a:t>
+            </a:r>
+            <a:endParaRPr lang="ru-RU" dirty="0"/>
+          </a:p>
+        </p:txBody>
+      </p:sp>
+      <p:sp>
+        <p:nvSpPr>
+          <p:cNvPr id="4" name="TextBox 3">
+            <a:extLst>
+              <a:ext uri="{FF2B5EF4-FFF2-40B4-BE49-F238E27FC236}">
+                <a16:creationId xmlns:a16="http://schemas.microsoft.com/office/drawing/2014/main" id="{6391CCCD-FADD-4CAF-0947-6C3196AC7553}"/>
+              </a:ext>
+            </a:extLst>
+          </p:cNvPr>
+          <p:cNvSpPr txBox="1"/>
+          <p:nvPr/>
+        </p:nvSpPr>
+        <p:spPr>
+          <a:xfrm>
+            <a:off x="6187046" y="2292701"/>
+            <a:ext cx="5353792" cy="1754326"/>
+          </a:xfrm>
+          <a:prstGeom prst="rect">
+            <a:avLst/>
+          </a:prstGeom>
+          <a:solidFill>
+            <a:schemeClr val="bg1"/>
+          </a:solidFill>
+          <a:ln>
+            <a:solidFill>
+              <a:schemeClr val="tx1"/>
+            </a:solidFill>
+          </a:ln>
+          <a:effectLst>
+            <a:outerShdw blurRad="50800" dist="38100" dir="2700000" algn="tl" rotWithShape="0">
+              <a:prstClr val="black">
+                <a:alpha val="40000"/>
+              </a:prstClr>
+            </a:outerShdw>
+          </a:effectLst>
+        </p:spPr>
+        <p:txBody>
+          <a:bodyPr wrap="square" rtlCol="0">
+            <a:spAutoFit/>
+          </a:bodyPr>
+          <a:lstStyle/>
+          <a:p>
+            <a:r>
+              <a:rPr lang="ru-RU" i="1" dirty="0"/>
+              <a:t>% Внешние ссылки</a:t>
+            </a:r>
+          </a:p>
+          <a:p>
+            <a:r>
+              <a:rPr lang="ru-RU" dirty="0"/>
+              <a:t>\</a:t>
+            </a:r>
+            <a:r>
+              <a:rPr lang="en-US" dirty="0" err="1"/>
+              <a:t>usepackage</a:t>
+            </a:r>
+            <a:r>
+              <a:rPr lang="en-US" dirty="0"/>
+              <a:t>{</a:t>
+            </a:r>
+            <a:r>
+              <a:rPr lang="en-US" b="1" dirty="0" err="1"/>
+              <a:t>url</a:t>
+            </a:r>
+            <a:r>
+              <a:rPr lang="en-US" dirty="0"/>
+              <a:t>}</a:t>
+            </a:r>
+          </a:p>
+          <a:p>
+            <a:endParaRPr lang="en-US" dirty="0"/>
+          </a:p>
+          <a:p>
+            <a:r>
+              <a:rPr lang="en-US" dirty="0"/>
+              <a:t>…</a:t>
+            </a:r>
+          </a:p>
+          <a:p>
+            <a:endParaRPr lang="ru-RU" dirty="0"/>
+          </a:p>
+          <a:p>
+            <a:r>
+              <a:rPr lang="ru-RU" dirty="0"/>
+              <a:t>\</a:t>
+            </a:r>
+            <a:r>
+              <a:rPr lang="ru-RU" b="1" dirty="0" err="1"/>
+              <a:t>url</a:t>
+            </a:r>
+            <a:r>
+              <a:rPr lang="ru-RU" dirty="0"/>
+              <a:t>{https://www.overleaf.com/read/jmdcydzxqssv}</a:t>
+            </a:r>
+          </a:p>
+        </p:txBody>
+      </p:sp>
+      <p:sp>
+        <p:nvSpPr>
+          <p:cNvPr id="5" name="TextBox 4">
+            <a:extLst>
+              <a:ext uri="{FF2B5EF4-FFF2-40B4-BE49-F238E27FC236}">
+                <a16:creationId xmlns:a16="http://schemas.microsoft.com/office/drawing/2014/main" id="{A8E1858C-CB95-566E-179C-E70E1058AE53}"/>
+              </a:ext>
+            </a:extLst>
+          </p:cNvPr>
+          <p:cNvSpPr txBox="1"/>
+          <p:nvPr/>
+        </p:nvSpPr>
+        <p:spPr>
+          <a:xfrm>
+            <a:off x="1488375" y="4142516"/>
+            <a:ext cx="4134591" cy="923330"/>
+          </a:xfrm>
+          <a:prstGeom prst="rect">
+            <a:avLst/>
+          </a:prstGeom>
+          <a:solidFill>
+            <a:schemeClr val="bg1"/>
+          </a:solidFill>
+          <a:ln>
+            <a:solidFill>
+              <a:schemeClr val="tx1"/>
+            </a:solidFill>
+          </a:ln>
+          <a:effectLst>
+            <a:outerShdw blurRad="50800" dist="38100" dir="2700000" algn="tl" rotWithShape="0">
+              <a:prstClr val="black">
+                <a:alpha val="40000"/>
+              </a:prstClr>
+            </a:outerShdw>
+          </a:effectLst>
+        </p:spPr>
+        <p:txBody>
+          <a:bodyPr wrap="square" rtlCol="0">
+            <a:spAutoFit/>
+          </a:bodyPr>
+          <a:lstStyle/>
+          <a:p>
+            <a:r>
+              <a:rPr lang="ru-RU" i="1" dirty="0"/>
+              <a:t>% Настройка вида гиперссылок</a:t>
+            </a:r>
+          </a:p>
+          <a:p>
+            <a:r>
+              <a:rPr lang="en-US" dirty="0"/>
+              <a:t>\</a:t>
+            </a:r>
+            <a:r>
+              <a:rPr lang="en-US" dirty="0" err="1"/>
+              <a:t>usepackage</a:t>
+            </a:r>
+            <a:r>
+              <a:rPr lang="en-US" dirty="0"/>
+              <a:t>[</a:t>
+            </a:r>
+            <a:r>
+              <a:rPr lang="en-US" dirty="0" err="1"/>
+              <a:t>pdfborder</a:t>
+            </a:r>
+            <a:r>
+              <a:rPr lang="en-US" dirty="0"/>
+              <a:t>={0 0 0}]{</a:t>
+            </a:r>
+            <a:r>
+              <a:rPr lang="en-US" b="1" dirty="0" err="1"/>
+              <a:t>hyperref</a:t>
+            </a:r>
+            <a:r>
+              <a:rPr lang="en-US" dirty="0"/>
+              <a:t>}</a:t>
+            </a:r>
+          </a:p>
+          <a:p>
+            <a:endParaRPr lang="en-US" dirty="0"/>
+          </a:p>
+        </p:txBody>
+      </p:sp>
+      <p:sp>
+        <p:nvSpPr>
+          <p:cNvPr id="6" name="TextBox 5">
+            <a:extLst>
+              <a:ext uri="{FF2B5EF4-FFF2-40B4-BE49-F238E27FC236}">
+                <a16:creationId xmlns:a16="http://schemas.microsoft.com/office/drawing/2014/main" id="{7B0B0850-BC26-19BC-2107-921EC43B5C85}"/>
+              </a:ext>
+            </a:extLst>
+          </p:cNvPr>
+          <p:cNvSpPr txBox="1"/>
+          <p:nvPr/>
+        </p:nvSpPr>
+        <p:spPr>
+          <a:xfrm>
+            <a:off x="5698178" y="4142516"/>
+            <a:ext cx="6068290" cy="2585323"/>
+          </a:xfrm>
+          <a:prstGeom prst="rect">
+            <a:avLst/>
+          </a:prstGeom>
+          <a:solidFill>
+            <a:schemeClr val="bg1"/>
+          </a:solidFill>
+          <a:ln>
+            <a:solidFill>
+              <a:schemeClr val="tx1"/>
+            </a:solidFill>
+          </a:ln>
+          <a:effectLst>
+            <a:outerShdw blurRad="50800" dist="38100" dir="2700000" algn="tl" rotWithShape="0">
+              <a:prstClr val="black">
+                <a:alpha val="40000"/>
+              </a:prstClr>
+            </a:outerShdw>
+          </a:effectLst>
+        </p:spPr>
+        <p:txBody>
+          <a:bodyPr wrap="square" rtlCol="0">
+            <a:spAutoFit/>
+          </a:bodyPr>
+          <a:lstStyle/>
+          <a:p>
+            <a:r>
+              <a:rPr lang="en-US" i="1" dirty="0"/>
+              <a:t>% </a:t>
+            </a:r>
+            <a:r>
+              <a:rPr lang="ru-RU" i="1" dirty="0"/>
+              <a:t>или</a:t>
+            </a:r>
+            <a:endParaRPr lang="en-US" i="1" dirty="0"/>
+          </a:p>
+          <a:p>
+            <a:r>
+              <a:rPr lang="en-US" dirty="0"/>
+              <a:t>\</a:t>
+            </a:r>
+            <a:r>
+              <a:rPr lang="en-US" dirty="0" err="1"/>
+              <a:t>usepackage</a:t>
+            </a:r>
+            <a:r>
+              <a:rPr lang="en-US" dirty="0"/>
+              <a:t>{</a:t>
+            </a:r>
+            <a:r>
+              <a:rPr lang="en-US" b="1" dirty="0" err="1"/>
+              <a:t>hyperref</a:t>
+            </a:r>
+            <a:r>
+              <a:rPr lang="en-US" dirty="0"/>
+              <a:t>}</a:t>
+            </a:r>
+          </a:p>
+          <a:p>
+            <a:r>
+              <a:rPr lang="en-US" dirty="0"/>
+              <a:t>\</a:t>
+            </a:r>
+            <a:r>
+              <a:rPr lang="en-US" b="1" dirty="0" err="1"/>
+              <a:t>hypersetup</a:t>
+            </a:r>
+            <a:r>
+              <a:rPr lang="en-US" dirty="0"/>
+              <a:t>{</a:t>
+            </a:r>
+          </a:p>
+          <a:p>
+            <a:r>
+              <a:rPr lang="en-US" dirty="0"/>
+              <a:t>  </a:t>
+            </a:r>
+            <a:r>
+              <a:rPr lang="en-US" dirty="0" err="1"/>
+              <a:t>linktocpage</a:t>
+            </a:r>
+            <a:r>
+              <a:rPr lang="en-US" dirty="0"/>
+              <a:t>=true,</a:t>
+            </a:r>
+          </a:p>
+          <a:p>
+            <a:r>
+              <a:rPr lang="en-US" dirty="0"/>
+              <a:t>  </a:t>
+            </a:r>
+            <a:r>
+              <a:rPr lang="en-US" dirty="0" err="1"/>
+              <a:t>pdfborder</a:t>
+            </a:r>
+            <a:r>
+              <a:rPr lang="en-US" dirty="0"/>
+              <a:t>={0 0 0},</a:t>
+            </a:r>
+          </a:p>
+          <a:p>
+            <a:r>
+              <a:rPr lang="en-US" dirty="0"/>
+              <a:t>  </a:t>
+            </a:r>
+            <a:r>
+              <a:rPr lang="en-US" dirty="0" err="1"/>
+              <a:t>pdftitle</a:t>
+            </a:r>
+            <a:r>
+              <a:rPr lang="en-US" dirty="0"/>
+              <a:t>={</a:t>
+            </a:r>
+            <a:r>
+              <a:rPr lang="ru-RU" dirty="0"/>
+              <a:t>Название документа</a:t>
+            </a:r>
+            <a:r>
+              <a:rPr lang="en-US" dirty="0"/>
+              <a:t>},</a:t>
+            </a:r>
+          </a:p>
+          <a:p>
+            <a:r>
+              <a:rPr lang="en-US" dirty="0"/>
+              <a:t>  </a:t>
+            </a:r>
+            <a:r>
+              <a:rPr lang="en-US" dirty="0" err="1"/>
+              <a:t>pdfauthor</a:t>
+            </a:r>
+            <a:r>
+              <a:rPr lang="en-US" dirty="0"/>
+              <a:t>={</a:t>
+            </a:r>
+            <a:r>
+              <a:rPr lang="ru-RU" dirty="0"/>
+              <a:t>Ф.И.О.</a:t>
+            </a:r>
+            <a:r>
+              <a:rPr lang="en-US" dirty="0"/>
+              <a:t>},</a:t>
+            </a:r>
+          </a:p>
+          <a:p>
+            <a:r>
+              <a:rPr lang="ru-RU" dirty="0"/>
+              <a:t>  </a:t>
+            </a:r>
+            <a:r>
+              <a:rPr lang="en-US" dirty="0" err="1"/>
+              <a:t>pdflang</a:t>
+            </a:r>
+            <a:r>
+              <a:rPr lang="en-US" dirty="0"/>
+              <a:t>={</a:t>
+            </a:r>
+            <a:r>
+              <a:rPr lang="en-US" dirty="0" err="1"/>
+              <a:t>ru</a:t>
+            </a:r>
+            <a:r>
+              <a:rPr lang="en-US" dirty="0"/>
+              <a:t>},</a:t>
+            </a:r>
+          </a:p>
+          <a:p>
+            <a:r>
+              <a:rPr lang="en-US" dirty="0"/>
+              <a:t>}</a:t>
+            </a:r>
+          </a:p>
+        </p:txBody>
+      </p:sp>
+    </p:spTree>
+    <p:extLst>
+      <p:ext uri="{BB962C8B-B14F-4D97-AF65-F5344CB8AC3E}">
+        <p14:creationId xmlns:p14="http://schemas.microsoft.com/office/powerpoint/2010/main" val="3563453821"/>
+      </p:ext>
+    </p:extLst>
+  </p:cSld>
+  <p:clrMapOvr>
+    <a:masterClrMapping/>
+  </p:clrMapOvr>
+</p:sld>
+</file>
+
+<file path=ppt/slides/slide2.xml><?xml version="1.0" encoding="utf-8"?>
+<p:sld xmlns:a="http://schemas.openxmlformats.org/drawingml/2006/main" xmlns:r="http://schemas.openxmlformats.org/officeDocument/2006/relationships" xmlns:p="http://schemas.openxmlformats.org/presentationml/2006/main">
+  <p:cSld>
+    <p:spTree>
+      <p:nvGrpSpPr>
+        <p:cNvPr id="1" name=""/>
+        <p:cNvGrpSpPr/>
+        <p:nvPr/>
+      </p:nvGrpSpPr>
+      <p:grpSpPr>
+        <a:xfrm>
+          <a:off x="0" y="0"/>
+          <a:ext cx="0" cy="0"/>
+          <a:chOff x="0" y="0"/>
+          <a:chExt cx="0" cy="0"/>
+        </a:xfrm>
+      </p:grpSpPr>
+      <p:sp>
+        <p:nvSpPr>
+          <p:cNvPr id="9" name="TextBox 8">
+            <a:extLst>
+              <a:ext uri="{FF2B5EF4-FFF2-40B4-BE49-F238E27FC236}">
+                <a16:creationId xmlns:a16="http://schemas.microsoft.com/office/drawing/2014/main" id="{87E2D704-6CA7-FA6C-184A-29AD22314EE5}"/>
+              </a:ext>
+            </a:extLst>
+          </p:cNvPr>
+          <p:cNvSpPr txBox="1"/>
+          <p:nvPr/>
+        </p:nvSpPr>
+        <p:spPr>
+          <a:xfrm>
+            <a:off x="7608694" y="0"/>
+            <a:ext cx="4583306" cy="584775"/>
+          </a:xfrm>
+          <a:prstGeom prst="rect">
+            <a:avLst/>
+          </a:prstGeom>
+          <a:noFill/>
+        </p:spPr>
+        <p:txBody>
+          <a:bodyPr wrap="none" rtlCol="0">
+            <a:spAutoFit/>
+          </a:bodyPr>
+          <a:lstStyle/>
+          <a:p>
+            <a:pPr algn="r"/>
+            <a:r>
+              <a:rPr lang="ru-RU" sz="3200" dirty="0"/>
+              <a:t>Справочная информация</a:t>
+            </a:r>
+          </a:p>
+        </p:txBody>
+      </p:sp>
+      <p:sp>
+        <p:nvSpPr>
+          <p:cNvPr id="10" name="TextBox 9">
+            <a:extLst>
+              <a:ext uri="{FF2B5EF4-FFF2-40B4-BE49-F238E27FC236}">
+                <a16:creationId xmlns:a16="http://schemas.microsoft.com/office/drawing/2014/main" id="{1D4FA2B7-5F10-B53D-A7FF-CD461214486B}"/>
+              </a:ext>
+            </a:extLst>
+          </p:cNvPr>
+          <p:cNvSpPr txBox="1"/>
+          <p:nvPr/>
+        </p:nvSpPr>
+        <p:spPr>
+          <a:xfrm>
+            <a:off x="486889" y="1430978"/>
+            <a:ext cx="10208436" cy="5262979"/>
+          </a:xfrm>
+          <a:prstGeom prst="rect">
+            <a:avLst/>
+          </a:prstGeom>
+          <a:noFill/>
+        </p:spPr>
+        <p:txBody>
+          <a:bodyPr wrap="none" rtlCol="0">
+            <a:spAutoFit/>
+          </a:bodyPr>
+          <a:lstStyle/>
+          <a:p>
+            <a:pPr marL="285750" indent="-285750">
+              <a:buFont typeface="Arial" panose="020B0604020202020204" pitchFamily="34" charset="0"/>
+              <a:buChar char="•"/>
+            </a:pPr>
+            <a:r>
+              <a:rPr lang="ru-RU" sz="2400" dirty="0"/>
+              <a:t>Львовский С. М. Набор и верстка в системе LATEX</a:t>
+            </a:r>
+          </a:p>
+          <a:p>
+            <a:pPr marL="285750" indent="-285750">
+              <a:buFont typeface="Arial" panose="020B0604020202020204" pitchFamily="34" charset="0"/>
+              <a:buChar char="•"/>
+            </a:pPr>
+            <a:r>
+              <a:rPr lang="ru-RU" sz="2400" dirty="0"/>
+              <a:t>Столяров А. В. Сверстай диплом красиво: LATEX за три дня</a:t>
+            </a:r>
+            <a:endParaRPr lang="en-US" sz="2400" dirty="0"/>
+          </a:p>
+          <a:p>
+            <a:pPr marL="285750" indent="-285750">
+              <a:buFont typeface="Arial" panose="020B0604020202020204" pitchFamily="34" charset="0"/>
+              <a:buChar char="•"/>
+            </a:pPr>
+            <a:r>
+              <a:rPr lang="ru-RU" sz="2400" dirty="0"/>
+              <a:t>Котельников И.А., Чеботаев П.З. </a:t>
+            </a:r>
+            <a:r>
+              <a:rPr lang="en-US" sz="2400" dirty="0"/>
+              <a:t>LaTeX</a:t>
+            </a:r>
+            <a:r>
+              <a:rPr lang="ru-RU" sz="2400" dirty="0"/>
+              <a:t> по-русски</a:t>
+            </a:r>
+          </a:p>
+          <a:p>
+            <a:pPr marL="285750" indent="-285750">
+              <a:buFont typeface="Arial" panose="020B0604020202020204" pitchFamily="34" charset="0"/>
+              <a:buChar char="•"/>
+            </a:pPr>
+            <a:r>
+              <a:rPr lang="en-US" sz="2400" dirty="0">
+                <a:hlinkClick r:id="rId2"/>
+              </a:rPr>
+              <a:t>https://ru.wikibooks.org/wiki/LaTeX</a:t>
+            </a:r>
+          </a:p>
+          <a:p>
+            <a:pPr marL="285750" indent="-285750">
+              <a:buFont typeface="Arial" panose="020B0604020202020204" pitchFamily="34" charset="0"/>
+              <a:buChar char="•"/>
+            </a:pPr>
+            <a:r>
+              <a:rPr lang="en-US" sz="2400" dirty="0">
+                <a:hlinkClick r:id="rId2"/>
+              </a:rPr>
+              <a:t>https://vkr.urfu.ru/index.php/index/about</a:t>
+            </a:r>
+            <a:endParaRPr lang="ru-RU" sz="2400" dirty="0"/>
+          </a:p>
+          <a:p>
+            <a:pPr marL="285750" indent="-285750">
+              <a:buFont typeface="Arial" panose="020B0604020202020204" pitchFamily="34" charset="0"/>
+              <a:buChar char="•"/>
+            </a:pPr>
+            <a:r>
+              <a:rPr lang="en-US" sz="2400" dirty="0">
+                <a:hlinkClick r:id="rId3"/>
+              </a:rPr>
+              <a:t>https://www.coursera.org/learn/latex/</a:t>
+            </a:r>
+            <a:r>
+              <a:rPr lang="ru-RU" sz="2400" dirty="0"/>
+              <a:t> (Санкции?)</a:t>
+            </a:r>
+          </a:p>
+          <a:p>
+            <a:pPr marL="285750" indent="-285750">
+              <a:buFont typeface="Arial" panose="020B0604020202020204" pitchFamily="34" charset="0"/>
+              <a:buChar char="•"/>
+            </a:pPr>
+            <a:r>
+              <a:rPr lang="en-US" sz="2400" dirty="0">
+                <a:hlinkClick r:id="rId4"/>
+              </a:rPr>
+              <a:t>https://www.overleaf.com/</a:t>
+            </a:r>
+            <a:endParaRPr lang="ru-RU" sz="2400" dirty="0"/>
+          </a:p>
+          <a:p>
+            <a:pPr marL="742950" lvl="1" indent="-285750">
+              <a:buFont typeface="Arial" panose="020B0604020202020204" pitchFamily="34" charset="0"/>
+              <a:buChar char="•"/>
+            </a:pPr>
+            <a:r>
+              <a:rPr lang="en-US" sz="2400" dirty="0">
+                <a:hlinkClick r:id="rId5"/>
+              </a:rPr>
+              <a:t>https://www.overleaf.com/learn</a:t>
+            </a:r>
+            <a:endParaRPr lang="ru-RU" sz="2400" dirty="0"/>
+          </a:p>
+          <a:p>
+            <a:pPr marL="285750" indent="-285750">
+              <a:buFont typeface="Arial" panose="020B0604020202020204" pitchFamily="34" charset="0"/>
+              <a:buChar char="•"/>
+            </a:pPr>
+            <a:r>
+              <a:rPr lang="en-US" sz="2400" dirty="0">
+                <a:hlinkClick r:id="rId6"/>
+              </a:rPr>
+              <a:t>https://en.wikibooks.org/wiki/LaTeX/</a:t>
+            </a:r>
+          </a:p>
+          <a:p>
+            <a:pPr marL="285750" indent="-285750">
+              <a:buFont typeface="Arial" panose="020B0604020202020204" pitchFamily="34" charset="0"/>
+              <a:buChar char="•"/>
+            </a:pPr>
+            <a:r>
+              <a:rPr lang="en-US" sz="2400" dirty="0">
+                <a:hlinkClick r:id="rId6"/>
+              </a:rPr>
+              <a:t>https://github.com/AndreyAkinshin/Russian-Phd-LaTeX-Dissertation-Template</a:t>
+            </a:r>
+            <a:endParaRPr lang="en-US" sz="2400" dirty="0"/>
+          </a:p>
+          <a:p>
+            <a:pPr marL="285750" indent="-285750">
+              <a:buFont typeface="Arial" panose="020B0604020202020204" pitchFamily="34" charset="0"/>
+              <a:buChar char="•"/>
+            </a:pPr>
+            <a:r>
+              <a:rPr lang="en-US" sz="2400" dirty="0">
+                <a:hlinkClick r:id="rId7"/>
+              </a:rPr>
+              <a:t>http://www.khirevich.com/latex/</a:t>
+            </a:r>
+            <a:endParaRPr lang="en-US" sz="2400" dirty="0"/>
+          </a:p>
+          <a:p>
+            <a:pPr marL="285750" indent="-285750">
+              <a:buFont typeface="Arial" panose="020B0604020202020204" pitchFamily="34" charset="0"/>
+              <a:buChar char="•"/>
+            </a:pPr>
+            <a:r>
+              <a:rPr lang="en-US" sz="2400" dirty="0"/>
+              <a:t>Google!</a:t>
+            </a:r>
+            <a:endParaRPr lang="ru-RU" sz="2400" dirty="0"/>
+          </a:p>
+          <a:p>
+            <a:endParaRPr lang="ru-RU" sz="2400" dirty="0"/>
+          </a:p>
+          <a:p>
+            <a:endParaRPr lang="ru-RU" sz="2400" dirty="0"/>
+          </a:p>
+        </p:txBody>
+      </p:sp>
+    </p:spTree>
+    <p:extLst>
+      <p:ext uri="{BB962C8B-B14F-4D97-AF65-F5344CB8AC3E}">
+        <p14:creationId xmlns:p14="http://schemas.microsoft.com/office/powerpoint/2010/main" val="1112026016"/>
+      </p:ext>
+    </p:extLst>
+  </p:cSld>
+  <p:clrMapOvr>
+    <a:masterClrMapping/>
+  </p:clrMapOvr>
+</p:sld>
+</file>
+
+<file path=ppt/slides/slide3.xml><?xml version="1.0" encoding="utf-8"?>
+<p:sld xmlns:a="http://schemas.openxmlformats.org/drawingml/2006/main" xmlns:r="http://schemas.openxmlformats.org/officeDocument/2006/relationships" xmlns:p="http://schemas.openxmlformats.org/presentationml/2006/main">
+  <p:cSld>
+    <p:spTree>
+      <p:nvGrpSpPr>
+        <p:cNvPr id="1" name=""/>
+        <p:cNvGrpSpPr/>
+        <p:nvPr/>
+      </p:nvGrpSpPr>
+      <p:grpSpPr>
+        <a:xfrm>
+          <a:off x="0" y="0"/>
+          <a:ext cx="0" cy="0"/>
+          <a:chOff x="0" y="0"/>
+          <a:chExt cx="0" cy="0"/>
+        </a:xfrm>
+      </p:grpSpPr>
+      <p:sp>
+        <p:nvSpPr>
+          <p:cNvPr id="9" name="TextBox 8">
+            <a:extLst>
+              <a:ext uri="{FF2B5EF4-FFF2-40B4-BE49-F238E27FC236}">
+                <a16:creationId xmlns:a16="http://schemas.microsoft.com/office/drawing/2014/main" id="{87E2D704-6CA7-FA6C-184A-29AD22314EE5}"/>
+              </a:ext>
+            </a:extLst>
+          </p:cNvPr>
+          <p:cNvSpPr txBox="1"/>
+          <p:nvPr/>
+        </p:nvSpPr>
+        <p:spPr>
+          <a:xfrm>
+            <a:off x="7239682" y="0"/>
+            <a:ext cx="4952318" cy="584775"/>
+          </a:xfrm>
+          <a:prstGeom prst="rect">
+            <a:avLst/>
+          </a:prstGeom>
+          <a:noFill/>
+        </p:spPr>
+        <p:txBody>
+          <a:bodyPr wrap="none" rtlCol="0">
+            <a:spAutoFit/>
+          </a:bodyPr>
+          <a:lstStyle/>
+          <a:p>
+            <a:pPr algn="r"/>
+            <a:r>
+              <a:rPr lang="ru-RU" sz="3200" dirty="0"/>
+              <a:t>Структура </a:t>
+            </a:r>
+            <a:r>
+              <a:rPr lang="en-US" sz="3200" dirty="0"/>
+              <a:t>LaTeX-</a:t>
+            </a:r>
+            <a:r>
+              <a:rPr lang="ru-RU" sz="3200" dirty="0"/>
+              <a:t>документа</a:t>
+            </a:r>
+          </a:p>
+        </p:txBody>
+      </p:sp>
+      <p:sp>
+        <p:nvSpPr>
+          <p:cNvPr id="10" name="TextBox 9">
+            <a:extLst>
+              <a:ext uri="{FF2B5EF4-FFF2-40B4-BE49-F238E27FC236}">
+                <a16:creationId xmlns:a16="http://schemas.microsoft.com/office/drawing/2014/main" id="{1D4FA2B7-5F10-B53D-A7FF-CD461214486B}"/>
+              </a:ext>
+            </a:extLst>
+          </p:cNvPr>
+          <p:cNvSpPr txBox="1"/>
+          <p:nvPr/>
+        </p:nvSpPr>
+        <p:spPr>
+          <a:xfrm>
+            <a:off x="860963" y="860961"/>
+            <a:ext cx="5428794" cy="5324535"/>
+          </a:xfrm>
+          <a:prstGeom prst="rect">
+            <a:avLst/>
+          </a:prstGeom>
+          <a:solidFill>
+            <a:schemeClr val="bg1"/>
+          </a:solidFill>
+          <a:ln>
+            <a:solidFill>
+              <a:schemeClr val="tx1"/>
+            </a:solidFill>
+          </a:ln>
+          <a:effectLst>
+            <a:outerShdw blurRad="50800" dist="38100" dir="2700000" algn="tl" rotWithShape="0">
+              <a:prstClr val="black">
+                <a:alpha val="40000"/>
+              </a:prstClr>
+            </a:outerShdw>
+          </a:effectLst>
+        </p:spPr>
+        <p:txBody>
+          <a:bodyPr wrap="none" rtlCol="0">
+            <a:spAutoFit/>
+          </a:bodyPr>
+          <a:lstStyle/>
+          <a:p>
+            <a:r>
+              <a:rPr lang="en-US" sz="2000" dirty="0"/>
+              <a:t>\</a:t>
+            </a:r>
+            <a:r>
+              <a:rPr lang="en-US" sz="2000" dirty="0" err="1"/>
+              <a:t>documentclass</a:t>
+            </a:r>
+            <a:r>
+              <a:rPr lang="en-US" sz="2000" dirty="0"/>
+              <a:t>[12pt]{article}</a:t>
+            </a:r>
+            <a:r>
+              <a:rPr lang="ru-RU" sz="2000" dirty="0"/>
+              <a:t> </a:t>
+            </a:r>
+            <a:r>
+              <a:rPr lang="ru-RU" sz="2000" dirty="0">
+                <a:solidFill>
+                  <a:srgbClr val="FF0000"/>
+                </a:solidFill>
+              </a:rPr>
+              <a:t>% Класс документа</a:t>
+            </a:r>
+          </a:p>
+          <a:p>
+            <a:endParaRPr lang="ru-RU" sz="2000" dirty="0">
+              <a:solidFill>
+                <a:srgbClr val="FF0000"/>
+              </a:solidFill>
+            </a:endParaRPr>
+          </a:p>
+          <a:p>
+            <a:r>
+              <a:rPr lang="ru-RU" sz="2000" dirty="0">
+                <a:solidFill>
+                  <a:srgbClr val="FF0000"/>
+                </a:solidFill>
+              </a:rPr>
+              <a:t>% Преамбула – не печатается</a:t>
+            </a:r>
+          </a:p>
+          <a:p>
+            <a:endParaRPr lang="en-US" sz="2000" dirty="0">
+              <a:solidFill>
+                <a:srgbClr val="FF0000"/>
+              </a:solidFill>
+            </a:endParaRPr>
+          </a:p>
+          <a:p>
+            <a:r>
+              <a:rPr lang="en-US" sz="2000" dirty="0"/>
+              <a:t>\</a:t>
+            </a:r>
+            <a:r>
+              <a:rPr lang="en-US" sz="2000" dirty="0" err="1"/>
+              <a:t>usepackage</a:t>
+            </a:r>
+            <a:r>
+              <a:rPr lang="en-US" sz="2000" dirty="0"/>
+              <a:t>{</a:t>
+            </a:r>
+            <a:r>
+              <a:rPr lang="en-US" sz="2000" dirty="0" err="1"/>
+              <a:t>hyperref</a:t>
+            </a:r>
+            <a:r>
+              <a:rPr lang="en-US" sz="2000" dirty="0"/>
+              <a:t>}</a:t>
+            </a:r>
+          </a:p>
+          <a:p>
+            <a:r>
+              <a:rPr lang="en-US" sz="2000" dirty="0"/>
+              <a:t>\</a:t>
+            </a:r>
+            <a:r>
+              <a:rPr lang="en-US" sz="2000" dirty="0" err="1"/>
+              <a:t>usepackage</a:t>
+            </a:r>
+            <a:r>
+              <a:rPr lang="en-US" sz="2000" dirty="0"/>
+              <a:t>{geometry}</a:t>
+            </a:r>
+          </a:p>
+          <a:p>
+            <a:r>
+              <a:rPr lang="en-US" sz="2000" dirty="0"/>
+              <a:t>\geometry{margin=1cm}</a:t>
+            </a:r>
+          </a:p>
+          <a:p>
+            <a:endParaRPr lang="ru-RU" sz="2000" dirty="0"/>
+          </a:p>
+          <a:p>
+            <a:r>
+              <a:rPr lang="ru-RU" sz="2000" dirty="0">
+                <a:solidFill>
+                  <a:srgbClr val="FF0000"/>
+                </a:solidFill>
+              </a:rPr>
+              <a:t>% И прочая настройка…</a:t>
+            </a:r>
+          </a:p>
+          <a:p>
+            <a:endParaRPr lang="en-US" sz="2000" dirty="0"/>
+          </a:p>
+          <a:p>
+            <a:r>
+              <a:rPr lang="en-US" sz="2000" dirty="0"/>
+              <a:t>\begin{document}</a:t>
+            </a:r>
+            <a:r>
+              <a:rPr lang="ru-RU" sz="2000" dirty="0"/>
+              <a:t> </a:t>
+            </a:r>
+            <a:r>
+              <a:rPr lang="ru-RU" sz="2000" dirty="0">
+                <a:solidFill>
+                  <a:srgbClr val="FF0000"/>
+                </a:solidFill>
+              </a:rPr>
+              <a:t>% Начало текста</a:t>
+            </a:r>
+            <a:endParaRPr lang="en-US" sz="2000" dirty="0">
+              <a:solidFill>
+                <a:srgbClr val="FF0000"/>
+              </a:solidFill>
+            </a:endParaRPr>
+          </a:p>
+          <a:p>
+            <a:endParaRPr lang="en-US" sz="2000" dirty="0"/>
+          </a:p>
+          <a:p>
+            <a:r>
+              <a:rPr lang="en-US" sz="2000" dirty="0">
+                <a:solidFill>
+                  <a:srgbClr val="7030A0"/>
+                </a:solidFill>
+              </a:rPr>
+              <a:t>Hello, world! </a:t>
+            </a:r>
+            <a:r>
+              <a:rPr lang="en-US" sz="2000" dirty="0">
+                <a:solidFill>
+                  <a:srgbClr val="FF0000"/>
+                </a:solidFill>
+              </a:rPr>
+              <a:t>%</a:t>
+            </a:r>
+            <a:r>
+              <a:rPr lang="ru-RU" sz="2000" dirty="0">
+                <a:solidFill>
+                  <a:srgbClr val="FF0000"/>
+                </a:solidFill>
+              </a:rPr>
+              <a:t> Собственно текст</a:t>
+            </a:r>
+            <a:endParaRPr lang="en-US" sz="2000" dirty="0">
+              <a:solidFill>
+                <a:srgbClr val="FF0000"/>
+              </a:solidFill>
+            </a:endParaRPr>
+          </a:p>
+          <a:p>
+            <a:endParaRPr lang="en-US" sz="2000" dirty="0"/>
+          </a:p>
+          <a:p>
+            <a:r>
+              <a:rPr lang="en-US" sz="2000" dirty="0"/>
+              <a:t>\end{document}</a:t>
+            </a:r>
+            <a:r>
+              <a:rPr lang="ru-RU" sz="2000" dirty="0"/>
+              <a:t> </a:t>
+            </a:r>
+            <a:r>
+              <a:rPr lang="ru-RU" sz="2000" dirty="0">
+                <a:solidFill>
+                  <a:srgbClr val="FF0000"/>
+                </a:solidFill>
+              </a:rPr>
+              <a:t>% Конец документа</a:t>
+            </a:r>
+            <a:endParaRPr lang="en-US" sz="2000" dirty="0">
+              <a:solidFill>
+                <a:srgbClr val="FF0000"/>
+              </a:solidFill>
+            </a:endParaRPr>
+          </a:p>
+          <a:p>
+            <a:endParaRPr lang="en-US" sz="2000" dirty="0"/>
+          </a:p>
+          <a:p>
+            <a:r>
+              <a:rPr lang="ru-RU" sz="2000" dirty="0">
+                <a:solidFill>
+                  <a:srgbClr val="FF0000"/>
+                </a:solidFill>
+              </a:rPr>
+              <a:t>Тоже не печатается</a:t>
+            </a:r>
+            <a:endParaRPr lang="en-US" sz="2000" dirty="0">
+              <a:solidFill>
+                <a:srgbClr val="FF0000"/>
+              </a:solidFill>
+            </a:endParaRPr>
+          </a:p>
+        </p:txBody>
+      </p:sp>
+      <p:sp>
+        <p:nvSpPr>
+          <p:cNvPr id="2" name="TextBox 1">
+            <a:extLst>
+              <a:ext uri="{FF2B5EF4-FFF2-40B4-BE49-F238E27FC236}">
+                <a16:creationId xmlns:a16="http://schemas.microsoft.com/office/drawing/2014/main" id="{D31DC7BD-7A48-4B8E-FFFC-A94A436E3F50}"/>
+              </a:ext>
+            </a:extLst>
+          </p:cNvPr>
+          <p:cNvSpPr txBox="1"/>
+          <p:nvPr/>
+        </p:nvSpPr>
+        <p:spPr>
+          <a:xfrm>
+            <a:off x="6406740" y="860961"/>
+            <a:ext cx="4093813" cy="5324535"/>
+          </a:xfrm>
+          <a:prstGeom prst="rect">
+            <a:avLst/>
+          </a:prstGeom>
+          <a:solidFill>
+            <a:schemeClr val="bg1"/>
+          </a:solidFill>
+          <a:ln>
+            <a:solidFill>
+              <a:schemeClr val="tx1"/>
+            </a:solidFill>
+          </a:ln>
+          <a:effectLst>
+            <a:outerShdw blurRad="50800" dist="38100" dir="2700000" algn="tl" rotWithShape="0">
+              <a:prstClr val="black">
+                <a:alpha val="40000"/>
+              </a:prstClr>
+            </a:outerShdw>
+          </a:effectLst>
+        </p:spPr>
+        <p:txBody>
+          <a:bodyPr wrap="none" rtlCol="0">
+            <a:spAutoFit/>
+          </a:bodyPr>
+          <a:lstStyle/>
+          <a:p>
+            <a:r>
+              <a:rPr lang="en-US" sz="2000" dirty="0"/>
+              <a:t>&lt;html&gt;</a:t>
+            </a:r>
+          </a:p>
+          <a:p>
+            <a:r>
+              <a:rPr lang="en-US" sz="2000" dirty="0"/>
+              <a:t>&lt;head&gt;</a:t>
+            </a:r>
+            <a:r>
+              <a:rPr lang="en-US" sz="2000" dirty="0">
+                <a:solidFill>
+                  <a:srgbClr val="FF0000"/>
+                </a:solidFill>
+              </a:rPr>
+              <a:t> &lt;!– </a:t>
+            </a:r>
+            <a:r>
+              <a:rPr lang="ru-RU" sz="2000" dirty="0">
+                <a:solidFill>
+                  <a:srgbClr val="FF0000"/>
+                </a:solidFill>
+              </a:rPr>
+              <a:t>Преамбула</a:t>
+            </a:r>
+            <a:r>
+              <a:rPr lang="en-US" sz="2000" dirty="0">
+                <a:solidFill>
+                  <a:srgbClr val="FF0000"/>
+                </a:solidFill>
+              </a:rPr>
+              <a:t> --&gt;</a:t>
+            </a:r>
+            <a:endParaRPr lang="ru-RU" sz="2000" dirty="0">
+              <a:solidFill>
+                <a:srgbClr val="FF0000"/>
+              </a:solidFill>
+            </a:endParaRPr>
+          </a:p>
+          <a:p>
+            <a:r>
+              <a:rPr lang="en-US" sz="2000" dirty="0"/>
+              <a:t>&lt;title&gt;</a:t>
+            </a:r>
+            <a:r>
+              <a:rPr lang="ru-RU" sz="2000" dirty="0"/>
+              <a:t>Моя первая страничка</a:t>
+            </a:r>
+            <a:r>
+              <a:rPr lang="en-US" sz="2000" dirty="0"/>
+              <a:t>&lt;/title&gt;</a:t>
+            </a:r>
+          </a:p>
+          <a:p>
+            <a:endParaRPr lang="ru-RU" sz="2000" dirty="0"/>
+          </a:p>
+          <a:p>
+            <a:r>
+              <a:rPr lang="en-US" sz="2000" dirty="0">
+                <a:solidFill>
+                  <a:srgbClr val="FF0000"/>
+                </a:solidFill>
+              </a:rPr>
+              <a:t>&lt;!--</a:t>
+            </a:r>
+            <a:r>
+              <a:rPr lang="ru-RU" sz="2000" dirty="0">
+                <a:solidFill>
+                  <a:srgbClr val="FF0000"/>
+                </a:solidFill>
+              </a:rPr>
+              <a:t> И прочая настройка…</a:t>
+            </a:r>
+            <a:r>
+              <a:rPr lang="en-US" sz="2000" dirty="0">
+                <a:solidFill>
+                  <a:srgbClr val="FF0000"/>
+                </a:solidFill>
+              </a:rPr>
+              <a:t> --&gt;</a:t>
+            </a:r>
+            <a:endParaRPr lang="ru-RU" sz="2000" dirty="0">
+              <a:solidFill>
+                <a:srgbClr val="FF0000"/>
+              </a:solidFill>
+            </a:endParaRPr>
+          </a:p>
+          <a:p>
+            <a:r>
+              <a:rPr lang="en-US" sz="2000" dirty="0"/>
+              <a:t>&lt;/head&gt;</a:t>
+            </a:r>
+          </a:p>
+          <a:p>
+            <a:endParaRPr lang="en-US" sz="2000" dirty="0"/>
+          </a:p>
+          <a:p>
+            <a:r>
+              <a:rPr lang="en-US" sz="2000" dirty="0"/>
+              <a:t>&lt;body&gt; </a:t>
+            </a:r>
+            <a:r>
+              <a:rPr lang="en-US" sz="2000" dirty="0">
+                <a:solidFill>
+                  <a:srgbClr val="FF0000"/>
+                </a:solidFill>
+              </a:rPr>
+              <a:t>&lt;!--</a:t>
+            </a:r>
+            <a:r>
+              <a:rPr lang="ru-RU" sz="2000" dirty="0">
+                <a:solidFill>
+                  <a:srgbClr val="FF0000"/>
+                </a:solidFill>
+              </a:rPr>
+              <a:t> Начало текста</a:t>
+            </a:r>
+            <a:r>
+              <a:rPr lang="en-US" sz="2000" dirty="0">
+                <a:solidFill>
+                  <a:srgbClr val="FF0000"/>
+                </a:solidFill>
+              </a:rPr>
+              <a:t> --&gt;</a:t>
+            </a:r>
+          </a:p>
+          <a:p>
+            <a:endParaRPr lang="en-US" sz="2000" dirty="0"/>
+          </a:p>
+          <a:p>
+            <a:r>
+              <a:rPr lang="en-US" sz="2000" dirty="0"/>
+              <a:t>&lt;h1&gt;</a:t>
+            </a:r>
+          </a:p>
+          <a:p>
+            <a:r>
+              <a:rPr lang="en-US" sz="2000" dirty="0">
+                <a:solidFill>
+                  <a:srgbClr val="7030A0"/>
+                </a:solidFill>
+              </a:rPr>
+              <a:t>Hello, world! </a:t>
+            </a:r>
+          </a:p>
+          <a:p>
+            <a:r>
+              <a:rPr lang="en-US" sz="2000" dirty="0"/>
+              <a:t>&lt;/h1&gt;</a:t>
+            </a:r>
+          </a:p>
+          <a:p>
+            <a:endParaRPr lang="en-US" sz="2000" dirty="0">
+              <a:solidFill>
+                <a:srgbClr val="FF0000"/>
+              </a:solidFill>
+            </a:endParaRPr>
+          </a:p>
+          <a:p>
+            <a:r>
+              <a:rPr lang="en-US" sz="2000" dirty="0">
+                <a:solidFill>
+                  <a:srgbClr val="FF0000"/>
+                </a:solidFill>
+              </a:rPr>
+              <a:t>&lt;!--</a:t>
+            </a:r>
+            <a:r>
+              <a:rPr lang="ru-RU" sz="2000" dirty="0">
+                <a:solidFill>
+                  <a:srgbClr val="FF0000"/>
+                </a:solidFill>
+              </a:rPr>
+              <a:t> Собственно текст</a:t>
+            </a:r>
+            <a:r>
+              <a:rPr lang="en-US" sz="2000" dirty="0">
+                <a:solidFill>
+                  <a:srgbClr val="FF0000"/>
+                </a:solidFill>
+              </a:rPr>
+              <a:t> --&gt;</a:t>
+            </a:r>
+          </a:p>
+          <a:p>
+            <a:r>
+              <a:rPr lang="en-US" sz="2000" dirty="0"/>
+              <a:t>&lt;/body&gt;</a:t>
+            </a:r>
+          </a:p>
+          <a:p>
+            <a:r>
+              <a:rPr lang="en-US" sz="2000" dirty="0"/>
+              <a:t>&lt;/html&gt;</a:t>
+            </a:r>
+          </a:p>
+          <a:p>
+            <a:r>
+              <a:rPr lang="en-US" sz="2000" dirty="0">
+                <a:solidFill>
+                  <a:srgbClr val="FF0000"/>
+                </a:solidFill>
+              </a:rPr>
+              <a:t>&lt;!-- </a:t>
+            </a:r>
+            <a:r>
+              <a:rPr lang="ru-RU" sz="2000" dirty="0">
+                <a:solidFill>
+                  <a:srgbClr val="FF0000"/>
+                </a:solidFill>
+              </a:rPr>
+              <a:t>Конец документа</a:t>
+            </a:r>
+            <a:r>
+              <a:rPr lang="en-US" sz="2000" dirty="0">
+                <a:solidFill>
+                  <a:srgbClr val="FF0000"/>
+                </a:solidFill>
+              </a:rPr>
+              <a:t> --&gt;</a:t>
+            </a:r>
+          </a:p>
+        </p:txBody>
+      </p:sp>
+    </p:spTree>
+    <p:extLst>
+      <p:ext uri="{BB962C8B-B14F-4D97-AF65-F5344CB8AC3E}">
+        <p14:creationId xmlns:p14="http://schemas.microsoft.com/office/powerpoint/2010/main" val="2234277322"/>
+      </p:ext>
+    </p:extLst>
+  </p:cSld>
+  <p:clrMapOvr>
+    <a:masterClrMapping/>
+  </p:clrMapOvr>
+</p:sld>
+</file>
+
+<file path=ppt/slides/slide4.xml><?xml version="1.0" encoding="utf-8"?>
+<p:sld xmlns:a="http://schemas.openxmlformats.org/drawingml/2006/main" xmlns:r="http://schemas.openxmlformats.org/officeDocument/2006/relationships" xmlns:p="http://schemas.openxmlformats.org/presentationml/2006/main">
+  <p:cSld>
+    <p:spTree>
+      <p:nvGrpSpPr>
+        <p:cNvPr id="1" name=""/>
+        <p:cNvGrpSpPr/>
+        <p:nvPr/>
+      </p:nvGrpSpPr>
+      <p:grpSpPr>
+        <a:xfrm>
+          <a:off x="0" y="0"/>
+          <a:ext cx="0" cy="0"/>
+          <a:chOff x="0" y="0"/>
+          <a:chExt cx="0" cy="0"/>
+        </a:xfrm>
+      </p:grpSpPr>
+      <p:sp>
+        <p:nvSpPr>
+          <p:cNvPr id="9" name="TextBox 8">
+            <a:extLst>
+              <a:ext uri="{FF2B5EF4-FFF2-40B4-BE49-F238E27FC236}">
+                <a16:creationId xmlns:a16="http://schemas.microsoft.com/office/drawing/2014/main" id="{87E2D704-6CA7-FA6C-184A-29AD22314EE5}"/>
+              </a:ext>
+            </a:extLst>
+          </p:cNvPr>
+          <p:cNvSpPr txBox="1"/>
+          <p:nvPr/>
+        </p:nvSpPr>
+        <p:spPr>
+          <a:xfrm>
+            <a:off x="8121655" y="0"/>
+            <a:ext cx="4070345" cy="584775"/>
+          </a:xfrm>
+          <a:prstGeom prst="rect">
+            <a:avLst/>
+          </a:prstGeom>
+          <a:noFill/>
+        </p:spPr>
+        <p:txBody>
+          <a:bodyPr wrap="none" rtlCol="0">
+            <a:spAutoFit/>
+          </a:bodyPr>
+          <a:lstStyle/>
+          <a:p>
+            <a:pPr algn="r"/>
+            <a:r>
+              <a:rPr lang="ru-RU" sz="3200" dirty="0"/>
+              <a:t>Подключение пакетов</a:t>
+            </a:r>
+          </a:p>
+        </p:txBody>
+      </p:sp>
+      <p:sp>
+        <p:nvSpPr>
+          <p:cNvPr id="10" name="TextBox 9">
+            <a:extLst>
+              <a:ext uri="{FF2B5EF4-FFF2-40B4-BE49-F238E27FC236}">
+                <a16:creationId xmlns:a16="http://schemas.microsoft.com/office/drawing/2014/main" id="{1D4FA2B7-5F10-B53D-A7FF-CD461214486B}"/>
+              </a:ext>
+            </a:extLst>
+          </p:cNvPr>
+          <p:cNvSpPr txBox="1"/>
+          <p:nvPr/>
+        </p:nvSpPr>
+        <p:spPr>
+          <a:xfrm>
+            <a:off x="860963" y="860961"/>
+            <a:ext cx="3658053" cy="400110"/>
+          </a:xfrm>
+          <a:prstGeom prst="rect">
+            <a:avLst/>
+          </a:prstGeom>
+          <a:solidFill>
+            <a:schemeClr val="bg1"/>
+          </a:solidFill>
+          <a:ln>
+            <a:solidFill>
+              <a:schemeClr val="tx1"/>
+            </a:solidFill>
+          </a:ln>
+          <a:effectLst>
+            <a:outerShdw blurRad="50800" dist="38100" dir="2700000" algn="tl" rotWithShape="0">
+              <a:prstClr val="black">
+                <a:alpha val="40000"/>
+              </a:prstClr>
+            </a:outerShdw>
+          </a:effectLst>
+        </p:spPr>
+        <p:txBody>
+          <a:bodyPr wrap="none" rtlCol="0">
+            <a:spAutoFit/>
+          </a:bodyPr>
+          <a:lstStyle/>
+          <a:p>
+            <a:r>
+              <a:rPr lang="en-US" sz="2000" dirty="0"/>
+              <a:t>\</a:t>
+            </a:r>
+            <a:r>
+              <a:rPr lang="en-US" sz="2000" dirty="0" err="1"/>
+              <a:t>usepackage</a:t>
+            </a:r>
+            <a:r>
+              <a:rPr lang="en-US" sz="2000" dirty="0"/>
+              <a:t>[</a:t>
+            </a:r>
+            <a:r>
+              <a:rPr lang="ru-RU" sz="2000" dirty="0"/>
+              <a:t>Параметры</a:t>
+            </a:r>
+            <a:r>
+              <a:rPr lang="en-US" sz="2000" dirty="0"/>
+              <a:t>]{</a:t>
+            </a:r>
+            <a:r>
+              <a:rPr lang="ru-RU" sz="2000" dirty="0"/>
+              <a:t>пакет</a:t>
+            </a:r>
+            <a:r>
+              <a:rPr lang="en-US" sz="2000" dirty="0"/>
+              <a:t>}</a:t>
+            </a:r>
+            <a:endParaRPr lang="en-US" sz="2000" dirty="0">
+              <a:solidFill>
+                <a:srgbClr val="FF0000"/>
+              </a:solidFill>
+            </a:endParaRPr>
+          </a:p>
+        </p:txBody>
+      </p:sp>
+      <p:sp>
+        <p:nvSpPr>
+          <p:cNvPr id="3" name="TextBox 2">
+            <a:extLst>
+              <a:ext uri="{FF2B5EF4-FFF2-40B4-BE49-F238E27FC236}">
+                <a16:creationId xmlns:a16="http://schemas.microsoft.com/office/drawing/2014/main" id="{6069C6FC-5742-8680-E4E5-19B77FC79E20}"/>
+              </a:ext>
+            </a:extLst>
+          </p:cNvPr>
+          <p:cNvSpPr txBox="1"/>
+          <p:nvPr/>
+        </p:nvSpPr>
+        <p:spPr>
+          <a:xfrm>
+            <a:off x="641268" y="1995055"/>
+            <a:ext cx="4678877" cy="923330"/>
+          </a:xfrm>
+          <a:prstGeom prst="rect">
+            <a:avLst/>
+          </a:prstGeom>
+          <a:noFill/>
+        </p:spPr>
+        <p:txBody>
+          <a:bodyPr wrap="square" rtlCol="0">
+            <a:spAutoFit/>
+          </a:bodyPr>
+          <a:lstStyle/>
+          <a:p>
+            <a:r>
+              <a:rPr lang="en-US" dirty="0">
+                <a:hlinkClick r:id="rId3"/>
+              </a:rPr>
+              <a:t>https://www.ctan.org/</a:t>
+            </a:r>
+            <a:endParaRPr lang="en-US" dirty="0"/>
+          </a:p>
+          <a:p>
+            <a:r>
+              <a:rPr lang="en-US" dirty="0"/>
+              <a:t>CTAN</a:t>
+            </a:r>
+          </a:p>
+          <a:p>
+            <a:r>
+              <a:rPr lang="en-US" dirty="0"/>
+              <a:t>Comprehensive TEX Archive Network</a:t>
+            </a:r>
+            <a:endParaRPr lang="ru-RU" dirty="0"/>
+          </a:p>
+        </p:txBody>
+      </p:sp>
+      <p:sp>
+        <p:nvSpPr>
+          <p:cNvPr id="4" name="TextBox 3">
+            <a:extLst>
+              <a:ext uri="{FF2B5EF4-FFF2-40B4-BE49-F238E27FC236}">
+                <a16:creationId xmlns:a16="http://schemas.microsoft.com/office/drawing/2014/main" id="{D3EE8494-565F-6177-F8BF-220494BE3D9C}"/>
+              </a:ext>
+            </a:extLst>
+          </p:cNvPr>
+          <p:cNvSpPr txBox="1"/>
+          <p:nvPr/>
+        </p:nvSpPr>
+        <p:spPr>
+          <a:xfrm>
+            <a:off x="7184572" y="1042741"/>
+            <a:ext cx="4196020" cy="400110"/>
+          </a:xfrm>
+          <a:prstGeom prst="rect">
+            <a:avLst/>
+          </a:prstGeom>
+          <a:solidFill>
+            <a:schemeClr val="bg1"/>
+          </a:solidFill>
+          <a:ln>
+            <a:solidFill>
+              <a:schemeClr val="tx1"/>
+            </a:solidFill>
+          </a:ln>
+          <a:effectLst>
+            <a:outerShdw blurRad="50800" dist="38100" dir="2700000" algn="tl" rotWithShape="0">
+              <a:prstClr val="black">
+                <a:alpha val="40000"/>
+              </a:prstClr>
+            </a:outerShdw>
+          </a:effectLst>
+        </p:spPr>
+        <p:txBody>
+          <a:bodyPr wrap="none" rtlCol="0">
+            <a:spAutoFit/>
+          </a:bodyPr>
+          <a:lstStyle/>
+          <a:p>
+            <a:r>
+              <a:rPr lang="en-US" sz="2000" dirty="0"/>
+              <a:t>\</a:t>
+            </a:r>
+            <a:r>
+              <a:rPr lang="en-US" sz="2000" dirty="0" err="1"/>
+              <a:t>usepackage</a:t>
+            </a:r>
+            <a:r>
+              <a:rPr lang="en-US" sz="2000" dirty="0"/>
+              <a:t>[margin=0.5in]{geometry}</a:t>
+            </a:r>
+            <a:endParaRPr lang="en-US" sz="2000" dirty="0">
+              <a:solidFill>
+                <a:srgbClr val="FF0000"/>
+              </a:solidFill>
+            </a:endParaRPr>
+          </a:p>
+        </p:txBody>
+      </p:sp>
+      <p:sp>
+        <p:nvSpPr>
+          <p:cNvPr id="5" name="TextBox 4">
+            <a:extLst>
+              <a:ext uri="{FF2B5EF4-FFF2-40B4-BE49-F238E27FC236}">
+                <a16:creationId xmlns:a16="http://schemas.microsoft.com/office/drawing/2014/main" id="{D82490CF-36A9-1352-9382-4F9C727D74EA}"/>
+              </a:ext>
+            </a:extLst>
+          </p:cNvPr>
+          <p:cNvSpPr txBox="1"/>
+          <p:nvPr/>
+        </p:nvSpPr>
+        <p:spPr>
+          <a:xfrm>
+            <a:off x="7906692" y="1855603"/>
+            <a:ext cx="2751779" cy="1015663"/>
+          </a:xfrm>
+          <a:prstGeom prst="rect">
+            <a:avLst/>
+          </a:prstGeom>
+          <a:solidFill>
+            <a:schemeClr val="bg1"/>
+          </a:solidFill>
+          <a:ln>
+            <a:solidFill>
+              <a:schemeClr val="tx1"/>
+            </a:solidFill>
+          </a:ln>
+          <a:effectLst>
+            <a:outerShdw blurRad="50800" dist="38100" dir="2700000" algn="tl" rotWithShape="0">
+              <a:prstClr val="black">
+                <a:alpha val="40000"/>
+              </a:prstClr>
+            </a:outerShdw>
+          </a:effectLst>
+        </p:spPr>
+        <p:txBody>
+          <a:bodyPr wrap="none" rtlCol="0">
+            <a:spAutoFit/>
+          </a:bodyPr>
+          <a:lstStyle/>
+          <a:p>
+            <a:r>
+              <a:rPr lang="en-US" sz="2000" dirty="0"/>
+              <a:t>\</a:t>
+            </a:r>
+            <a:r>
+              <a:rPr lang="en-US" sz="2000" dirty="0" err="1"/>
+              <a:t>usepackage</a:t>
+            </a:r>
+            <a:r>
+              <a:rPr lang="en-US" sz="2000" dirty="0"/>
+              <a:t>{geometry}</a:t>
+            </a:r>
+          </a:p>
+          <a:p>
+            <a:endParaRPr lang="en-US" sz="2000" dirty="0"/>
+          </a:p>
+          <a:p>
+            <a:r>
+              <a:rPr lang="en-US" sz="2000" dirty="0"/>
+              <a:t>\geometry{margin=1cm}</a:t>
+            </a:r>
+            <a:endParaRPr lang="en-US" sz="2000" dirty="0">
+              <a:solidFill>
+                <a:srgbClr val="FF0000"/>
+              </a:solidFill>
+            </a:endParaRPr>
+          </a:p>
+        </p:txBody>
+      </p:sp>
+      <p:sp>
+        <p:nvSpPr>
+          <p:cNvPr id="6" name="TextBox 5">
+            <a:extLst>
+              <a:ext uri="{FF2B5EF4-FFF2-40B4-BE49-F238E27FC236}">
+                <a16:creationId xmlns:a16="http://schemas.microsoft.com/office/drawing/2014/main" id="{535755BA-1993-2A90-FD7B-35AF3AA87CA2}"/>
+              </a:ext>
+            </a:extLst>
+          </p:cNvPr>
+          <p:cNvSpPr txBox="1"/>
+          <p:nvPr/>
+        </p:nvSpPr>
+        <p:spPr>
+          <a:xfrm>
+            <a:off x="2933205" y="3824561"/>
+            <a:ext cx="5931725" cy="2308324"/>
+          </a:xfrm>
+          <a:prstGeom prst="rect">
+            <a:avLst/>
+          </a:prstGeom>
+          <a:noFill/>
+        </p:spPr>
+        <p:txBody>
+          <a:bodyPr wrap="square" rtlCol="0">
+            <a:spAutoFit/>
+          </a:bodyPr>
+          <a:lstStyle/>
+          <a:p>
+            <a:r>
+              <a:rPr lang="ru-RU" dirty="0"/>
+              <a:t>Популярные пакеты:</a:t>
+            </a:r>
+          </a:p>
+          <a:p>
+            <a:pPr marL="285750" indent="-285750">
+              <a:buFont typeface="Arial" panose="020B0604020202020204" pitchFamily="34" charset="0"/>
+              <a:buChar char="•"/>
+            </a:pPr>
+            <a:r>
+              <a:rPr lang="en-US" dirty="0"/>
+              <a:t>\</a:t>
+            </a:r>
+            <a:r>
+              <a:rPr lang="en-US" dirty="0" err="1"/>
+              <a:t>usepackage</a:t>
+            </a:r>
+            <a:r>
+              <a:rPr lang="en-US" dirty="0"/>
+              <a:t>{</a:t>
+            </a:r>
+            <a:r>
+              <a:rPr lang="en-US" dirty="0" err="1"/>
+              <a:t>graphicx</a:t>
+            </a:r>
+            <a:r>
+              <a:rPr lang="en-US" dirty="0"/>
+              <a:t>} – </a:t>
+            </a:r>
+            <a:r>
+              <a:rPr lang="ru-RU" dirty="0"/>
+              <a:t>вставка рисунков</a:t>
+            </a:r>
+            <a:endParaRPr lang="en-US" dirty="0"/>
+          </a:p>
+          <a:p>
+            <a:pPr marL="285750" indent="-285750">
+              <a:buFont typeface="Arial" panose="020B0604020202020204" pitchFamily="34" charset="0"/>
+              <a:buChar char="•"/>
+            </a:pPr>
+            <a:r>
+              <a:rPr lang="en-US" dirty="0"/>
+              <a:t>\</a:t>
+            </a:r>
+            <a:r>
+              <a:rPr lang="en-US" dirty="0" err="1"/>
+              <a:t>usepackage</a:t>
+            </a:r>
+            <a:r>
+              <a:rPr lang="en-US" dirty="0"/>
+              <a:t>{</a:t>
+            </a:r>
+            <a:r>
+              <a:rPr lang="en-US" dirty="0" err="1"/>
+              <a:t>tikz</a:t>
+            </a:r>
+            <a:r>
+              <a:rPr lang="en-US" dirty="0"/>
+              <a:t>}</a:t>
+            </a:r>
+            <a:r>
+              <a:rPr lang="ru-RU" dirty="0"/>
+              <a:t> – графический пакет</a:t>
+            </a:r>
+          </a:p>
+          <a:p>
+            <a:pPr marL="285750" indent="-285750">
+              <a:buFont typeface="Arial" panose="020B0604020202020204" pitchFamily="34" charset="0"/>
+              <a:buChar char="•"/>
+            </a:pPr>
+            <a:r>
+              <a:rPr lang="en-US" dirty="0"/>
+              <a:t>\</a:t>
+            </a:r>
+            <a:r>
+              <a:rPr lang="en-US" dirty="0" err="1"/>
+              <a:t>usepackage</a:t>
+            </a:r>
+            <a:r>
+              <a:rPr lang="en-US" dirty="0"/>
+              <a:t>{geometry}</a:t>
+            </a:r>
+            <a:r>
+              <a:rPr lang="ru-RU" dirty="0"/>
+              <a:t> – параметры страницы</a:t>
+            </a:r>
+            <a:endParaRPr lang="en-US" dirty="0"/>
+          </a:p>
+          <a:p>
+            <a:pPr marL="285750" indent="-285750">
+              <a:buFont typeface="Arial" panose="020B0604020202020204" pitchFamily="34" charset="0"/>
+              <a:buChar char="•"/>
+            </a:pPr>
+            <a:r>
+              <a:rPr lang="en-US" dirty="0"/>
+              <a:t>\</a:t>
+            </a:r>
+            <a:r>
+              <a:rPr lang="en-US" dirty="0" err="1"/>
+              <a:t>usepackage</a:t>
+            </a:r>
+            <a:r>
+              <a:rPr lang="en-US" dirty="0"/>
+              <a:t>{</a:t>
+            </a:r>
+            <a:r>
+              <a:rPr lang="en-US" dirty="0" err="1"/>
+              <a:t>hyperref</a:t>
+            </a:r>
+            <a:r>
+              <a:rPr lang="en-US" dirty="0"/>
+              <a:t>}</a:t>
+            </a:r>
+            <a:r>
+              <a:rPr lang="ru-RU" dirty="0"/>
+              <a:t> – настройка гиперссылок</a:t>
+            </a:r>
+            <a:endParaRPr lang="en-US" dirty="0"/>
+          </a:p>
+          <a:p>
+            <a:pPr marL="285750" indent="-285750">
+              <a:buFont typeface="Arial" panose="020B0604020202020204" pitchFamily="34" charset="0"/>
+              <a:buChar char="•"/>
+            </a:pPr>
+            <a:r>
+              <a:rPr lang="en-US" dirty="0"/>
+              <a:t>\</a:t>
+            </a:r>
+            <a:r>
+              <a:rPr lang="en-US" dirty="0" err="1"/>
+              <a:t>usepackage</a:t>
+            </a:r>
+            <a:r>
+              <a:rPr lang="en-US" dirty="0"/>
+              <a:t>{</a:t>
+            </a:r>
+            <a:r>
+              <a:rPr lang="en-US" dirty="0" err="1"/>
+              <a:t>amssymb,amsmath</a:t>
+            </a:r>
+            <a:r>
+              <a:rPr lang="en-US" dirty="0"/>
+              <a:t>}</a:t>
+            </a:r>
+            <a:r>
+              <a:rPr lang="ru-RU" dirty="0"/>
+              <a:t> – доп. математика </a:t>
+            </a:r>
+          </a:p>
+          <a:p>
+            <a:pPr marL="285750" indent="-285750">
+              <a:buFont typeface="Arial" panose="020B0604020202020204" pitchFamily="34" charset="0"/>
+              <a:buChar char="•"/>
+            </a:pPr>
+            <a:r>
+              <a:rPr lang="en-US" dirty="0"/>
+              <a:t>\</a:t>
+            </a:r>
+            <a:r>
+              <a:rPr lang="en-US" dirty="0" err="1"/>
+              <a:t>usepackage</a:t>
+            </a:r>
+            <a:r>
+              <a:rPr lang="en-US" dirty="0"/>
+              <a:t>{</a:t>
+            </a:r>
+            <a:r>
+              <a:rPr lang="en-US" dirty="0" err="1"/>
+              <a:t>multicol</a:t>
+            </a:r>
+            <a:r>
+              <a:rPr lang="en-US" dirty="0"/>
+              <a:t>}</a:t>
+            </a:r>
+            <a:r>
+              <a:rPr lang="ru-RU" dirty="0"/>
+              <a:t> – текст в несколько колонок</a:t>
+            </a:r>
+          </a:p>
+          <a:p>
+            <a:pPr marL="285750" indent="-285750">
+              <a:buFont typeface="Arial" panose="020B0604020202020204" pitchFamily="34" charset="0"/>
+              <a:buChar char="•"/>
+            </a:pPr>
+            <a:r>
+              <a:rPr lang="ru-RU" dirty="0"/>
+              <a:t>…</a:t>
+            </a:r>
+          </a:p>
+        </p:txBody>
+      </p:sp>
+    </p:spTree>
+    <p:extLst>
+      <p:ext uri="{BB962C8B-B14F-4D97-AF65-F5344CB8AC3E}">
+        <p14:creationId xmlns:p14="http://schemas.microsoft.com/office/powerpoint/2010/main" val="299032942"/>
+      </p:ext>
+    </p:extLst>
+  </p:cSld>
+  <p:clrMapOvr>
+    <a:masterClrMapping/>
+  </p:clrMapOvr>
+</p:sld>
+</file>
+
+<file path=ppt/slides/slide5.xml><?xml version="1.0" encoding="utf-8"?>
+<p:sld xmlns:a="http://schemas.openxmlformats.org/drawingml/2006/main" xmlns:r="http://schemas.openxmlformats.org/officeDocument/2006/relationships" xmlns:p="http://schemas.openxmlformats.org/presentationml/2006/main">
+  <p:cSld>
+    <p:spTree>
+      <p:nvGrpSpPr>
+        <p:cNvPr id="1" name=""/>
+        <p:cNvGrpSpPr/>
+        <p:nvPr/>
+      </p:nvGrpSpPr>
+      <p:grpSpPr>
+        <a:xfrm>
+          <a:off x="0" y="0"/>
+          <a:ext cx="0" cy="0"/>
+          <a:chOff x="0" y="0"/>
+          <a:chExt cx="0" cy="0"/>
+        </a:xfrm>
+      </p:grpSpPr>
+      <p:sp>
+        <p:nvSpPr>
+          <p:cNvPr id="9" name="TextBox 8">
+            <a:extLst>
+              <a:ext uri="{FF2B5EF4-FFF2-40B4-BE49-F238E27FC236}">
+                <a16:creationId xmlns:a16="http://schemas.microsoft.com/office/drawing/2014/main" id="{87E2D704-6CA7-FA6C-184A-29AD22314EE5}"/>
+              </a:ext>
+            </a:extLst>
+          </p:cNvPr>
+          <p:cNvSpPr txBox="1"/>
+          <p:nvPr/>
+        </p:nvSpPr>
+        <p:spPr>
+          <a:xfrm>
+            <a:off x="10452228" y="0"/>
+            <a:ext cx="1739772" cy="584775"/>
+          </a:xfrm>
+          <a:prstGeom prst="rect">
+            <a:avLst/>
+          </a:prstGeom>
+          <a:noFill/>
+        </p:spPr>
+        <p:txBody>
+          <a:bodyPr wrap="none" rtlCol="0">
+            <a:spAutoFit/>
+          </a:bodyPr>
+          <a:lstStyle/>
+          <a:p>
+            <a:pPr algn="r"/>
+            <a:r>
+              <a:rPr lang="en-US" sz="3200" dirty="0"/>
+              <a:t>Plain text</a:t>
+            </a:r>
+            <a:endParaRPr lang="ru-RU" sz="3200" dirty="0"/>
+          </a:p>
+        </p:txBody>
+      </p:sp>
+      <p:sp>
+        <p:nvSpPr>
+          <p:cNvPr id="10" name="TextBox 9">
+            <a:extLst>
+              <a:ext uri="{FF2B5EF4-FFF2-40B4-BE49-F238E27FC236}">
+                <a16:creationId xmlns:a16="http://schemas.microsoft.com/office/drawing/2014/main" id="{1D4FA2B7-5F10-B53D-A7FF-CD461214486B}"/>
+              </a:ext>
+            </a:extLst>
+          </p:cNvPr>
+          <p:cNvSpPr txBox="1"/>
+          <p:nvPr/>
+        </p:nvSpPr>
+        <p:spPr>
+          <a:xfrm>
+            <a:off x="391887" y="1134095"/>
+            <a:ext cx="6173613" cy="2308324"/>
+          </a:xfrm>
+          <a:prstGeom prst="rect">
+            <a:avLst/>
+          </a:prstGeom>
+          <a:noFill/>
+        </p:spPr>
+        <p:txBody>
+          <a:bodyPr wrap="none" rtlCol="0">
+            <a:spAutoFit/>
+          </a:bodyPr>
+          <a:lstStyle/>
+          <a:p>
+            <a:pPr marL="285750" indent="-285750">
+              <a:buFont typeface="Arial" panose="020B0604020202020204" pitchFamily="34" charset="0"/>
+              <a:buChar char="•"/>
+            </a:pPr>
+            <a:r>
+              <a:rPr lang="ru-RU" sz="2400" dirty="0"/>
+              <a:t>Несколько пробелов = 1 пробел</a:t>
+            </a:r>
+          </a:p>
+          <a:p>
+            <a:pPr marL="285750" indent="-285750">
+              <a:buFont typeface="Arial" panose="020B0604020202020204" pitchFamily="34" charset="0"/>
+              <a:buChar char="•"/>
+            </a:pPr>
+            <a:r>
+              <a:rPr lang="ru-RU" sz="2400" dirty="0"/>
+              <a:t>Перевод строки = пробел</a:t>
+            </a:r>
+          </a:p>
+          <a:p>
+            <a:pPr marL="285750" indent="-285750">
+              <a:buFont typeface="Arial" panose="020B0604020202020204" pitchFamily="34" charset="0"/>
+              <a:buChar char="•"/>
+            </a:pPr>
+            <a:r>
+              <a:rPr lang="ru-RU" sz="2400" dirty="0"/>
+              <a:t>Строки автоматически склеиваются в абзац</a:t>
+            </a:r>
+          </a:p>
+          <a:p>
+            <a:pPr marL="285750" indent="-285750">
+              <a:buFont typeface="Arial" panose="020B0604020202020204" pitchFamily="34" charset="0"/>
+              <a:buChar char="•"/>
+            </a:pPr>
+            <a:r>
+              <a:rPr lang="ru-RU" sz="2400" dirty="0"/>
+              <a:t>Пустая строка = новый абзац</a:t>
+            </a:r>
+          </a:p>
+          <a:p>
+            <a:pPr marL="285750" indent="-285750">
+              <a:buFont typeface="Arial" panose="020B0604020202020204" pitchFamily="34" charset="0"/>
+              <a:buChar char="•"/>
+            </a:pPr>
+            <a:r>
+              <a:rPr lang="ru-RU" sz="2400" dirty="0"/>
+              <a:t>Избегайте длинных строк!</a:t>
+            </a:r>
+          </a:p>
+          <a:p>
+            <a:pPr marL="742950" lvl="1" indent="-285750">
+              <a:buFont typeface="Arial" panose="020B0604020202020204" pitchFamily="34" charset="0"/>
+              <a:buChar char="•"/>
+            </a:pPr>
+            <a:r>
+              <a:rPr lang="ru-RU" sz="2400" dirty="0"/>
+              <a:t>Разбивайте по точкам и запятым</a:t>
+            </a:r>
+          </a:p>
+        </p:txBody>
+      </p:sp>
+      <p:sp>
+        <p:nvSpPr>
+          <p:cNvPr id="2" name="TextBox 1">
+            <a:extLst>
+              <a:ext uri="{FF2B5EF4-FFF2-40B4-BE49-F238E27FC236}">
+                <a16:creationId xmlns:a16="http://schemas.microsoft.com/office/drawing/2014/main" id="{3E2BC427-0BB3-B829-8D7A-AF1051A08AEB}"/>
+              </a:ext>
+            </a:extLst>
+          </p:cNvPr>
+          <p:cNvSpPr txBox="1"/>
+          <p:nvPr/>
+        </p:nvSpPr>
+        <p:spPr>
+          <a:xfrm>
+            <a:off x="6399792" y="3073087"/>
+            <a:ext cx="4922322" cy="3139321"/>
+          </a:xfrm>
+          <a:prstGeom prst="rect">
+            <a:avLst/>
+          </a:prstGeom>
+          <a:solidFill>
+            <a:schemeClr val="bg1"/>
+          </a:solidFill>
+          <a:ln>
+            <a:solidFill>
+              <a:schemeClr val="tx1"/>
+            </a:solidFill>
+          </a:ln>
+          <a:effectLst>
+            <a:outerShdw blurRad="50800" dist="38100" dir="2700000" algn="tl" rotWithShape="0">
+              <a:prstClr val="black">
+                <a:alpha val="40000"/>
+              </a:prstClr>
+            </a:outerShdw>
+          </a:effectLst>
+        </p:spPr>
+        <p:txBody>
+          <a:bodyPr wrap="square" rtlCol="0">
+            <a:spAutoFit/>
+          </a:bodyPr>
+          <a:lstStyle/>
+          <a:p>
+            <a:r>
+              <a:rPr lang="ru-RU" i="1" dirty="0"/>
+              <a:t>…</a:t>
+            </a:r>
+          </a:p>
+          <a:p>
+            <a:endParaRPr lang="ru-RU" i="1" dirty="0"/>
+          </a:p>
+          <a:p>
+            <a:r>
+              <a:rPr lang="ru-RU" i="1" dirty="0" err="1"/>
+              <a:t>Мортонсон</a:t>
+            </a:r>
+            <a:r>
+              <a:rPr lang="ru-RU" i="1" dirty="0"/>
+              <a:t> </a:t>
+            </a:r>
+            <a:r>
+              <a:rPr lang="ru-RU" i="1" dirty="0" err="1"/>
+              <a:t>зaмер</a:t>
+            </a:r>
+            <a:r>
+              <a:rPr lang="ru-RU" i="1" dirty="0"/>
+              <a:t> </a:t>
+            </a:r>
+            <a:r>
+              <a:rPr lang="ru-RU" i="1" dirty="0" err="1"/>
+              <a:t>нa</a:t>
+            </a:r>
+            <a:r>
+              <a:rPr lang="ru-RU" i="1" dirty="0"/>
+              <a:t> ходу, </a:t>
+            </a:r>
+          </a:p>
+          <a:p>
+            <a:r>
+              <a:rPr lang="ru-RU" i="1" dirty="0" err="1"/>
+              <a:t>буквaльно</a:t>
+            </a:r>
+            <a:r>
+              <a:rPr lang="ru-RU" i="1" dirty="0"/>
+              <a:t> оцепенел, </a:t>
+            </a:r>
+          </a:p>
+          <a:p>
+            <a:r>
+              <a:rPr lang="ru-RU" i="1" dirty="0"/>
+              <a:t>его </a:t>
+            </a:r>
+            <a:r>
+              <a:rPr lang="ru-RU" i="1" dirty="0" err="1"/>
+              <a:t>aж</a:t>
+            </a:r>
+            <a:r>
+              <a:rPr lang="ru-RU" i="1" dirty="0"/>
+              <a:t> в </a:t>
+            </a:r>
+            <a:r>
+              <a:rPr lang="ru-RU" i="1" dirty="0" err="1"/>
+              <a:t>испaрину</a:t>
+            </a:r>
+            <a:r>
+              <a:rPr lang="ru-RU" i="1" dirty="0"/>
+              <a:t> бросило: </a:t>
+            </a:r>
+          </a:p>
+          <a:p>
+            <a:r>
+              <a:rPr lang="ru-RU" i="1" dirty="0" err="1"/>
+              <a:t>редкостнaя</a:t>
+            </a:r>
+            <a:r>
+              <a:rPr lang="ru-RU" i="1" dirty="0"/>
+              <a:t> </a:t>
+            </a:r>
+            <a:r>
+              <a:rPr lang="ru-RU" i="1" dirty="0" err="1"/>
+              <a:t>удaчa</a:t>
+            </a:r>
+            <a:r>
+              <a:rPr lang="ru-RU" i="1" dirty="0"/>
+              <a:t> – </a:t>
+            </a:r>
+          </a:p>
+          <a:p>
+            <a:r>
+              <a:rPr lang="ru-RU" i="1" dirty="0"/>
+              <a:t>общение с гостем из </a:t>
+            </a:r>
+            <a:r>
+              <a:rPr lang="ru-RU" i="1" dirty="0" err="1"/>
+              <a:t>космосa</a:t>
+            </a:r>
+            <a:r>
+              <a:rPr lang="ru-RU" i="1" dirty="0"/>
+              <a:t>, </a:t>
+            </a:r>
+          </a:p>
+          <a:p>
+            <a:r>
+              <a:rPr lang="ru-RU" i="1" dirty="0"/>
+              <a:t>и теперь многое </a:t>
+            </a:r>
+            <a:r>
+              <a:rPr lang="ru-RU" i="1" dirty="0" err="1"/>
+              <a:t>зaвисит</a:t>
+            </a:r>
+            <a:r>
+              <a:rPr lang="ru-RU" i="1" dirty="0"/>
+              <a:t> от того, </a:t>
+            </a:r>
+          </a:p>
+          <a:p>
+            <a:r>
+              <a:rPr lang="ru-RU" i="1" dirty="0" err="1"/>
+              <a:t>удaчно</a:t>
+            </a:r>
+            <a:r>
+              <a:rPr lang="ru-RU" i="1" dirty="0"/>
+              <a:t> ли ответит он </a:t>
+            </a:r>
+            <a:r>
+              <a:rPr lang="ru-RU" i="1" dirty="0" err="1"/>
+              <a:t>нa</a:t>
+            </a:r>
+            <a:r>
+              <a:rPr lang="ru-RU" i="1" dirty="0"/>
+              <a:t> вопрос.</a:t>
+            </a:r>
+          </a:p>
+          <a:p>
+            <a:endParaRPr lang="ru-RU" i="1" dirty="0"/>
+          </a:p>
+          <a:p>
+            <a:r>
+              <a:rPr lang="ru-RU" i="1" dirty="0"/>
+              <a:t>…</a:t>
+            </a:r>
+          </a:p>
+        </p:txBody>
+      </p:sp>
+    </p:spTree>
+    <p:extLst>
+      <p:ext uri="{BB962C8B-B14F-4D97-AF65-F5344CB8AC3E}">
+        <p14:creationId xmlns:p14="http://schemas.microsoft.com/office/powerpoint/2010/main" val="3590138496"/>
+      </p:ext>
+    </p:extLst>
+  </p:cSld>
+  <p:clrMapOvr>
+    <a:masterClrMapping/>
+  </p:clrMapOvr>
+</p:sld>
+</file>
+
+<file path=ppt/slides/slide6.xml><?xml version="1.0" encoding="utf-8"?>
+<p:sld xmlns:a="http://schemas.openxmlformats.org/drawingml/2006/main" xmlns:r="http://schemas.openxmlformats.org/officeDocument/2006/relationships" xmlns:p="http://schemas.openxmlformats.org/presentationml/2006/main">
+  <p:cSld>
+    <p:spTree>
+      <p:nvGrpSpPr>
+        <p:cNvPr id="1" name=""/>
+        <p:cNvGrpSpPr/>
+        <p:nvPr/>
+      </p:nvGrpSpPr>
+      <p:grpSpPr>
+        <a:xfrm>
+          <a:off x="0" y="0"/>
+          <a:ext cx="0" cy="0"/>
+          <a:chOff x="0" y="0"/>
+          <a:chExt cx="0" cy="0"/>
+        </a:xfrm>
+      </p:grpSpPr>
+      <p:sp>
+        <p:nvSpPr>
+          <p:cNvPr id="9" name="TextBox 8">
+            <a:extLst>
+              <a:ext uri="{FF2B5EF4-FFF2-40B4-BE49-F238E27FC236}">
+                <a16:creationId xmlns:a16="http://schemas.microsoft.com/office/drawing/2014/main" id="{87E2D704-6CA7-FA6C-184A-29AD22314EE5}"/>
+              </a:ext>
+            </a:extLst>
+          </p:cNvPr>
+          <p:cNvSpPr txBox="1"/>
+          <p:nvPr/>
+        </p:nvSpPr>
+        <p:spPr>
+          <a:xfrm>
+            <a:off x="9332563" y="0"/>
+            <a:ext cx="2859437" cy="584775"/>
+          </a:xfrm>
+          <a:prstGeom prst="rect">
+            <a:avLst/>
+          </a:prstGeom>
+          <a:noFill/>
+        </p:spPr>
+        <p:txBody>
+          <a:bodyPr wrap="none" rtlCol="0">
+            <a:spAutoFit/>
+          </a:bodyPr>
+          <a:lstStyle/>
+          <a:p>
+            <a:pPr algn="r"/>
+            <a:r>
+              <a:rPr lang="ru-RU" sz="3200" dirty="0"/>
+              <a:t>Команды </a:t>
+            </a:r>
+            <a:r>
+              <a:rPr lang="en-US" sz="3200" dirty="0"/>
+              <a:t>LaTeX</a:t>
+            </a:r>
+            <a:endParaRPr lang="ru-RU" sz="3200" dirty="0"/>
+          </a:p>
+        </p:txBody>
+      </p:sp>
+      <p:sp>
+        <p:nvSpPr>
+          <p:cNvPr id="10" name="TextBox 9">
+            <a:extLst>
+              <a:ext uri="{FF2B5EF4-FFF2-40B4-BE49-F238E27FC236}">
+                <a16:creationId xmlns:a16="http://schemas.microsoft.com/office/drawing/2014/main" id="{1D4FA2B7-5F10-B53D-A7FF-CD461214486B}"/>
+              </a:ext>
+            </a:extLst>
+          </p:cNvPr>
+          <p:cNvSpPr txBox="1"/>
+          <p:nvPr/>
+        </p:nvSpPr>
+        <p:spPr>
+          <a:xfrm>
+            <a:off x="350323" y="676895"/>
+            <a:ext cx="8529514" cy="2554545"/>
+          </a:xfrm>
+          <a:prstGeom prst="rect">
+            <a:avLst/>
+          </a:prstGeom>
+          <a:noFill/>
+        </p:spPr>
+        <p:txBody>
+          <a:bodyPr wrap="none" rtlCol="0">
+            <a:spAutoFit/>
+          </a:bodyPr>
+          <a:lstStyle/>
+          <a:p>
+            <a:r>
+              <a:rPr lang="en-US" sz="2000" b="1" dirty="0"/>
+              <a:t>\</a:t>
+            </a:r>
+            <a:r>
+              <a:rPr lang="ru-RU" sz="2000" b="1" dirty="0"/>
+              <a:t>Команда</a:t>
+            </a:r>
+            <a:r>
+              <a:rPr lang="en-US" sz="2000" b="1" dirty="0"/>
+              <a:t>*[</a:t>
+            </a:r>
+            <a:r>
+              <a:rPr lang="ru-RU" sz="2000" b="1" dirty="0"/>
+              <a:t>параметр1</a:t>
+            </a:r>
+            <a:r>
+              <a:rPr lang="en-US" sz="2000" b="1" dirty="0"/>
+              <a:t>] [</a:t>
+            </a:r>
+            <a:r>
+              <a:rPr lang="ru-RU" sz="2000" b="1" dirty="0"/>
+              <a:t>параметр2</a:t>
+            </a:r>
+            <a:r>
+              <a:rPr lang="en-US" sz="2000" b="1" dirty="0"/>
+              <a:t>]{</a:t>
+            </a:r>
+            <a:r>
+              <a:rPr lang="ru-RU" sz="2000" b="1" dirty="0"/>
+              <a:t>параметр1</a:t>
+            </a:r>
+            <a:r>
+              <a:rPr lang="en-US" sz="2000" b="1" dirty="0"/>
+              <a:t>}{</a:t>
+            </a:r>
+            <a:r>
+              <a:rPr lang="ru-RU" sz="2000" b="1" dirty="0"/>
+              <a:t>параметр</a:t>
+            </a:r>
+            <a:r>
+              <a:rPr lang="en-US" sz="2000" b="1" dirty="0"/>
+              <a:t>2}{</a:t>
+            </a:r>
+            <a:r>
+              <a:rPr lang="ru-RU" sz="2000" b="1" dirty="0"/>
+              <a:t>параметр</a:t>
+            </a:r>
+            <a:r>
+              <a:rPr lang="en-US" sz="2000" b="1" dirty="0"/>
+              <a:t>3}</a:t>
+            </a:r>
+          </a:p>
+          <a:p>
+            <a:pPr marL="342900" indent="-342900">
+              <a:buFont typeface="Arial" panose="020B0604020202020204" pitchFamily="34" charset="0"/>
+              <a:buChar char="•"/>
+            </a:pPr>
+            <a:r>
+              <a:rPr lang="en-US" sz="2000" dirty="0"/>
+              <a:t>[</a:t>
+            </a:r>
+            <a:r>
+              <a:rPr lang="ru-RU" sz="2000" dirty="0"/>
+              <a:t>необязательный параметр</a:t>
+            </a:r>
+            <a:r>
+              <a:rPr lang="en-US" sz="2000" dirty="0"/>
+              <a:t>]</a:t>
+            </a:r>
+            <a:endParaRPr lang="ru-RU" sz="2000" dirty="0"/>
+          </a:p>
+          <a:p>
+            <a:pPr marL="342900" indent="-342900">
+              <a:buFont typeface="Arial" panose="020B0604020202020204" pitchFamily="34" charset="0"/>
+              <a:buChar char="•"/>
+            </a:pPr>
+            <a:r>
+              <a:rPr lang="en-US" sz="2000" dirty="0"/>
+              <a:t>{</a:t>
+            </a:r>
+            <a:r>
+              <a:rPr lang="ru-RU" sz="2000" dirty="0"/>
+              <a:t>обязательный параметр</a:t>
+            </a:r>
+            <a:r>
+              <a:rPr lang="en-US" sz="2000" dirty="0"/>
+              <a:t>}</a:t>
+            </a:r>
+            <a:endParaRPr lang="ru-RU" sz="2000" dirty="0"/>
+          </a:p>
+          <a:p>
+            <a:pPr marL="342900" indent="-342900">
+              <a:buFont typeface="Arial" panose="020B0604020202020204" pitchFamily="34" charset="0"/>
+              <a:buChar char="•"/>
+            </a:pPr>
+            <a:r>
+              <a:rPr lang="ru-RU" sz="2000" dirty="0"/>
+              <a:t>Пробелы внутри команды удаляются: </a:t>
+            </a:r>
+            <a:r>
+              <a:rPr lang="en-US" sz="2000" i="1" dirty="0"/>
+              <a:t>\LaTeX{} – </a:t>
+            </a:r>
+            <a:r>
+              <a:rPr lang="ru-RU" sz="2000" i="1" dirty="0"/>
+              <a:t>язык программирования</a:t>
+            </a:r>
+            <a:endParaRPr lang="en-US" sz="2000" i="1" dirty="0"/>
+          </a:p>
+          <a:p>
+            <a:pPr marL="342900" indent="-342900">
+              <a:buFont typeface="Arial" panose="020B0604020202020204" pitchFamily="34" charset="0"/>
+              <a:buChar char="•"/>
+            </a:pPr>
+            <a:r>
+              <a:rPr lang="ru-RU" sz="2000" dirty="0"/>
+              <a:t>Команды можно создавать командой </a:t>
+            </a:r>
+            <a:r>
+              <a:rPr lang="en-US" sz="2000" dirty="0"/>
+              <a:t>\</a:t>
+            </a:r>
+            <a:r>
+              <a:rPr lang="en-US" sz="2000" dirty="0" err="1"/>
+              <a:t>newcommand</a:t>
+            </a:r>
+            <a:endParaRPr lang="en-US" sz="2000" dirty="0"/>
+          </a:p>
+          <a:p>
+            <a:pPr marL="800100" lvl="1" indent="-342900">
+              <a:buFont typeface="Arial" panose="020B0604020202020204" pitchFamily="34" charset="0"/>
+              <a:buChar char="•"/>
+            </a:pPr>
+            <a:r>
+              <a:rPr lang="en-US" sz="2000" dirty="0"/>
+              <a:t> </a:t>
+            </a:r>
+            <a:r>
+              <a:rPr lang="ru-RU" sz="2000" dirty="0"/>
+              <a:t>И переопределять командой </a:t>
+            </a:r>
+            <a:r>
+              <a:rPr lang="en-US" sz="2000" dirty="0"/>
+              <a:t>\</a:t>
+            </a:r>
+            <a:r>
+              <a:rPr lang="en-US" sz="2000" dirty="0" err="1"/>
+              <a:t>renewcommand</a:t>
+            </a:r>
+            <a:endParaRPr lang="en-US" sz="2000" dirty="0"/>
+          </a:p>
+          <a:p>
+            <a:pPr marL="342900" indent="-342900">
+              <a:buFont typeface="Arial" panose="020B0604020202020204" pitchFamily="34" charset="0"/>
+              <a:buChar char="•"/>
+            </a:pPr>
+            <a:r>
+              <a:rPr lang="ru-RU" sz="2000" dirty="0"/>
+              <a:t>Спецкоманды \</a:t>
+            </a:r>
+            <a:r>
+              <a:rPr lang="en-US" sz="2000" dirty="0"/>
+              <a:t>today \</a:t>
+            </a:r>
+            <a:r>
+              <a:rPr lang="en-US" sz="2000" dirty="0" err="1"/>
+              <a:t>TeX</a:t>
+            </a:r>
+            <a:r>
+              <a:rPr lang="en-US" sz="2000" dirty="0"/>
+              <a:t> \LaTeX \</a:t>
+            </a:r>
+            <a:r>
+              <a:rPr lang="en-US" sz="2000" dirty="0" err="1"/>
+              <a:t>LaTeXe</a:t>
+            </a:r>
+            <a:endParaRPr lang="en-US" sz="2000" dirty="0"/>
+          </a:p>
+          <a:p>
+            <a:endParaRPr lang="en-US" sz="2000" i="1" dirty="0"/>
+          </a:p>
+        </p:txBody>
+      </p:sp>
+      <p:sp>
+        <p:nvSpPr>
+          <p:cNvPr id="2" name="TextBox 1">
+            <a:extLst>
+              <a:ext uri="{FF2B5EF4-FFF2-40B4-BE49-F238E27FC236}">
+                <a16:creationId xmlns:a16="http://schemas.microsoft.com/office/drawing/2014/main" id="{CE2C4228-DA5F-D875-0EC4-6527B6A129FE}"/>
+              </a:ext>
+            </a:extLst>
+          </p:cNvPr>
+          <p:cNvSpPr txBox="1"/>
+          <p:nvPr/>
+        </p:nvSpPr>
+        <p:spPr>
+          <a:xfrm>
+            <a:off x="7718962" y="2659629"/>
+            <a:ext cx="3561103" cy="3416320"/>
+          </a:xfrm>
+          <a:prstGeom prst="rect">
+            <a:avLst/>
+          </a:prstGeom>
+          <a:solidFill>
+            <a:schemeClr val="bg1"/>
+          </a:solidFill>
+          <a:ln>
+            <a:solidFill>
+              <a:schemeClr val="tx1"/>
+            </a:solidFill>
+          </a:ln>
+          <a:effectLst>
+            <a:outerShdw blurRad="50800" dist="38100" dir="2700000" algn="tl" rotWithShape="0">
+              <a:prstClr val="black">
+                <a:alpha val="40000"/>
+              </a:prstClr>
+            </a:outerShdw>
+          </a:effectLst>
+        </p:spPr>
+        <p:txBody>
+          <a:bodyPr wrap="none" rtlCol="0">
+            <a:spAutoFit/>
+          </a:bodyPr>
+          <a:lstStyle/>
+          <a:p>
+            <a:r>
+              <a:rPr lang="en-US" i="1" dirty="0"/>
+              <a:t>\</a:t>
+            </a:r>
+            <a:r>
+              <a:rPr lang="en-US" i="1" dirty="0" err="1"/>
+              <a:t>usepackage</a:t>
+            </a:r>
+            <a:r>
+              <a:rPr lang="en-US" i="1" dirty="0"/>
+              <a:t>[</a:t>
+            </a:r>
+            <a:r>
+              <a:rPr lang="en-US" i="1" dirty="0" err="1"/>
+              <a:t>english,russian</a:t>
+            </a:r>
+            <a:r>
+              <a:rPr lang="en-US" i="1" dirty="0"/>
+              <a:t>]{babel}</a:t>
+            </a:r>
+          </a:p>
+          <a:p>
+            <a:endParaRPr lang="en-US" i="1" dirty="0"/>
+          </a:p>
+          <a:p>
+            <a:r>
+              <a:rPr lang="en-US" i="1" dirty="0"/>
+              <a:t>\section*{</a:t>
+            </a:r>
+            <a:r>
+              <a:rPr lang="ru-RU" i="1" dirty="0"/>
+              <a:t>Введение</a:t>
+            </a:r>
+            <a:r>
+              <a:rPr lang="en-US" i="1" dirty="0"/>
+              <a:t>}</a:t>
+            </a:r>
+            <a:endParaRPr lang="ru-RU" i="1" dirty="0"/>
+          </a:p>
+          <a:p>
+            <a:r>
+              <a:rPr lang="en-US" i="1" dirty="0"/>
+              <a:t>\section{</a:t>
+            </a:r>
+            <a:r>
+              <a:rPr lang="ru-RU" i="1" dirty="0"/>
+              <a:t>Основные определения</a:t>
+            </a:r>
+            <a:r>
+              <a:rPr lang="en-US" i="1" dirty="0"/>
+              <a:t>}</a:t>
+            </a:r>
+          </a:p>
+          <a:p>
+            <a:endParaRPr lang="en-US" i="1" dirty="0"/>
+          </a:p>
+          <a:p>
+            <a:r>
+              <a:rPr lang="en-US" i="1" dirty="0"/>
+              <a:t>\\</a:t>
+            </a:r>
+          </a:p>
+          <a:p>
+            <a:endParaRPr lang="en-US" i="1" dirty="0"/>
+          </a:p>
+          <a:p>
+            <a:r>
+              <a:rPr lang="en-US" i="1" dirty="0"/>
+              <a:t>\begin{enumerate}</a:t>
+            </a:r>
+          </a:p>
+          <a:p>
+            <a:r>
+              <a:rPr lang="en-US" i="1" dirty="0"/>
+              <a:t>…</a:t>
+            </a:r>
+          </a:p>
+          <a:p>
+            <a:r>
+              <a:rPr lang="en-US" i="1" dirty="0"/>
+              <a:t>\dots</a:t>
+            </a:r>
+          </a:p>
+          <a:p>
+            <a:r>
+              <a:rPr lang="en-US" i="1" dirty="0"/>
+              <a:t>…</a:t>
+            </a:r>
+          </a:p>
+          <a:p>
+            <a:r>
+              <a:rPr lang="en-US" i="1" dirty="0"/>
+              <a:t>\end{enumerate}</a:t>
+            </a:r>
+            <a:endParaRPr lang="ru-RU" i="1" dirty="0"/>
+          </a:p>
+        </p:txBody>
+      </p:sp>
+      <p:sp>
+        <p:nvSpPr>
+          <p:cNvPr id="3" name="TextBox 2">
+            <a:extLst>
+              <a:ext uri="{FF2B5EF4-FFF2-40B4-BE49-F238E27FC236}">
+                <a16:creationId xmlns:a16="http://schemas.microsoft.com/office/drawing/2014/main" id="{57775AE5-5A92-8B4A-E991-EB9F5D3505CB}"/>
+              </a:ext>
+            </a:extLst>
+          </p:cNvPr>
+          <p:cNvSpPr txBox="1"/>
+          <p:nvPr/>
+        </p:nvSpPr>
+        <p:spPr>
+          <a:xfrm>
+            <a:off x="1360495" y="2931948"/>
+            <a:ext cx="5112327" cy="3139321"/>
+          </a:xfrm>
+          <a:prstGeom prst="rect">
+            <a:avLst/>
+          </a:prstGeom>
+          <a:noFill/>
+        </p:spPr>
+        <p:txBody>
+          <a:bodyPr wrap="square" rtlCol="0">
+            <a:spAutoFit/>
+          </a:bodyPr>
+          <a:lstStyle/>
+          <a:p>
+            <a:r>
+              <a:rPr lang="ru-RU" dirty="0"/>
+              <a:t>Виды команд:</a:t>
+            </a:r>
+          </a:p>
+          <a:p>
+            <a:pPr marL="285750" indent="-285750">
+              <a:buFont typeface="Arial" panose="020B0604020202020204" pitchFamily="34" charset="0"/>
+              <a:buChar char="•"/>
+            </a:pPr>
+            <a:r>
+              <a:rPr lang="ru-RU" dirty="0"/>
+              <a:t>Одиночные (включатели и выключатели)</a:t>
+            </a:r>
+          </a:p>
+          <a:p>
+            <a:pPr marL="742950" lvl="1" indent="-285750">
+              <a:buFont typeface="Arial" panose="020B0604020202020204" pitchFamily="34" charset="0"/>
+              <a:buChar char="•"/>
+            </a:pPr>
+            <a:r>
+              <a:rPr lang="ru-RU" dirty="0"/>
+              <a:t>\</a:t>
+            </a:r>
+            <a:r>
+              <a:rPr lang="en-US" dirty="0" err="1"/>
+              <a:t>usepackage</a:t>
+            </a:r>
+            <a:r>
+              <a:rPr lang="en-US" dirty="0"/>
+              <a:t>[…]</a:t>
+            </a:r>
+          </a:p>
+          <a:p>
+            <a:pPr marL="742950" lvl="1" indent="-285750">
+              <a:buFont typeface="Arial" panose="020B0604020202020204" pitchFamily="34" charset="0"/>
+              <a:buChar char="•"/>
+            </a:pPr>
+            <a:r>
+              <a:rPr lang="en-US" dirty="0"/>
+              <a:t>\bf</a:t>
+            </a:r>
+          </a:p>
+          <a:p>
+            <a:pPr marL="742950" lvl="1" indent="-285750">
+              <a:buFont typeface="Arial" panose="020B0604020202020204" pitchFamily="34" charset="0"/>
+              <a:buChar char="•"/>
+            </a:pPr>
+            <a:r>
+              <a:rPr lang="en-US" dirty="0"/>
+              <a:t>\</a:t>
+            </a:r>
+            <a:r>
+              <a:rPr lang="en-US" dirty="0" err="1"/>
+              <a:t>bfseries</a:t>
+            </a:r>
+            <a:endParaRPr lang="ru-RU" dirty="0"/>
+          </a:p>
+          <a:p>
+            <a:pPr marL="285750" indent="-285750">
+              <a:buFont typeface="Arial" panose="020B0604020202020204" pitchFamily="34" charset="0"/>
+              <a:buChar char="•"/>
+            </a:pPr>
+            <a:r>
+              <a:rPr lang="ru-RU" dirty="0"/>
+              <a:t>Команды, имеющие текст внутри </a:t>
+            </a:r>
+          </a:p>
+          <a:p>
+            <a:pPr marL="742950" lvl="1" indent="-285750">
+              <a:buFont typeface="Arial" panose="020B0604020202020204" pitchFamily="34" charset="0"/>
+              <a:buChar char="•"/>
+            </a:pPr>
+            <a:r>
+              <a:rPr lang="en-US" dirty="0"/>
+              <a:t>\</a:t>
+            </a:r>
+            <a:r>
+              <a:rPr lang="en-US" dirty="0" err="1"/>
+              <a:t>textbf</a:t>
+            </a:r>
+            <a:r>
+              <a:rPr lang="en-US" dirty="0"/>
+              <a:t>{</a:t>
+            </a:r>
+            <a:r>
+              <a:rPr lang="ru-RU" dirty="0"/>
+              <a:t>…</a:t>
+            </a:r>
+            <a:r>
+              <a:rPr lang="en-US" dirty="0"/>
+              <a:t>}</a:t>
+            </a:r>
+            <a:endParaRPr lang="ru-RU" dirty="0"/>
+          </a:p>
+          <a:p>
+            <a:pPr marL="285750" indent="-285750">
+              <a:buFont typeface="Arial" panose="020B0604020202020204" pitchFamily="34" charset="0"/>
+              <a:buChar char="•"/>
+            </a:pPr>
+            <a:r>
+              <a:rPr lang="ru-RU" dirty="0"/>
+              <a:t>Окружения</a:t>
+            </a:r>
+          </a:p>
+          <a:p>
+            <a:pPr marL="742950" lvl="1" indent="-285750">
+              <a:buFont typeface="Arial" panose="020B0604020202020204" pitchFamily="34" charset="0"/>
+              <a:buChar char="•"/>
+            </a:pPr>
+            <a:r>
+              <a:rPr lang="en-US" dirty="0"/>
+              <a:t>\begin{</a:t>
+            </a:r>
+            <a:r>
+              <a:rPr lang="en-US" dirty="0" err="1"/>
+              <a:t>bfseries</a:t>
+            </a:r>
+            <a:r>
+              <a:rPr lang="en-US" dirty="0"/>
+              <a:t>}</a:t>
+            </a:r>
+          </a:p>
+          <a:p>
+            <a:pPr marL="742950" lvl="1" indent="-285750">
+              <a:buFont typeface="Arial" panose="020B0604020202020204" pitchFamily="34" charset="0"/>
+              <a:buChar char="•"/>
+            </a:pPr>
+            <a:r>
+              <a:rPr lang="en-US" dirty="0"/>
+              <a:t>\end{</a:t>
+            </a:r>
+            <a:r>
+              <a:rPr lang="en-US" dirty="0" err="1"/>
+              <a:t>bfseries</a:t>
+            </a:r>
+            <a:r>
+              <a:rPr lang="en-US" dirty="0"/>
+              <a:t>}</a:t>
+            </a:r>
+            <a:endParaRPr lang="ru-RU" dirty="0"/>
+          </a:p>
+          <a:p>
+            <a:pPr marL="285750" indent="-285750">
+              <a:buFont typeface="Arial" panose="020B0604020202020204" pitchFamily="34" charset="0"/>
+              <a:buChar char="•"/>
+            </a:pPr>
+            <a:endParaRPr lang="ru-RU" dirty="0"/>
+          </a:p>
+        </p:txBody>
+      </p:sp>
+    </p:spTree>
+    <p:extLst>
+      <p:ext uri="{BB962C8B-B14F-4D97-AF65-F5344CB8AC3E}">
+        <p14:creationId xmlns:p14="http://schemas.microsoft.com/office/powerpoint/2010/main" val="2562705042"/>
+      </p:ext>
+    </p:extLst>
+  </p:cSld>
+  <p:clrMapOvr>
+    <a:masterClrMapping/>
+  </p:clrMapOvr>
+</p:sld>
+</file>
+
+<file path=ppt/slides/slide7.xml><?xml version="1.0" encoding="utf-8"?>
+<p:sld xmlns:a="http://schemas.openxmlformats.org/drawingml/2006/main" xmlns:r="http://schemas.openxmlformats.org/officeDocument/2006/relationships" xmlns:p="http://schemas.openxmlformats.org/presentationml/2006/main">
+  <p:cSld>
+    <p:spTree>
+      <p:nvGrpSpPr>
+        <p:cNvPr id="1" name=""/>
+        <p:cNvGrpSpPr/>
+        <p:nvPr/>
+      </p:nvGrpSpPr>
+      <p:grpSpPr>
+        <a:xfrm>
+          <a:off x="0" y="0"/>
+          <a:ext cx="0" cy="0"/>
+          <a:chOff x="0" y="0"/>
+          <a:chExt cx="0" cy="0"/>
+        </a:xfrm>
+      </p:grpSpPr>
+      <p:sp>
+        <p:nvSpPr>
+          <p:cNvPr id="9" name="TextBox 8">
+            <a:extLst>
+              <a:ext uri="{FF2B5EF4-FFF2-40B4-BE49-F238E27FC236}">
+                <a16:creationId xmlns:a16="http://schemas.microsoft.com/office/drawing/2014/main" id="{87E2D704-6CA7-FA6C-184A-29AD22314EE5}"/>
+              </a:ext>
+            </a:extLst>
+          </p:cNvPr>
+          <p:cNvSpPr txBox="1"/>
+          <p:nvPr/>
+        </p:nvSpPr>
+        <p:spPr>
+          <a:xfrm>
+            <a:off x="8546515" y="0"/>
+            <a:ext cx="3645485" cy="584775"/>
+          </a:xfrm>
+          <a:prstGeom prst="rect">
+            <a:avLst/>
+          </a:prstGeom>
+          <a:noFill/>
+        </p:spPr>
+        <p:txBody>
+          <a:bodyPr wrap="none" rtlCol="0">
+            <a:spAutoFit/>
+          </a:bodyPr>
+          <a:lstStyle/>
+          <a:p>
+            <a:pPr algn="r"/>
+            <a:r>
+              <a:rPr lang="ru-RU" sz="3200" dirty="0"/>
+              <a:t>Спецсимволы </a:t>
+            </a:r>
+            <a:r>
+              <a:rPr lang="en-US" sz="3200" dirty="0"/>
+              <a:t>LaTeX</a:t>
+            </a:r>
+            <a:endParaRPr lang="ru-RU" sz="3200" dirty="0"/>
+          </a:p>
+        </p:txBody>
+      </p:sp>
+      <p:sp>
+        <p:nvSpPr>
+          <p:cNvPr id="10" name="TextBox 9">
+            <a:extLst>
+              <a:ext uri="{FF2B5EF4-FFF2-40B4-BE49-F238E27FC236}">
+                <a16:creationId xmlns:a16="http://schemas.microsoft.com/office/drawing/2014/main" id="{1D4FA2B7-5F10-B53D-A7FF-CD461214486B}"/>
+              </a:ext>
+            </a:extLst>
+          </p:cNvPr>
+          <p:cNvSpPr txBox="1"/>
+          <p:nvPr/>
+        </p:nvSpPr>
+        <p:spPr>
+          <a:xfrm>
+            <a:off x="350323" y="682833"/>
+            <a:ext cx="6375976" cy="3170099"/>
+          </a:xfrm>
+          <a:prstGeom prst="rect">
+            <a:avLst/>
+          </a:prstGeom>
+          <a:noFill/>
+        </p:spPr>
+        <p:txBody>
+          <a:bodyPr wrap="none" rtlCol="0">
+            <a:spAutoFit/>
+          </a:bodyPr>
+          <a:lstStyle/>
+          <a:p>
+            <a:pPr marL="342900" indent="-342900">
+              <a:buFont typeface="Arial" panose="020B0604020202020204" pitchFamily="34" charset="0"/>
+              <a:buChar char="•"/>
+            </a:pPr>
+            <a:r>
+              <a:rPr lang="en-US" sz="2000" dirty="0"/>
+              <a:t>\ </a:t>
+            </a:r>
+            <a:r>
+              <a:rPr lang="ru-RU" sz="2000" dirty="0"/>
+              <a:t>Начало команды</a:t>
+            </a:r>
+            <a:r>
+              <a:rPr lang="en-US" sz="2000" dirty="0"/>
+              <a:t>: \alpha</a:t>
+            </a:r>
+            <a:endParaRPr lang="ru-RU" sz="2000" dirty="0"/>
+          </a:p>
+          <a:p>
+            <a:pPr marL="342900" indent="-342900">
+              <a:buFont typeface="Arial" panose="020B0604020202020204" pitchFamily="34" charset="0"/>
+              <a:buChar char="•"/>
+            </a:pPr>
+            <a:r>
+              <a:rPr lang="ru-RU" sz="2000" dirty="0"/>
+              <a:t>% Комментарий: </a:t>
+            </a:r>
+            <a:r>
+              <a:rPr lang="ru-RU" sz="2000" i="1" dirty="0"/>
+              <a:t>% не печатается до конца строки</a:t>
+            </a:r>
+          </a:p>
+          <a:p>
+            <a:pPr marL="342900" indent="-342900">
+              <a:buFont typeface="Arial" panose="020B0604020202020204" pitchFamily="34" charset="0"/>
+              <a:buChar char="•"/>
+            </a:pPr>
+            <a:r>
+              <a:rPr lang="en-US" sz="2000" dirty="0"/>
+              <a:t>{</a:t>
+            </a:r>
+            <a:r>
+              <a:rPr lang="ru-RU" sz="2000" dirty="0"/>
+              <a:t> </a:t>
+            </a:r>
+            <a:r>
+              <a:rPr lang="en-US" sz="2000" dirty="0"/>
+              <a:t>}</a:t>
+            </a:r>
+            <a:r>
+              <a:rPr lang="ru-RU" sz="2000" dirty="0"/>
+              <a:t> Группировка</a:t>
+            </a:r>
+          </a:p>
+          <a:p>
+            <a:pPr marL="342900" indent="-342900">
+              <a:buFont typeface="Arial" panose="020B0604020202020204" pitchFamily="34" charset="0"/>
+              <a:buChar char="•"/>
+            </a:pPr>
+            <a:r>
+              <a:rPr lang="en-US" sz="2000" dirty="0"/>
+              <a:t>^ </a:t>
+            </a:r>
+            <a:r>
+              <a:rPr lang="ru-RU" sz="2000" dirty="0"/>
+              <a:t>Верхний регистр</a:t>
+            </a:r>
+          </a:p>
+          <a:p>
+            <a:pPr marL="342900" indent="-342900">
+              <a:buFont typeface="Arial" panose="020B0604020202020204" pitchFamily="34" charset="0"/>
+              <a:buChar char="•"/>
+            </a:pPr>
+            <a:r>
+              <a:rPr lang="en-US" sz="2000" dirty="0"/>
+              <a:t>_ </a:t>
+            </a:r>
+            <a:r>
+              <a:rPr lang="ru-RU" sz="2000" dirty="0"/>
+              <a:t>Нижний регистр</a:t>
+            </a:r>
+            <a:endParaRPr lang="en-US" sz="2000" dirty="0"/>
+          </a:p>
+          <a:p>
+            <a:pPr marL="342900" indent="-342900">
+              <a:buFont typeface="Arial" panose="020B0604020202020204" pitchFamily="34" charset="0"/>
+              <a:buChar char="•"/>
+            </a:pPr>
+            <a:r>
+              <a:rPr lang="en-US" sz="2000" dirty="0"/>
+              <a:t>~ </a:t>
+            </a:r>
+            <a:r>
+              <a:rPr lang="ru-RU" sz="2000" dirty="0"/>
+              <a:t>Неразрывный пробел</a:t>
+            </a:r>
+            <a:r>
+              <a:rPr lang="en-US" sz="2000" dirty="0"/>
+              <a:t>: </a:t>
+            </a:r>
+            <a:r>
+              <a:rPr lang="ru-RU" sz="2000" i="1" dirty="0"/>
+              <a:t>Б.</a:t>
+            </a:r>
+            <a:r>
+              <a:rPr lang="en-US" sz="2000" i="1" dirty="0"/>
+              <a:t>~</a:t>
+            </a:r>
+            <a:r>
+              <a:rPr lang="ru-RU" sz="2000" i="1" dirty="0"/>
+              <a:t>Н.</a:t>
+            </a:r>
+            <a:r>
+              <a:rPr lang="en-US" sz="2000" i="1" dirty="0"/>
+              <a:t>~</a:t>
+            </a:r>
+            <a:r>
+              <a:rPr lang="ru-RU" sz="2000" i="1" dirty="0"/>
+              <a:t>Ельцин, 127</a:t>
+            </a:r>
+            <a:r>
+              <a:rPr lang="en-US" sz="2000" i="1" dirty="0"/>
+              <a:t>~</a:t>
+            </a:r>
+            <a:r>
+              <a:rPr lang="ru-RU" sz="2000" i="1" dirty="0"/>
+              <a:t>м, 2023</a:t>
+            </a:r>
+            <a:r>
+              <a:rPr lang="en-US" sz="2000" i="1" dirty="0"/>
+              <a:t>~</a:t>
+            </a:r>
+            <a:r>
+              <a:rPr lang="ru-RU" sz="2000" i="1" dirty="0"/>
+              <a:t>г</a:t>
+            </a:r>
+            <a:endParaRPr lang="en-US" sz="2000" i="1" dirty="0"/>
+          </a:p>
+          <a:p>
+            <a:pPr marL="342900" indent="-342900">
+              <a:buFont typeface="Arial" panose="020B0604020202020204" pitchFamily="34" charset="0"/>
+              <a:buChar char="•"/>
+            </a:pPr>
+            <a:r>
+              <a:rPr lang="en-US" sz="2000" dirty="0"/>
+              <a:t>$ </a:t>
+            </a:r>
+            <a:r>
+              <a:rPr lang="ru-RU" sz="2000" dirty="0"/>
+              <a:t>Формула</a:t>
+            </a:r>
+            <a:r>
+              <a:rPr lang="en-US" sz="2000" dirty="0"/>
+              <a:t>: </a:t>
+            </a:r>
+            <a:r>
+              <a:rPr lang="en-US" sz="2000" i="1" dirty="0"/>
+              <a:t>$ a x^2 + b x + c = 0 $</a:t>
+            </a:r>
+          </a:p>
+          <a:p>
+            <a:pPr marL="342900" indent="-342900">
+              <a:buFont typeface="Arial" panose="020B0604020202020204" pitchFamily="34" charset="0"/>
+              <a:buChar char="•"/>
+            </a:pPr>
+            <a:r>
+              <a:rPr lang="en-US" sz="2000" dirty="0"/>
+              <a:t>&amp; </a:t>
+            </a:r>
+            <a:r>
+              <a:rPr lang="ru-RU" sz="2000" dirty="0"/>
+              <a:t>Разделитель колонок</a:t>
+            </a:r>
+            <a:endParaRPr lang="en-US" sz="2000" dirty="0"/>
+          </a:p>
+          <a:p>
+            <a:pPr marL="342900" indent="-342900">
+              <a:buFont typeface="Arial" panose="020B0604020202020204" pitchFamily="34" charset="0"/>
+              <a:buChar char="•"/>
+            </a:pPr>
+            <a:r>
+              <a:rPr lang="en-US" sz="2000" dirty="0"/>
+              <a:t># </a:t>
+            </a:r>
+            <a:r>
+              <a:rPr lang="en-US" sz="2000" i="1" dirty="0"/>
+              <a:t>???</a:t>
+            </a:r>
+            <a:endParaRPr lang="ru-RU" sz="2000" i="1" dirty="0"/>
+          </a:p>
+          <a:p>
+            <a:pPr marL="342900" indent="-342900">
+              <a:buFont typeface="Arial" panose="020B0604020202020204" pitchFamily="34" charset="0"/>
+              <a:buChar char="•"/>
+            </a:pPr>
+            <a:endParaRPr lang="en-US" sz="2000" dirty="0"/>
+          </a:p>
+        </p:txBody>
+      </p:sp>
+      <p:sp>
+        <p:nvSpPr>
+          <p:cNvPr id="5" name="TextBox 4">
+            <a:extLst>
+              <a:ext uri="{FF2B5EF4-FFF2-40B4-BE49-F238E27FC236}">
+                <a16:creationId xmlns:a16="http://schemas.microsoft.com/office/drawing/2014/main" id="{E5D8239B-6810-4A9C-AC29-100CC8820F30}"/>
+              </a:ext>
+            </a:extLst>
+          </p:cNvPr>
+          <p:cNvSpPr txBox="1"/>
+          <p:nvPr/>
+        </p:nvSpPr>
+        <p:spPr>
+          <a:xfrm>
+            <a:off x="7920841" y="2108056"/>
+            <a:ext cx="3342710" cy="3416320"/>
+          </a:xfrm>
+          <a:prstGeom prst="rect">
+            <a:avLst/>
+          </a:prstGeom>
+          <a:solidFill>
+            <a:schemeClr val="bg1"/>
+          </a:solidFill>
+          <a:ln>
+            <a:solidFill>
+              <a:schemeClr val="tx1"/>
+            </a:solidFill>
+          </a:ln>
+          <a:effectLst>
+            <a:outerShdw blurRad="50800" dist="38100" dir="2700000" algn="tl" rotWithShape="0">
+              <a:prstClr val="black">
+                <a:alpha val="40000"/>
+              </a:prstClr>
+            </a:outerShdw>
+          </a:effectLst>
+        </p:spPr>
+        <p:txBody>
+          <a:bodyPr wrap="none" rtlCol="0">
+            <a:spAutoFit/>
+          </a:bodyPr>
+          <a:lstStyle/>
+          <a:p>
+            <a:r>
+              <a:rPr lang="ru-RU" b="1" dirty="0"/>
+              <a:t>Экранирование</a:t>
+            </a:r>
+            <a:r>
+              <a:rPr lang="ru-RU" dirty="0"/>
+              <a:t>:</a:t>
+            </a:r>
+          </a:p>
+          <a:p>
+            <a:pPr marL="285750" indent="-285750">
+              <a:buFont typeface="Arial" panose="020B0604020202020204" pitchFamily="34" charset="0"/>
+              <a:buChar char="•"/>
+            </a:pPr>
+            <a:r>
+              <a:rPr lang="en-US" dirty="0"/>
+              <a:t>\% = %</a:t>
+            </a:r>
+          </a:p>
+          <a:p>
+            <a:pPr marL="285750" indent="-285750">
+              <a:buFont typeface="Arial" panose="020B0604020202020204" pitchFamily="34" charset="0"/>
+              <a:buChar char="•"/>
+            </a:pPr>
+            <a:r>
+              <a:rPr lang="en-US" dirty="0"/>
+              <a:t>\{ = {</a:t>
+            </a:r>
+          </a:p>
+          <a:p>
+            <a:pPr marL="285750" indent="-285750">
+              <a:buFont typeface="Arial" panose="020B0604020202020204" pitchFamily="34" charset="0"/>
+              <a:buChar char="•"/>
+            </a:pPr>
+            <a:r>
+              <a:rPr lang="en-US" dirty="0"/>
+              <a:t>\$ = $</a:t>
+            </a:r>
+          </a:p>
+          <a:p>
+            <a:pPr marL="285750" indent="-285750">
+              <a:buFont typeface="Arial" panose="020B0604020202020204" pitchFamily="34" charset="0"/>
+              <a:buChar char="•"/>
+            </a:pPr>
+            <a:r>
+              <a:rPr lang="en-US" dirty="0"/>
+              <a:t>…</a:t>
+            </a:r>
+          </a:p>
+          <a:p>
+            <a:pPr marL="285750" indent="-285750">
+              <a:buFont typeface="Arial" panose="020B0604020202020204" pitchFamily="34" charset="0"/>
+              <a:buChar char="•"/>
+            </a:pPr>
+            <a:r>
+              <a:rPr lang="ru-RU" dirty="0"/>
+              <a:t>Но</a:t>
+            </a:r>
+            <a:r>
+              <a:rPr lang="en-US" dirty="0"/>
+              <a:t>!</a:t>
+            </a:r>
+          </a:p>
+          <a:p>
+            <a:pPr marL="742950" lvl="1" indent="-285750">
+              <a:buFont typeface="Arial" panose="020B0604020202020204" pitchFamily="34" charset="0"/>
+              <a:buChar char="•"/>
+            </a:pPr>
+            <a:r>
+              <a:rPr lang="en-US" dirty="0"/>
+              <a:t>\\ = </a:t>
+            </a:r>
+            <a:r>
+              <a:rPr lang="ru-RU" dirty="0"/>
+              <a:t>перевод строки</a:t>
+            </a:r>
+            <a:endParaRPr lang="en-US" dirty="0"/>
+          </a:p>
+          <a:p>
+            <a:pPr marL="742950" lvl="1" indent="-285750">
+              <a:buFont typeface="Arial" panose="020B0604020202020204" pitchFamily="34" charset="0"/>
+              <a:buChar char="•"/>
+            </a:pPr>
+            <a:r>
+              <a:rPr lang="en-US" dirty="0"/>
+              <a:t>\\ = \newline</a:t>
+            </a:r>
+            <a:endParaRPr lang="ru-RU" dirty="0"/>
+          </a:p>
+          <a:p>
+            <a:pPr marL="285750" indent="-285750">
+              <a:buFont typeface="Arial" panose="020B0604020202020204" pitchFamily="34" charset="0"/>
+              <a:buChar char="•"/>
+            </a:pPr>
+            <a:r>
+              <a:rPr lang="en-US" dirty="0"/>
+              <a:t>\backslash = \</a:t>
+            </a:r>
+            <a:r>
+              <a:rPr lang="en-US" dirty="0" err="1"/>
+              <a:t>textbackslash</a:t>
+            </a:r>
+            <a:r>
+              <a:rPr lang="en-US" dirty="0"/>
+              <a:t> = \</a:t>
+            </a:r>
+          </a:p>
+          <a:p>
+            <a:pPr marL="285750" indent="-285750">
+              <a:buFont typeface="Arial" panose="020B0604020202020204" pitchFamily="34" charset="0"/>
+              <a:buChar char="•"/>
+            </a:pPr>
+            <a:r>
+              <a:rPr lang="ru-RU" dirty="0"/>
+              <a:t>Для </a:t>
+            </a:r>
+            <a:r>
+              <a:rPr lang="en-US" dirty="0"/>
+              <a:t>~ </a:t>
+            </a:r>
+            <a:r>
+              <a:rPr lang="ru-RU" dirty="0"/>
+              <a:t>лучше </a:t>
+            </a:r>
+            <a:r>
+              <a:rPr lang="en-US" dirty="0"/>
+              <a:t>$\sim$</a:t>
+            </a:r>
+          </a:p>
+          <a:p>
+            <a:endParaRPr lang="ru-RU" dirty="0"/>
+          </a:p>
+          <a:p>
+            <a:pPr marL="285750" indent="-285750">
+              <a:buFont typeface="Arial" panose="020B0604020202020204" pitchFamily="34" charset="0"/>
+              <a:buChar char="•"/>
+            </a:pPr>
+            <a:endParaRPr lang="ru-RU" dirty="0"/>
+          </a:p>
+        </p:txBody>
+      </p:sp>
+    </p:spTree>
+    <p:extLst>
+      <p:ext uri="{BB962C8B-B14F-4D97-AF65-F5344CB8AC3E}">
+        <p14:creationId xmlns:p14="http://schemas.microsoft.com/office/powerpoint/2010/main" val="2625982185"/>
+      </p:ext>
+    </p:extLst>
+  </p:cSld>
+  <p:clrMapOvr>
+    <a:masterClrMapping/>
+  </p:clrMapOvr>
+</p:sld>
+</file>
+
+<file path=ppt/slides/slide8.xml><?xml version="1.0" encoding="utf-8"?>
+<p:sld xmlns:a="http://schemas.openxmlformats.org/drawingml/2006/main" xmlns:r="http://schemas.openxmlformats.org/officeDocument/2006/relationships" xmlns:p="http://schemas.openxmlformats.org/presentationml/2006/main">
+  <p:cSld>
+    <p:spTree>
+      <p:nvGrpSpPr>
+        <p:cNvPr id="1" name=""/>
+        <p:cNvGrpSpPr/>
+        <p:nvPr/>
+      </p:nvGrpSpPr>
+      <p:grpSpPr>
+        <a:xfrm>
+          <a:off x="0" y="0"/>
+          <a:ext cx="0" cy="0"/>
+          <a:chOff x="0" y="0"/>
+          <a:chExt cx="0" cy="0"/>
+        </a:xfrm>
+      </p:grpSpPr>
+      <p:sp>
+        <p:nvSpPr>
+          <p:cNvPr id="9" name="TextBox 8">
+            <a:extLst>
+              <a:ext uri="{FF2B5EF4-FFF2-40B4-BE49-F238E27FC236}">
+                <a16:creationId xmlns:a16="http://schemas.microsoft.com/office/drawing/2014/main" id="{87E2D704-6CA7-FA6C-184A-29AD22314EE5}"/>
+              </a:ext>
+            </a:extLst>
+          </p:cNvPr>
+          <p:cNvSpPr txBox="1"/>
+          <p:nvPr/>
+        </p:nvSpPr>
+        <p:spPr>
+          <a:xfrm>
+            <a:off x="8582357" y="0"/>
+            <a:ext cx="3609643" cy="584775"/>
+          </a:xfrm>
+          <a:prstGeom prst="rect">
+            <a:avLst/>
+          </a:prstGeom>
+          <a:noFill/>
+        </p:spPr>
+        <p:txBody>
+          <a:bodyPr wrap="none" rtlCol="0">
+            <a:spAutoFit/>
+          </a:bodyPr>
+          <a:lstStyle/>
+          <a:p>
+            <a:pPr algn="r"/>
+            <a:r>
+              <a:rPr lang="ru-RU" sz="3200" dirty="0"/>
+              <a:t>Классы документов</a:t>
+            </a:r>
+          </a:p>
+        </p:txBody>
+      </p:sp>
+      <p:sp>
+        <p:nvSpPr>
+          <p:cNvPr id="10" name="TextBox 9">
+            <a:extLst>
+              <a:ext uri="{FF2B5EF4-FFF2-40B4-BE49-F238E27FC236}">
+                <a16:creationId xmlns:a16="http://schemas.microsoft.com/office/drawing/2014/main" id="{1D4FA2B7-5F10-B53D-A7FF-CD461214486B}"/>
+              </a:ext>
+            </a:extLst>
+          </p:cNvPr>
+          <p:cNvSpPr txBox="1"/>
+          <p:nvPr/>
+        </p:nvSpPr>
+        <p:spPr>
+          <a:xfrm>
+            <a:off x="471590" y="566678"/>
+            <a:ext cx="6359235" cy="3170099"/>
+          </a:xfrm>
+          <a:prstGeom prst="rect">
+            <a:avLst/>
+          </a:prstGeom>
+          <a:noFill/>
+        </p:spPr>
+        <p:txBody>
+          <a:bodyPr wrap="square" rtlCol="0">
+            <a:spAutoFit/>
+          </a:bodyPr>
+          <a:lstStyle/>
+          <a:p>
+            <a:r>
+              <a:rPr lang="en-US" sz="2000" dirty="0"/>
+              <a:t>\</a:t>
+            </a:r>
+            <a:r>
+              <a:rPr lang="en-US" sz="2000" b="1" dirty="0" err="1"/>
+              <a:t>documentclass</a:t>
+            </a:r>
+            <a:r>
+              <a:rPr lang="en-US" sz="2000" dirty="0"/>
+              <a:t>[11pt]{</a:t>
+            </a:r>
+            <a:r>
+              <a:rPr lang="en-US" sz="2000" u="sng" dirty="0"/>
+              <a:t>article</a:t>
+            </a:r>
+            <a:r>
+              <a:rPr lang="en-US" sz="2000" dirty="0"/>
+              <a:t>}</a:t>
+            </a:r>
+          </a:p>
+          <a:p>
+            <a:pPr marL="342900" indent="-342900">
+              <a:buFont typeface="Arial" panose="020B0604020202020204" pitchFamily="34" charset="0"/>
+              <a:buChar char="•"/>
+            </a:pPr>
+            <a:r>
+              <a:rPr lang="en-US" sz="2000" dirty="0"/>
+              <a:t>article – </a:t>
+            </a:r>
+            <a:r>
+              <a:rPr lang="ru-RU" sz="2000" dirty="0"/>
+              <a:t>статьи в научных журналах, отчёты, письма…</a:t>
+            </a:r>
+          </a:p>
+          <a:p>
+            <a:pPr marL="342900" indent="-342900">
+              <a:buFont typeface="Arial" panose="020B0604020202020204" pitchFamily="34" charset="0"/>
+              <a:buChar char="•"/>
+            </a:pPr>
+            <a:r>
+              <a:rPr lang="en-US" sz="2000" dirty="0"/>
+              <a:t>report – </a:t>
+            </a:r>
+            <a:r>
+              <a:rPr lang="ru-RU" sz="2000" dirty="0"/>
+              <a:t>более длинные отчёты, содержащие несколько глав, небольшие книги, диссертации</a:t>
+            </a:r>
+          </a:p>
+          <a:p>
+            <a:pPr marL="342900" indent="-342900">
+              <a:buFont typeface="Arial" panose="020B0604020202020204" pitchFamily="34" charset="0"/>
+              <a:buChar char="•"/>
+            </a:pPr>
+            <a:r>
+              <a:rPr lang="en-US" sz="2000" dirty="0"/>
+              <a:t>book </a:t>
+            </a:r>
+            <a:r>
+              <a:rPr lang="ru-RU" sz="2000" dirty="0"/>
+              <a:t>– книга</a:t>
+            </a:r>
+          </a:p>
+          <a:p>
+            <a:pPr marL="342900" indent="-342900">
+              <a:buFont typeface="Arial" panose="020B0604020202020204" pitchFamily="34" charset="0"/>
+              <a:buChar char="•"/>
+            </a:pPr>
+            <a:r>
+              <a:rPr lang="en-US" sz="2000" dirty="0"/>
+              <a:t>slides – </a:t>
+            </a:r>
+            <a:r>
+              <a:rPr lang="ru-RU" sz="2000" dirty="0"/>
+              <a:t>слайды (презентации)</a:t>
+            </a:r>
+          </a:p>
+          <a:p>
+            <a:pPr marL="800100" lvl="1" indent="-342900">
+              <a:buFont typeface="Arial" panose="020B0604020202020204" pitchFamily="34" charset="0"/>
+              <a:buChar char="•"/>
+            </a:pPr>
+            <a:r>
+              <a:rPr lang="ru-RU" sz="2000" dirty="0"/>
+              <a:t>Лучше: </a:t>
+            </a:r>
+            <a:r>
+              <a:rPr lang="en-US" sz="2000" dirty="0"/>
+              <a:t>beamer</a:t>
+            </a:r>
+            <a:endParaRPr lang="ru-RU" sz="2000" dirty="0"/>
+          </a:p>
+          <a:p>
+            <a:pPr marL="342900" indent="-342900">
+              <a:buFont typeface="Arial" panose="020B0604020202020204" pitchFamily="34" charset="0"/>
+              <a:buChar char="•"/>
+            </a:pPr>
+            <a:r>
+              <a:rPr lang="ru-RU" sz="2000" i="1" dirty="0"/>
+              <a:t>Нестандартные классы…</a:t>
+            </a:r>
+          </a:p>
+          <a:p>
+            <a:pPr marL="800100" lvl="1" indent="-342900">
+              <a:buFont typeface="Arial" panose="020B0604020202020204" pitchFamily="34" charset="0"/>
+              <a:buChar char="•"/>
+            </a:pPr>
+            <a:r>
+              <a:rPr lang="en-US" sz="2000" dirty="0" err="1"/>
+              <a:t>extarticle</a:t>
+            </a:r>
+            <a:r>
+              <a:rPr lang="en-US" sz="2000" dirty="0"/>
+              <a:t>, </a:t>
+            </a:r>
+            <a:r>
+              <a:rPr lang="en-US" sz="2000" dirty="0" err="1"/>
+              <a:t>extreport</a:t>
+            </a:r>
+            <a:r>
+              <a:rPr lang="en-US" sz="2000" dirty="0"/>
+              <a:t> – [14pt]</a:t>
+            </a:r>
+            <a:endParaRPr lang="ru-RU" sz="2000" dirty="0"/>
+          </a:p>
+          <a:p>
+            <a:endParaRPr lang="en-US" sz="2000" dirty="0"/>
+          </a:p>
+        </p:txBody>
+      </p:sp>
+      <p:sp>
+        <p:nvSpPr>
+          <p:cNvPr id="2" name="TextBox 1">
+            <a:extLst>
+              <a:ext uri="{FF2B5EF4-FFF2-40B4-BE49-F238E27FC236}">
+                <a16:creationId xmlns:a16="http://schemas.microsoft.com/office/drawing/2014/main" id="{6AF916BC-A77E-0A95-16C1-C5CD76A7BFBF}"/>
+              </a:ext>
+            </a:extLst>
+          </p:cNvPr>
+          <p:cNvSpPr txBox="1"/>
+          <p:nvPr/>
+        </p:nvSpPr>
+        <p:spPr>
+          <a:xfrm>
+            <a:off x="5402739" y="2247035"/>
+            <a:ext cx="6359235" cy="4093428"/>
+          </a:xfrm>
+          <a:prstGeom prst="rect">
+            <a:avLst/>
+          </a:prstGeom>
+          <a:noFill/>
+        </p:spPr>
+        <p:txBody>
+          <a:bodyPr wrap="square" rtlCol="0">
+            <a:spAutoFit/>
+          </a:bodyPr>
+          <a:lstStyle/>
+          <a:p>
+            <a:r>
+              <a:rPr lang="ru-RU" sz="2000" dirty="0"/>
+              <a:t>Параметры:</a:t>
+            </a:r>
+          </a:p>
+          <a:p>
+            <a:pPr marL="342900" indent="-342900">
+              <a:buFont typeface="Arial" panose="020B0604020202020204" pitchFamily="34" charset="0"/>
+              <a:buChar char="•"/>
+            </a:pPr>
+            <a:r>
+              <a:rPr lang="en-US" sz="2000" dirty="0"/>
+              <a:t>10pt 11pt 12pt</a:t>
+            </a:r>
+            <a:r>
+              <a:rPr lang="ru-RU" sz="2000" dirty="0"/>
+              <a:t> – размер шрифта</a:t>
+            </a:r>
+            <a:endParaRPr lang="en-US" sz="2000" dirty="0"/>
+          </a:p>
+          <a:p>
+            <a:pPr marL="342900" indent="-342900">
+              <a:buFont typeface="Arial" panose="020B0604020202020204" pitchFamily="34" charset="0"/>
+              <a:buChar char="•"/>
+            </a:pPr>
+            <a:r>
+              <a:rPr lang="en-US" sz="2000" dirty="0"/>
+              <a:t>a4paper </a:t>
+            </a:r>
+            <a:r>
+              <a:rPr lang="en-US" sz="2000" dirty="0" err="1"/>
+              <a:t>letterpaper</a:t>
+            </a:r>
+            <a:r>
+              <a:rPr lang="ru-RU" sz="2000" dirty="0"/>
+              <a:t> – размер бумаги</a:t>
+            </a:r>
+            <a:endParaRPr lang="en-US" sz="2000" dirty="0"/>
+          </a:p>
+          <a:p>
+            <a:pPr marL="342900" indent="-342900">
+              <a:buFont typeface="Arial" panose="020B0604020202020204" pitchFamily="34" charset="0"/>
+              <a:buChar char="•"/>
+            </a:pPr>
+            <a:r>
+              <a:rPr lang="en-US" sz="2000" dirty="0"/>
+              <a:t>landscape</a:t>
+            </a:r>
+            <a:r>
+              <a:rPr lang="ru-RU" sz="2000" dirty="0"/>
+              <a:t> – ориентация страницы</a:t>
+            </a:r>
+            <a:endParaRPr lang="en-US" sz="2000" dirty="0"/>
+          </a:p>
+          <a:p>
+            <a:pPr marL="342900" indent="-342900">
+              <a:buFont typeface="Arial" panose="020B0604020202020204" pitchFamily="34" charset="0"/>
+              <a:buChar char="•"/>
+            </a:pPr>
+            <a:r>
+              <a:rPr lang="en-US" sz="2000" dirty="0"/>
+              <a:t>titlepage </a:t>
+            </a:r>
+            <a:r>
+              <a:rPr lang="en-US" sz="2000" dirty="0" err="1"/>
+              <a:t>notitlepage</a:t>
+            </a:r>
+            <a:r>
+              <a:rPr lang="ru-RU" sz="2000" dirty="0"/>
+              <a:t> – заголовок на отдельной странице</a:t>
+            </a:r>
+          </a:p>
+          <a:p>
+            <a:pPr marL="800100" lvl="1" indent="-342900">
+              <a:buFont typeface="Arial" panose="020B0604020202020204" pitchFamily="34" charset="0"/>
+              <a:buChar char="•"/>
+            </a:pPr>
+            <a:r>
+              <a:rPr lang="en-US" sz="2000" dirty="0"/>
+              <a:t>article: </a:t>
+            </a:r>
+            <a:r>
+              <a:rPr lang="en-US" sz="2000" dirty="0" err="1"/>
+              <a:t>notitlepage</a:t>
+            </a:r>
+            <a:endParaRPr lang="en-US" sz="2000" dirty="0"/>
+          </a:p>
+          <a:p>
+            <a:pPr marL="800100" lvl="1" indent="-342900">
+              <a:buFont typeface="Arial" panose="020B0604020202020204" pitchFamily="34" charset="0"/>
+              <a:buChar char="•"/>
+            </a:pPr>
+            <a:r>
+              <a:rPr lang="en-US" sz="2000" dirty="0"/>
+              <a:t>report, book: titlepage</a:t>
+            </a:r>
+          </a:p>
+          <a:p>
+            <a:pPr marL="342900" indent="-342900">
+              <a:buFont typeface="Arial" panose="020B0604020202020204" pitchFamily="34" charset="0"/>
+              <a:buChar char="•"/>
+            </a:pPr>
+            <a:r>
+              <a:rPr lang="en-US" sz="2000" dirty="0" err="1"/>
+              <a:t>onecolumn</a:t>
+            </a:r>
+            <a:r>
+              <a:rPr lang="en-US" sz="2000" dirty="0"/>
+              <a:t> </a:t>
+            </a:r>
+            <a:r>
+              <a:rPr lang="en-US" sz="2000" dirty="0" err="1"/>
+              <a:t>twocolumn</a:t>
+            </a:r>
+            <a:r>
+              <a:rPr lang="ru-RU" sz="2000" dirty="0"/>
+              <a:t> – колонки	</a:t>
+            </a:r>
+            <a:endParaRPr lang="en-US" sz="2000" dirty="0"/>
+          </a:p>
+          <a:p>
+            <a:pPr marL="342900" indent="-342900">
+              <a:buFont typeface="Arial" panose="020B0604020202020204" pitchFamily="34" charset="0"/>
+              <a:buChar char="•"/>
+            </a:pPr>
+            <a:r>
+              <a:rPr lang="en-US" sz="2000" dirty="0" err="1"/>
+              <a:t>oneside</a:t>
+            </a:r>
+            <a:r>
+              <a:rPr lang="en-US" sz="2000" dirty="0"/>
+              <a:t> </a:t>
+            </a:r>
+            <a:r>
+              <a:rPr lang="en-US" sz="2000" dirty="0" err="1"/>
+              <a:t>twoside</a:t>
+            </a:r>
+            <a:r>
+              <a:rPr lang="ru-RU" sz="2000" dirty="0"/>
+              <a:t> – зеркальные поля</a:t>
+            </a:r>
+            <a:endParaRPr lang="en-US" sz="2000" dirty="0"/>
+          </a:p>
+          <a:p>
+            <a:pPr marL="342900" indent="-342900">
+              <a:buFont typeface="Arial" panose="020B0604020202020204" pitchFamily="34" charset="0"/>
+              <a:buChar char="•"/>
+            </a:pPr>
+            <a:r>
+              <a:rPr lang="en-US" sz="2000" dirty="0" err="1"/>
+              <a:t>openright</a:t>
+            </a:r>
+            <a:r>
+              <a:rPr lang="en-US" sz="2000" dirty="0"/>
+              <a:t> </a:t>
+            </a:r>
+            <a:r>
+              <a:rPr lang="en-US" sz="2000" dirty="0" err="1"/>
+              <a:t>openany</a:t>
+            </a:r>
+            <a:r>
+              <a:rPr lang="ru-RU" sz="2000" dirty="0"/>
+              <a:t> – начало глав справа на развороте</a:t>
+            </a:r>
+          </a:p>
+          <a:p>
+            <a:pPr marL="342900" indent="-342900">
+              <a:buFont typeface="Arial" panose="020B0604020202020204" pitchFamily="34" charset="0"/>
+              <a:buChar char="•"/>
+            </a:pPr>
+            <a:r>
+              <a:rPr lang="en-US" sz="2000" dirty="0"/>
+              <a:t>draft - </a:t>
+            </a:r>
+            <a:r>
+              <a:rPr lang="ru-RU" sz="2000" dirty="0"/>
+              <a:t>черновик</a:t>
+            </a:r>
+          </a:p>
+          <a:p>
+            <a:pPr marL="342900" indent="-342900">
+              <a:buFont typeface="Arial" panose="020B0604020202020204" pitchFamily="34" charset="0"/>
+              <a:buChar char="•"/>
+            </a:pPr>
+            <a:r>
+              <a:rPr lang="ru-RU" sz="2000" dirty="0"/>
+              <a:t>…</a:t>
+            </a:r>
+            <a:endParaRPr lang="en-US" sz="2000" dirty="0"/>
+          </a:p>
+        </p:txBody>
+      </p:sp>
+    </p:spTree>
+    <p:extLst>
+      <p:ext uri="{BB962C8B-B14F-4D97-AF65-F5344CB8AC3E}">
+        <p14:creationId xmlns:p14="http://schemas.microsoft.com/office/powerpoint/2010/main" val="1619246764"/>
+      </p:ext>
+    </p:extLst>
+  </p:cSld>
+  <p:clrMapOvr>
+    <a:masterClrMapping/>
+  </p:clrMapOvr>
+</p:sld>
+</file>
+
+<file path=ppt/slides/slide9.xml><?xml version="1.0" encoding="utf-8"?>
+<p:sld xmlns:a="http://schemas.openxmlformats.org/drawingml/2006/main" xmlns:r="http://schemas.openxmlformats.org/officeDocument/2006/relationships" xmlns:p="http://schemas.openxmlformats.org/presentationml/2006/main">
+  <p:cSld>
+    <p:spTree>
+      <p:nvGrpSpPr>
+        <p:cNvPr id="1" name=""/>
+        <p:cNvGrpSpPr/>
+        <p:nvPr/>
+      </p:nvGrpSpPr>
+      <p:grpSpPr>
+        <a:xfrm>
+          <a:off x="0" y="0"/>
+          <a:ext cx="0" cy="0"/>
+          <a:chOff x="0" y="0"/>
+          <a:chExt cx="0" cy="0"/>
+        </a:xfrm>
+      </p:grpSpPr>
+      <p:sp>
+        <p:nvSpPr>
+          <p:cNvPr id="9" name="TextBox 8">
+            <a:extLst>
+              <a:ext uri="{FF2B5EF4-FFF2-40B4-BE49-F238E27FC236}">
+                <a16:creationId xmlns:a16="http://schemas.microsoft.com/office/drawing/2014/main" id="{87E2D704-6CA7-FA6C-184A-29AD22314EE5}"/>
+              </a:ext>
+            </a:extLst>
+          </p:cNvPr>
+          <p:cNvSpPr txBox="1"/>
+          <p:nvPr/>
+        </p:nvSpPr>
+        <p:spPr>
+          <a:xfrm>
+            <a:off x="9709204" y="-95003"/>
+            <a:ext cx="2482796" cy="584775"/>
+          </a:xfrm>
+          <a:prstGeom prst="rect">
+            <a:avLst/>
+          </a:prstGeom>
+          <a:noFill/>
+        </p:spPr>
+        <p:txBody>
+          <a:bodyPr wrap="none" rtlCol="0">
+            <a:spAutoFit/>
+          </a:bodyPr>
+          <a:lstStyle/>
+          <a:p>
+            <a:pPr algn="r"/>
+            <a:r>
+              <a:rPr lang="ru-RU" sz="3200" dirty="0"/>
+              <a:t>Русский язык</a:t>
+            </a:r>
+          </a:p>
+        </p:txBody>
+      </p:sp>
+      <p:sp>
+        <p:nvSpPr>
+          <p:cNvPr id="5" name="TextBox 4">
+            <a:extLst>
+              <a:ext uri="{FF2B5EF4-FFF2-40B4-BE49-F238E27FC236}">
+                <a16:creationId xmlns:a16="http://schemas.microsoft.com/office/drawing/2014/main" id="{E5D8239B-6810-4A9C-AC29-100CC8820F30}"/>
+              </a:ext>
+            </a:extLst>
+          </p:cNvPr>
+          <p:cNvSpPr txBox="1"/>
+          <p:nvPr/>
+        </p:nvSpPr>
+        <p:spPr>
+          <a:xfrm>
+            <a:off x="308758" y="560927"/>
+            <a:ext cx="6856621" cy="2862322"/>
+          </a:xfrm>
+          <a:prstGeom prst="rect">
+            <a:avLst/>
+          </a:prstGeom>
+          <a:solidFill>
+            <a:schemeClr val="bg1"/>
+          </a:solidFill>
+          <a:ln>
+            <a:solidFill>
+              <a:schemeClr val="tx1"/>
+            </a:solidFill>
+          </a:ln>
+          <a:effectLst>
+            <a:outerShdw blurRad="50800" dist="38100" dir="2700000" algn="tl" rotWithShape="0">
+              <a:prstClr val="black">
+                <a:alpha val="40000"/>
+              </a:prstClr>
+            </a:outerShdw>
+          </a:effectLst>
+        </p:spPr>
+        <p:txBody>
+          <a:bodyPr wrap="none" rtlCol="0">
+            <a:spAutoFit/>
+          </a:bodyPr>
+          <a:lstStyle/>
+          <a:p>
+            <a:r>
+              <a:rPr lang="en-US" dirty="0"/>
+              <a:t>\</a:t>
+            </a:r>
+            <a:r>
+              <a:rPr lang="en-US" dirty="0" err="1"/>
+              <a:t>usepackage</a:t>
+            </a:r>
+            <a:r>
+              <a:rPr lang="en-US" dirty="0"/>
+              <a:t>{</a:t>
+            </a:r>
+            <a:r>
+              <a:rPr lang="en-US" dirty="0" err="1"/>
+              <a:t>cmap</a:t>
+            </a:r>
+            <a:r>
+              <a:rPr lang="en-US" dirty="0"/>
+              <a:t>} </a:t>
+            </a:r>
+            <a:r>
+              <a:rPr lang="ru-RU" dirty="0"/>
+              <a:t>		</a:t>
+            </a:r>
+            <a:r>
+              <a:rPr lang="en-US" dirty="0"/>
+              <a:t>% </a:t>
+            </a:r>
+            <a:r>
+              <a:rPr lang="ru-RU" dirty="0"/>
+              <a:t>Поиск по </a:t>
+            </a:r>
+            <a:r>
+              <a:rPr lang="en-US" dirty="0"/>
+              <a:t>PDF </a:t>
+            </a:r>
+            <a:r>
+              <a:rPr lang="ru-RU" dirty="0"/>
+              <a:t>и </a:t>
+            </a:r>
+            <a:r>
+              <a:rPr lang="en-US" dirty="0" err="1"/>
+              <a:t>copy&amp;paste</a:t>
+            </a:r>
+            <a:endParaRPr lang="ru-RU" dirty="0"/>
+          </a:p>
+          <a:p>
+            <a:endParaRPr lang="ru-RU" dirty="0"/>
+          </a:p>
+          <a:p>
+            <a:r>
+              <a:rPr lang="en-US" b="1" dirty="0"/>
+              <a:t>\</a:t>
+            </a:r>
+            <a:r>
+              <a:rPr lang="en-US" b="1" dirty="0" err="1"/>
+              <a:t>usepackage</a:t>
+            </a:r>
+            <a:r>
+              <a:rPr lang="en-US" b="1" dirty="0"/>
+              <a:t>[T2A]{</a:t>
+            </a:r>
+            <a:r>
+              <a:rPr lang="en-US" b="1" dirty="0" err="1"/>
+              <a:t>fontenc</a:t>
+            </a:r>
+            <a:r>
+              <a:rPr lang="en-US" b="1" dirty="0"/>
+              <a:t>}</a:t>
+            </a:r>
+            <a:r>
+              <a:rPr lang="ru-RU" dirty="0"/>
+              <a:t>		% кодировка шрифтов</a:t>
+            </a:r>
+          </a:p>
+          <a:p>
+            <a:endParaRPr lang="ru-RU" dirty="0"/>
+          </a:p>
+          <a:p>
+            <a:r>
+              <a:rPr lang="en-US" b="1" dirty="0"/>
+              <a:t>\</a:t>
+            </a:r>
+            <a:r>
+              <a:rPr lang="en-US" b="1" dirty="0" err="1"/>
+              <a:t>usepackage</a:t>
+            </a:r>
+            <a:r>
+              <a:rPr lang="en-US" b="1" dirty="0"/>
+              <a:t>[utf8]{</a:t>
+            </a:r>
+            <a:r>
+              <a:rPr lang="en-US" b="1" dirty="0" err="1"/>
+              <a:t>inputenc</a:t>
+            </a:r>
+            <a:r>
+              <a:rPr lang="en-US" b="1" dirty="0"/>
+              <a:t>}</a:t>
+            </a:r>
+            <a:r>
+              <a:rPr lang="ru-RU" b="1" dirty="0"/>
+              <a:t>	</a:t>
+            </a:r>
+            <a:r>
+              <a:rPr lang="ru-RU" dirty="0"/>
+              <a:t>	% кодировка исходного текста</a:t>
+            </a:r>
+          </a:p>
+          <a:p>
+            <a:endParaRPr lang="ru-RU" dirty="0"/>
+          </a:p>
+          <a:p>
+            <a:r>
+              <a:rPr lang="en-US" b="1" dirty="0"/>
+              <a:t>\</a:t>
+            </a:r>
+            <a:r>
+              <a:rPr lang="en-US" b="1" dirty="0" err="1"/>
+              <a:t>usepackage</a:t>
+            </a:r>
+            <a:r>
+              <a:rPr lang="en-US" b="1" dirty="0"/>
+              <a:t>[</a:t>
+            </a:r>
+            <a:r>
+              <a:rPr lang="en-US" b="1" dirty="0" err="1"/>
+              <a:t>english,russian</a:t>
+            </a:r>
+            <a:r>
+              <a:rPr lang="en-US" b="1" dirty="0"/>
+              <a:t>]{babel}</a:t>
+            </a:r>
+            <a:r>
+              <a:rPr lang="ru-RU" dirty="0"/>
+              <a:t>	 % локализация и переносы</a:t>
+            </a:r>
+          </a:p>
+          <a:p>
+            <a:endParaRPr lang="ru-RU" dirty="0"/>
+          </a:p>
+          <a:p>
+            <a:r>
+              <a:rPr lang="en-US" dirty="0"/>
+              <a:t>\</a:t>
+            </a:r>
+            <a:r>
+              <a:rPr lang="en-US" dirty="0" err="1"/>
+              <a:t>usepackage</a:t>
+            </a:r>
+            <a:r>
+              <a:rPr lang="en-US" dirty="0"/>
+              <a:t>{</a:t>
+            </a:r>
+            <a:r>
+              <a:rPr lang="en-US" dirty="0" err="1"/>
+              <a:t>indentfirst</a:t>
+            </a:r>
+            <a:r>
+              <a:rPr lang="en-US" dirty="0"/>
+              <a:t>}</a:t>
+            </a:r>
+            <a:r>
+              <a:rPr lang="ru-RU" dirty="0"/>
+              <a:t>		</a:t>
+            </a:r>
+            <a:r>
+              <a:rPr lang="en-US" dirty="0"/>
+              <a:t>% </a:t>
+            </a:r>
+            <a:r>
+              <a:rPr lang="ru-RU" dirty="0"/>
+              <a:t>Отступ для 1 абзаца</a:t>
+            </a:r>
+          </a:p>
+          <a:p>
+            <a:r>
+              <a:rPr lang="ru-RU" dirty="0"/>
+              <a:t>\</a:t>
+            </a:r>
+            <a:r>
+              <a:rPr lang="en-US" dirty="0" err="1"/>
+              <a:t>setlength</a:t>
+            </a:r>
+            <a:r>
+              <a:rPr lang="en-US" dirty="0"/>
+              <a:t>{\</a:t>
+            </a:r>
+            <a:r>
+              <a:rPr lang="en-US" dirty="0" err="1"/>
+              <a:t>parindent</a:t>
+            </a:r>
+            <a:r>
+              <a:rPr lang="en-US" dirty="0"/>
+              <a:t>}{2.5em}</a:t>
+            </a:r>
+            <a:r>
+              <a:rPr lang="ru-RU" dirty="0"/>
+              <a:t>	</a:t>
+            </a:r>
+            <a:r>
+              <a:rPr lang="en-US" dirty="0"/>
+              <a:t>% </a:t>
+            </a:r>
+            <a:r>
+              <a:rPr lang="ru-RU" dirty="0"/>
+              <a:t>Отступ по ГОСТ</a:t>
+            </a:r>
+          </a:p>
+        </p:txBody>
+      </p:sp>
+      <p:sp>
+        <p:nvSpPr>
+          <p:cNvPr id="2" name="Облачко с текстом: прямоугольное 1">
+            <a:extLst>
+              <a:ext uri="{FF2B5EF4-FFF2-40B4-BE49-F238E27FC236}">
+                <a16:creationId xmlns:a16="http://schemas.microsoft.com/office/drawing/2014/main" id="{011C4D3A-75D4-A786-5957-6D60D781A31D}"/>
+              </a:ext>
+            </a:extLst>
+          </p:cNvPr>
+          <p:cNvSpPr/>
+          <p:nvPr/>
+        </p:nvSpPr>
+        <p:spPr>
+          <a:xfrm>
+            <a:off x="920337" y="4251366"/>
+            <a:ext cx="4055424" cy="1383475"/>
+          </a:xfrm>
+          <a:prstGeom prst="wedgeRectCallout">
+            <a:avLst>
+              <a:gd name="adj1" fmla="val -54514"/>
+              <a:gd name="adj2" fmla="val -114753"/>
+            </a:avLst>
+          </a:prstGeom>
+          <a:solidFill>
+            <a:schemeClr val="accent6">
+              <a:lumMod val="40000"/>
+              <a:lumOff val="60000"/>
+            </a:schemeClr>
+          </a:solidFill>
+        </p:spPr>
+        <p:style>
+          <a:lnRef idx="2">
+            <a:schemeClr val="accent1">
+              <a:shade val="15000"/>
+            </a:schemeClr>
+          </a:lnRef>
+          <a:fillRef idx="1">
+            <a:schemeClr val="accent1"/>
+          </a:fillRef>
+          <a:effectRef idx="0">
+            <a:schemeClr val="accent1"/>
+          </a:effectRef>
+          <a:fontRef idx="minor">
+            <a:schemeClr val="lt1"/>
+          </a:fontRef>
+        </p:style>
+        <p:txBody>
+          <a:bodyPr rtlCol="0" anchor="ctr"/>
+          <a:lstStyle/>
+          <a:p>
+            <a:r>
+              <a:rPr lang="ru-RU" dirty="0">
+                <a:solidFill>
+                  <a:schemeClr val="tx1"/>
+                </a:solidFill>
+              </a:rPr>
+              <a:t>Типографика</a:t>
+            </a:r>
+          </a:p>
+          <a:p>
+            <a:pPr marL="285750" indent="-285750">
+              <a:buFont typeface="Arial" panose="020B0604020202020204" pitchFamily="34" charset="0"/>
+              <a:buChar char="•"/>
+            </a:pPr>
+            <a:r>
+              <a:rPr lang="ru-RU" dirty="0">
+                <a:solidFill>
+                  <a:schemeClr val="tx1"/>
+                </a:solidFill>
+              </a:rPr>
+              <a:t>Английская (по умолчанию в </a:t>
+            </a:r>
+            <a:r>
+              <a:rPr lang="en-US" dirty="0">
+                <a:solidFill>
+                  <a:schemeClr val="tx1"/>
+                </a:solidFill>
+              </a:rPr>
+              <a:t>LaTeX)</a:t>
+            </a:r>
+          </a:p>
+          <a:p>
+            <a:pPr marL="285750" indent="-285750">
+              <a:buFont typeface="Arial" panose="020B0604020202020204" pitchFamily="34" charset="0"/>
+              <a:buChar char="•"/>
+            </a:pPr>
+            <a:r>
+              <a:rPr lang="ru-RU" dirty="0">
+                <a:solidFill>
+                  <a:schemeClr val="tx1"/>
+                </a:solidFill>
+              </a:rPr>
+              <a:t>Французская (она же русская)</a:t>
+            </a:r>
+          </a:p>
+          <a:p>
+            <a:endParaRPr lang="ru-RU" dirty="0">
+              <a:solidFill>
+                <a:schemeClr val="tx1"/>
+              </a:solidFill>
+            </a:endParaRPr>
+          </a:p>
+        </p:txBody>
+      </p:sp>
+      <p:sp>
+        <p:nvSpPr>
+          <p:cNvPr id="3" name="TextBox 2">
+            <a:extLst>
+              <a:ext uri="{FF2B5EF4-FFF2-40B4-BE49-F238E27FC236}">
+                <a16:creationId xmlns:a16="http://schemas.microsoft.com/office/drawing/2014/main" id="{3685DC98-C77E-8425-E570-5BA3978BC822}"/>
+              </a:ext>
+            </a:extLst>
+          </p:cNvPr>
+          <p:cNvSpPr txBox="1"/>
+          <p:nvPr/>
+        </p:nvSpPr>
+        <p:spPr>
+          <a:xfrm>
+            <a:off x="7059447" y="3674929"/>
+            <a:ext cx="4782656" cy="3046988"/>
+          </a:xfrm>
+          <a:prstGeom prst="rect">
+            <a:avLst/>
+          </a:prstGeom>
+          <a:solidFill>
+            <a:schemeClr val="bg1"/>
+          </a:solidFill>
+          <a:ln>
+            <a:solidFill>
+              <a:schemeClr val="tx1"/>
+            </a:solidFill>
+          </a:ln>
+          <a:effectLst>
+            <a:outerShdw blurRad="50800" dist="38100" dir="2700000" algn="tl" rotWithShape="0">
+              <a:prstClr val="black">
+                <a:alpha val="40000"/>
+              </a:prstClr>
+            </a:outerShdw>
+          </a:effectLst>
+        </p:spPr>
+        <p:txBody>
+          <a:bodyPr wrap="none" rtlCol="0">
+            <a:spAutoFit/>
+          </a:bodyPr>
+          <a:lstStyle/>
+          <a:p>
+            <a:r>
+              <a:rPr lang="ru-RU" sz="1600" i="1" dirty="0"/>
+              <a:t>% Убираем переносы в заголовках</a:t>
+            </a:r>
+          </a:p>
+          <a:p>
+            <a:r>
+              <a:rPr lang="ru-RU" sz="1600" dirty="0"/>
+              <a:t>\</a:t>
+            </a:r>
+            <a:r>
+              <a:rPr lang="en-US" sz="1600" dirty="0" err="1"/>
+              <a:t>usepackage</a:t>
+            </a:r>
+            <a:r>
+              <a:rPr lang="en-US" sz="1600" dirty="0"/>
+              <a:t>[</a:t>
+            </a:r>
+            <a:r>
+              <a:rPr lang="en-US" sz="1600" dirty="0" err="1"/>
+              <a:t>raggedright,tiny</a:t>
+            </a:r>
+            <a:r>
+              <a:rPr lang="en-US" sz="1600" dirty="0"/>
+              <a:t>]{</a:t>
+            </a:r>
+            <a:r>
+              <a:rPr lang="en-US" sz="1600" dirty="0" err="1"/>
+              <a:t>titlesec</a:t>
+            </a:r>
+            <a:r>
+              <a:rPr lang="en-US" sz="1600" dirty="0"/>
+              <a:t>}</a:t>
+            </a:r>
+          </a:p>
+          <a:p>
+            <a:endParaRPr lang="en-US" sz="1600" dirty="0"/>
+          </a:p>
+          <a:p>
+            <a:r>
+              <a:rPr lang="en-US" sz="1600" i="1" dirty="0"/>
+              <a:t>% </a:t>
+            </a:r>
+            <a:r>
+              <a:rPr lang="ru-RU" sz="1600" i="1" dirty="0"/>
+              <a:t>Короткое тире для ненумерованных списков</a:t>
+            </a:r>
+          </a:p>
+          <a:p>
+            <a:r>
+              <a:rPr lang="ru-RU" sz="1600" i="1" dirty="0"/>
+              <a:t>% ГОСТ 2.105-95, пункт 4.1.7, требует дефиса,</a:t>
+            </a:r>
+          </a:p>
+          <a:p>
+            <a:r>
+              <a:rPr lang="ru-RU" sz="1600" i="1" dirty="0"/>
+              <a:t>% но так лучше смотрится</a:t>
+            </a:r>
+          </a:p>
+          <a:p>
+            <a:r>
+              <a:rPr lang="ru-RU" sz="1600" dirty="0"/>
+              <a:t>\</a:t>
+            </a:r>
+            <a:r>
+              <a:rPr lang="en-US" sz="1600" dirty="0" err="1"/>
+              <a:t>renewcommand</a:t>
+            </a:r>
+            <a:r>
+              <a:rPr lang="en-US" sz="1600" dirty="0"/>
+              <a:t>{\</a:t>
+            </a:r>
+            <a:r>
+              <a:rPr lang="en-US" sz="1600" dirty="0" err="1"/>
+              <a:t>labelitemi</a:t>
+            </a:r>
+            <a:r>
+              <a:rPr lang="en-US" sz="1600" dirty="0"/>
+              <a:t>}{\</a:t>
+            </a:r>
+            <a:r>
+              <a:rPr lang="en-US" sz="1600" dirty="0" err="1"/>
+              <a:t>normalfont</a:t>
+            </a:r>
+            <a:r>
+              <a:rPr lang="en-US" sz="1600" dirty="0"/>
+              <a:t>\</a:t>
+            </a:r>
+            <a:r>
+              <a:rPr lang="en-US" sz="1600" dirty="0" err="1"/>
+              <a:t>bfseries</a:t>
+            </a:r>
+            <a:r>
+              <a:rPr lang="en-US" sz="1600" dirty="0"/>
+              <a:t>{--}}</a:t>
+            </a:r>
+          </a:p>
+          <a:p>
+            <a:endParaRPr lang="en-US" sz="1600" dirty="0"/>
+          </a:p>
+          <a:p>
+            <a:r>
+              <a:rPr lang="en-US" sz="1600" dirty="0"/>
+              <a:t>% </a:t>
+            </a:r>
+            <a:r>
+              <a:rPr lang="ru-RU" sz="1600" dirty="0"/>
+              <a:t>Не увеличивать пробел после точек</a:t>
+            </a:r>
+            <a:endParaRPr lang="en-US" sz="1600" dirty="0"/>
+          </a:p>
+          <a:p>
+            <a:r>
+              <a:rPr lang="en-US" sz="1600" dirty="0"/>
+              <a:t>\</a:t>
+            </a:r>
+            <a:r>
+              <a:rPr lang="en-US" sz="1600" dirty="0" err="1"/>
+              <a:t>frenchspacing</a:t>
+            </a:r>
+            <a:endParaRPr lang="ru-RU" sz="1600" dirty="0"/>
+          </a:p>
+          <a:p>
+            <a:endParaRPr lang="ru-RU" sz="1600" dirty="0"/>
+          </a:p>
+          <a:p>
+            <a:r>
+              <a:rPr lang="ru-RU" sz="1600" dirty="0"/>
+              <a:t> </a:t>
+            </a:r>
+            <a:r>
+              <a:rPr lang="en-US" sz="1600" dirty="0"/>
+              <a:t>…</a:t>
+            </a:r>
+          </a:p>
+        </p:txBody>
+      </p:sp>
+    </p:spTree>
+    <p:extLst>
+      <p:ext uri="{BB962C8B-B14F-4D97-AF65-F5344CB8AC3E}">
+        <p14:creationId xmlns:p14="http://schemas.microsoft.com/office/powerpoint/2010/main" val="873375276"/>
+      </p:ext>
+    </p:extLst>
+  </p:cSld>
+  <p:clrMapOvr>
+    <a:masterClrMapping/>
+  </p:clrMapOvr>
+</p:sld>
+</file>
+
 <file path=ppt/theme/theme1.xml><?xml version="1.0" encoding="utf-8"?>
 <a:theme xmlns:a="http://schemas.openxmlformats.org/drawingml/2006/main" name="Тема Office">
   <a:themeElements>
@@ -3725,4 +12608,299 @@
     </a:ext>
   </a:extLst>
 </a:theme>
+</file>
+
+<file path=ppt/theme/theme2.xml><?xml version="1.0" encoding="utf-8"?>
+<a:theme xmlns:a="http://schemas.openxmlformats.org/drawingml/2006/main" name="Тема Office">
+  <a:themeElements>
+    <a:clrScheme name="Стандартная">
+      <a:dk1>
+        <a:sysClr val="windowText" lastClr="000000"/>
+      </a:dk1>
+      <a:lt1>
+        <a:sysClr val="window" lastClr="FFFFFF"/>
+      </a:lt1>
+      <a:dk2>
+        <a:srgbClr val="44546A"/>
+      </a:dk2>
+      <a:lt2>
+        <a:srgbClr val="E7E6E6"/>
+      </a:lt2>
+      <a:accent1>
+        <a:srgbClr val="4472C4"/>
+      </a:accent1>
+      <a:accent2>
+        <a:srgbClr val="ED7D31"/>
+      </a:accent2>
+      <a:accent3>
+        <a:srgbClr val="A5A5A5"/>
+      </a:accent3>
+      <a:accent4>
+        <a:srgbClr val="FFC000"/>
+      </a:accent4>
+      <a:accent5>
+        <a:srgbClr val="5B9BD5"/>
+      </a:accent5>
+      <a:accent6>
+        <a:srgbClr val="70AD47"/>
+      </a:accent6>
+      <a:hlink>
+        <a:srgbClr val="0563C1"/>
+      </a:hlink>
+      <a:folHlink>
+        <a:srgbClr val="954F72"/>
+      </a:folHlink>
+    </a:clrScheme>
+    <a:fontScheme name="Стандартная">
+      <a:majorFont>
+        <a:latin typeface="Calibri Light" panose="020F0302020204030204"/>
+        <a:ea typeface=""/>
+        <a:cs typeface=""/>
+        <a:font script="Jpan" typeface="游ゴシック Light"/>
+        <a:font script="Hang" typeface="맑은 고딕"/>
+        <a:font script="Hans" typeface="等线 Light"/>
+        <a:font script="Hant" typeface="新細明體"/>
+        <a:font script="Arab" typeface="Times New Roman"/>
+        <a:font script="Hebr" typeface="Times New Roman"/>
+        <a:font script="Thai" typeface="Angsana New"/>
+        <a:font script="Ethi" typeface="Nyala"/>
+        <a:font script="Beng" typeface="Vrinda"/>
+        <a:font script="Gujr" typeface="Shruti"/>
+        <a:font script="Khmr" typeface="MoolBoran"/>
+        <a:font script="Knda" typeface="Tunga"/>
+        <a:font script="Guru" typeface="Raavi"/>
+        <a:font script="Cans" typeface="Euphemia"/>
+        <a:font script="Cher" typeface="Plantagenet Cherokee"/>
+        <a:font script="Yiii" typeface="Microsoft Yi Baiti"/>
+        <a:font script="Tibt" typeface="Microsoft Himalaya"/>
+        <a:font script="Thaa" typeface="MV Boli"/>
+        <a:font script="Deva" typeface="Mangal"/>
+        <a:font script="Telu" typeface="Gautami"/>
+        <a:font script="Taml" typeface="Latha"/>
+        <a:font script="Syrc" typeface="Estrangelo Edessa"/>
+        <a:font script="Orya" typeface="Kalinga"/>
+        <a:font script="Mlym" typeface="Kartika"/>
+        <a:font script="Laoo" typeface="DokChampa"/>
+        <a:font script="Sinh" typeface="Iskoola Pota"/>
+        <a:font script="Mong" typeface="Mongolian Baiti"/>
+        <a:font script="Viet" typeface="Times New Roman"/>
+        <a:font script="Uigh" typeface="Microsoft Uighur"/>
+        <a:font script="Geor" typeface="Sylfaen"/>
+        <a:font script="Armn" typeface="Arial"/>
+        <a:font script="Bugi" typeface="Leelawadee UI"/>
+        <a:font script="Bopo" typeface="Microsoft JhengHei"/>
+        <a:font script="Java" typeface="Javanese Text"/>
+        <a:font script="Lisu" typeface="Segoe UI"/>
+        <a:font script="Mymr" typeface="Myanmar Text"/>
+        <a:font script="Nkoo" typeface="Ebrima"/>
+        <a:font script="Olck" typeface="Nirmala UI"/>
+        <a:font script="Osma" typeface="Ebrima"/>
+        <a:font script="Phag" typeface="Phagspa"/>
+        <a:font script="Syrn" typeface="Estrangelo Edessa"/>
+        <a:font script="Syrj" typeface="Estrangelo Edessa"/>
+        <a:font script="Syre" typeface="Estrangelo Edessa"/>
+        <a:font script="Sora" typeface="Nirmala UI"/>
+        <a:font script="Tale" typeface="Microsoft Tai Le"/>
+        <a:font script="Talu" typeface="Microsoft New Tai Lue"/>
+        <a:font script="Tfng" typeface="Ebrima"/>
+      </a:majorFont>
+      <a:minorFont>
+        <a:latin typeface="Calibri" panose="020F0502020204030204"/>
+        <a:ea typeface=""/>
+        <a:cs typeface=""/>
+        <a:font script="Jpan" typeface="游ゴシック"/>
+        <a:font script="Hang" typeface="맑은 고딕"/>
+        <a:font script="Hans" typeface="等线"/>
+        <a:font script="Hant" typeface="新細明體"/>
+        <a:font script="Arab" typeface="Arial"/>
+        <a:font script="Hebr" typeface="Arial"/>
+        <a:font script="Thai" typeface="Cordia New"/>
+        <a:font script="Ethi" typeface="Nyala"/>
+        <a:font script="Beng" typeface="Vrinda"/>
+        <a:font script="Gujr" typeface="Shruti"/>
+        <a:font script="Khmr" typeface="DaunPenh"/>
+        <a:font script="Knda" typeface="Tunga"/>
+        <a:font script="Guru" typeface="Raavi"/>
+        <a:font script="Cans" typeface="Euphemia"/>
+        <a:font script="Cher" typeface="Plantagenet Cherokee"/>
+        <a:font script="Yiii" typeface="Microsoft Yi Baiti"/>
+        <a:font script="Tibt" typeface="Microsoft Himalaya"/>
+        <a:font script="Thaa" typeface="MV Boli"/>
+        <a:font script="Deva" typeface="Mangal"/>
+        <a:font script="Telu" typeface="Gautami"/>
+        <a:font script="Taml" typeface="Latha"/>
+        <a:font script="Syrc" typeface="Estrangelo Edessa"/>
+        <a:font script="Orya" typeface="Kalinga"/>
+        <a:font script="Mlym" typeface="Kartika"/>
+        <a:font script="Laoo" typeface="DokChampa"/>
+        <a:font script="Sinh" typeface="Iskoola Pota"/>
+        <a:font script="Mong" typeface="Mongolian Baiti"/>
+        <a:font script="Viet" typeface="Arial"/>
+        <a:font script="Uigh" typeface="Microsoft Uighur"/>
+        <a:font script="Geor" typeface="Sylfaen"/>
+        <a:font script="Armn" typeface="Arial"/>
+        <a:font script="Bugi" typeface="Leelawadee UI"/>
+        <a:font script="Bopo" typeface="Microsoft JhengHei"/>
+        <a:font script="Java" typeface="Javanese Text"/>
+        <a:font script="Lisu" typeface="Segoe UI"/>
+        <a:font script="Mymr" typeface="Myanmar Text"/>
+        <a:font script="Nkoo" typeface="Ebrima"/>
+        <a:font script="Olck" typeface="Nirmala UI"/>
+        <a:font script="Osma" typeface="Ebrima"/>
+        <a:font script="Phag" typeface="Phagspa"/>
+        <a:font script="Syrn" typeface="Estrangelo Edessa"/>
+        <a:font script="Syrj" typeface="Estrangelo Edessa"/>
+        <a:font script="Syre" typeface="Estrangelo Edessa"/>
+        <a:font script="Sora" typeface="Nirmala UI"/>
+        <a:font script="Tale" typeface="Microsoft Tai Le"/>
+        <a:font script="Talu" typeface="Microsoft New Tai Lue"/>
+        <a:font script="Tfng" typeface="Ebrima"/>
+      </a:minorFont>
+    </a:fontScheme>
+    <a:fmtScheme name="Стандартная">
+      <a:fillStyleLst>
+        <a:solidFill>
+          <a:schemeClr val="phClr"/>
+        </a:solidFill>
+        <a:gradFill rotWithShape="1">
+          <a:gsLst>
+            <a:gs pos="0">
+              <a:schemeClr val="phClr">
+                <a:lumMod val="110000"/>
+                <a:satMod val="105000"/>
+                <a:tint val="67000"/>
+              </a:schemeClr>
+            </a:gs>
+            <a:gs pos="50000">
+              <a:schemeClr val="phClr">
+                <a:lumMod val="105000"/>
+                <a:satMod val="103000"/>
+                <a:tint val="73000"/>
+              </a:schemeClr>
+            </a:gs>
+            <a:gs pos="100000">
+              <a:schemeClr val="phClr">
+                <a:lumMod val="105000"/>
+                <a:satMod val="109000"/>
+                <a:tint val="81000"/>
+              </a:schemeClr>
+            </a:gs>
+          </a:gsLst>
+          <a:lin ang="5400000" scaled="0"/>
+        </a:gradFill>
+        <a:gradFill rotWithShape="1">
+          <a:gsLst>
+            <a:gs pos="0">
+              <a:schemeClr val="phClr">
+                <a:satMod val="103000"/>
+                <a:lumMod val="102000"/>
+                <a:tint val="94000"/>
+              </a:schemeClr>
+            </a:gs>
+            <a:gs pos="50000">
+              <a:schemeClr val="phClr">
+                <a:satMod val="110000"/>
+                <a:lumMod val="100000"/>
+                <a:shade val="100000"/>
+              </a:schemeClr>
+            </a:gs>
+            <a:gs pos="100000">
+              <a:schemeClr val="phClr">
+                <a:lumMod val="99000"/>
+                <a:satMod val="120000"/>
+                <a:shade val="78000"/>
+              </a:schemeClr>
+            </a:gs>
+          </a:gsLst>
+          <a:lin ang="5400000" scaled="0"/>
+        </a:gradFill>
+      </a:fillStyleLst>
+      <a:lnStyleLst>
+        <a:ln w="6350" cap="flat" cmpd="sng" algn="ctr">
+          <a:solidFill>
+            <a:schemeClr val="phClr"/>
+          </a:solidFill>
+          <a:prstDash val="solid"/>
+          <a:miter lim="800000"/>
+        </a:ln>
+        <a:ln w="12700" cap="flat" cmpd="sng" algn="ctr">
+          <a:solidFill>
+            <a:schemeClr val="phClr"/>
+          </a:solidFill>
+          <a:prstDash val="solid"/>
+          <a:miter lim="800000"/>
+        </a:ln>
+        <a:ln w="19050" cap="flat" cmpd="sng" algn="ctr">
+          <a:solidFill>
+            <a:schemeClr val="phClr"/>
+          </a:solidFill>
+          <a:prstDash val="solid"/>
+          <a:miter lim="800000"/>
+        </a:ln>
+      </a:lnStyleLst>
+      <a:effectStyleLst>
+        <a:effectStyle>
+          <a:effectLst/>
+        </a:effectStyle>
+        <a:effectStyle>
+          <a:effectLst/>
+        </a:effectStyle>
+        <a:effectStyle>
+          <a:effectLst>
+            <a:outerShdw blurRad="57150" dist="19050" dir="5400000" algn="ctr" rotWithShape="0">
+              <a:srgbClr val="000000">
+                <a:alpha val="63000"/>
+              </a:srgbClr>
+            </a:outerShdw>
+          </a:effectLst>
+        </a:effectStyle>
+      </a:effectStyleLst>
+      <a:bgFillStyleLst>
+        <a:solidFill>
+          <a:schemeClr val="phClr"/>
+        </a:solidFill>
+        <a:solidFill>
+          <a:schemeClr val="phClr">
+            <a:tint val="95000"/>
+            <a:satMod val="170000"/>
+          </a:schemeClr>
+        </a:solidFill>
+        <a:gradFill rotWithShape="1">
+          <a:gsLst>
+            <a:gs pos="0">
+              <a:schemeClr val="phClr">
+                <a:tint val="93000"/>
+                <a:satMod val="150000"/>
+                <a:shade val="98000"/>
+                <a:lumMod val="102000"/>
+              </a:schemeClr>
+            </a:gs>
+            <a:gs pos="50000">
+              <a:schemeClr val="phClr">
+                <a:tint val="98000"/>
+                <a:satMod val="130000"/>
+                <a:shade val="90000"/>
+                <a:lumMod val="103000"/>
+              </a:schemeClr>
+            </a:gs>
+            <a:gs pos="100000">
+              <a:schemeClr val="phClr">
+                <a:shade val="63000"/>
+                <a:satMod val="120000"/>
+              </a:schemeClr>
+            </a:gs>
+          </a:gsLst>
+          <a:lin ang="5400000" scaled="0"/>
+        </a:gradFill>
+      </a:bgFillStyleLst>
+    </a:fmtScheme>
+  </a:themeElements>
+  <a:objectDefaults/>
+  <a:extraClrSchemeLst/>
+  <a:extLst>
+    <a:ext uri="{05A4C25C-085E-4340-85A3-A5531E510DB2}">
+      <thm15:themeFamily xmlns:thm15="http://schemas.microsoft.com/office/thememl/2012/main" name="Office Theme" id="{62F939B6-93AF-4DB8-9C6B-D6C7DFDC589F}" vid="{4A3C46E8-61CC-4603-A589-7422A47A8E4A}"/>
+    </a:ext>
+  </a:extLst>
+</a:theme>
 </file>